--- a/main.pptx
+++ b/main.pptx
@@ -188,7 +188,7 @@
   </p:defaultTextStyle>
   <p:extLst>
     <p:ext uri="{EFAFB233-063F-42B5-8137-9DF3F51BA10A}">
-      <p15:sldGuideLst xmlns:p15="http://schemas.microsoft.com/office/powerpoint/2012/main">
+      <p15:sldGuideLst xmlns:p15="http://schemas.microsoft.com/office/powerpoint/2012/main" xmlns="">
         <p15:guide id="1" orient="horz" pos="2160">
           <p15:clr>
             <a:srgbClr val="A4A3A4"/>
@@ -287,7 +287,7 @@
           <a:p>
             <a:fld id="{E2A2EE06-CC84-4939-8D30-3E7A115E483F}" type="datetimeFigureOut">
               <a:rPr lang="en-US" smtClean="0"/>
-              <a:t>7/23/2018</a:t>
+              <a:t>7/24/2018</a:t>
             </a:fld>
             <a:endParaRPr lang="en-US"/>
           </a:p>
@@ -5467,7 +5467,7 @@
           <p:cNvPr id="2" name="Title 1">
             <a:extLst>
               <a:ext uri="{FF2B5EF4-FFF2-40B4-BE49-F238E27FC236}">
-                <a16:creationId xmlns:a16="http://schemas.microsoft.com/office/drawing/2014/main" id="{F1502FAC-DC6D-4A19-9A62-D9547F4E8494}"/>
+                <a16:creationId xmlns:a16="http://schemas.microsoft.com/office/drawing/2014/main" xmlns="" id="{F1502FAC-DC6D-4A19-9A62-D9547F4E8494}"/>
               </a:ext>
             </a:extLst>
           </p:cNvPr>
@@ -5618,7 +5618,7 @@
           <p:cNvPr id="2" name="Title 1">
             <a:extLst>
               <a:ext uri="{FF2B5EF4-FFF2-40B4-BE49-F238E27FC236}">
-                <a16:creationId xmlns:a16="http://schemas.microsoft.com/office/drawing/2014/main" id="{DEED846F-43E9-4C16-AEC1-50A3FDB048D7}"/>
+                <a16:creationId xmlns:a16="http://schemas.microsoft.com/office/drawing/2014/main" xmlns="" id="{DEED846F-43E9-4C16-AEC1-50A3FDB048D7}"/>
               </a:ext>
             </a:extLst>
           </p:cNvPr>
@@ -5646,7 +5646,7 @@
           <p:cNvPr id="3" name="Content Placeholder 2">
             <a:extLst>
               <a:ext uri="{FF2B5EF4-FFF2-40B4-BE49-F238E27FC236}">
-                <a16:creationId xmlns:a16="http://schemas.microsoft.com/office/drawing/2014/main" id="{2E0C86D0-3F92-49A6-A54C-46E98074791F}"/>
+                <a16:creationId xmlns:a16="http://schemas.microsoft.com/office/drawing/2014/main" xmlns="" id="{2E0C86D0-3F92-49A6-A54C-46E98074791F}"/>
               </a:ext>
             </a:extLst>
           </p:cNvPr>
@@ -5791,7 +5791,7 @@
           <p:cNvPr id="2" name="Title 1">
             <a:extLst>
               <a:ext uri="{FF2B5EF4-FFF2-40B4-BE49-F238E27FC236}">
-                <a16:creationId xmlns:a16="http://schemas.microsoft.com/office/drawing/2014/main" id="{7E71D1F4-6E47-4400-90E8-F73753F91370}"/>
+                <a16:creationId xmlns:a16="http://schemas.microsoft.com/office/drawing/2014/main" xmlns="" id="{7E71D1F4-6E47-4400-90E8-F73753F91370}"/>
               </a:ext>
             </a:extLst>
           </p:cNvPr>
@@ -5819,7 +5819,7 @@
           <p:cNvPr id="3" name="Content Placeholder 2">
             <a:extLst>
               <a:ext uri="{FF2B5EF4-FFF2-40B4-BE49-F238E27FC236}">
-                <a16:creationId xmlns:a16="http://schemas.microsoft.com/office/drawing/2014/main" id="{21872DA8-1DB5-42D2-89BC-0E24AB8E838F}"/>
+                <a16:creationId xmlns:a16="http://schemas.microsoft.com/office/drawing/2014/main" xmlns="" id="{21872DA8-1DB5-42D2-89BC-0E24AB8E838F}"/>
               </a:ext>
             </a:extLst>
           </p:cNvPr>
@@ -6047,7 +6047,7 @@
           <p:cNvPr id="2" name="Title 1">
             <a:extLst>
               <a:ext uri="{FF2B5EF4-FFF2-40B4-BE49-F238E27FC236}">
-                <a16:creationId xmlns:a16="http://schemas.microsoft.com/office/drawing/2014/main" id="{7E71D1F4-6E47-4400-90E8-F73753F91370}"/>
+                <a16:creationId xmlns:a16="http://schemas.microsoft.com/office/drawing/2014/main" xmlns="" id="{7E71D1F4-6E47-4400-90E8-F73753F91370}"/>
               </a:ext>
             </a:extLst>
           </p:cNvPr>
@@ -6075,7 +6075,7 @@
           <p:cNvPr id="3" name="Content Placeholder 2">
             <a:extLst>
               <a:ext uri="{FF2B5EF4-FFF2-40B4-BE49-F238E27FC236}">
-                <a16:creationId xmlns:a16="http://schemas.microsoft.com/office/drawing/2014/main" id="{21872DA8-1DB5-42D2-89BC-0E24AB8E838F}"/>
+                <a16:creationId xmlns:a16="http://schemas.microsoft.com/office/drawing/2014/main" xmlns="" id="{21872DA8-1DB5-42D2-89BC-0E24AB8E838F}"/>
               </a:ext>
             </a:extLst>
           </p:cNvPr>
@@ -6284,7 +6284,7 @@
           <p:cNvPr id="2" name="Title 1">
             <a:extLst>
               <a:ext uri="{FF2B5EF4-FFF2-40B4-BE49-F238E27FC236}">
-                <a16:creationId xmlns:a16="http://schemas.microsoft.com/office/drawing/2014/main" id="{7E71D1F4-6E47-4400-90E8-F73753F91370}"/>
+                <a16:creationId xmlns:a16="http://schemas.microsoft.com/office/drawing/2014/main" xmlns="" id="{7E71D1F4-6E47-4400-90E8-F73753F91370}"/>
               </a:ext>
             </a:extLst>
           </p:cNvPr>
@@ -6314,7 +6314,7 @@
               <p:cNvPr id="3" name="Content Placeholder 2">
                 <a:extLst>
                   <a:ext uri="{FF2B5EF4-FFF2-40B4-BE49-F238E27FC236}">
-                    <a16:creationId xmlns:a16="http://schemas.microsoft.com/office/drawing/2014/main" id="{21872DA8-1DB5-42D2-89BC-0E24AB8E838F}"/>
+                    <a16:creationId xmlns:a16="http://schemas.microsoft.com/office/drawing/2014/main" xmlns="" id="{21872DA8-1DB5-42D2-89BC-0E24AB8E838F}"/>
                   </a:ext>
                 </a:extLst>
               </p:cNvPr>
@@ -6369,7 +6369,7 @@
                         <m:funcPr>
                           <m:ctrlPr>
                             <a:rPr lang="en-US" i="1" dirty="0" smtClean="0">
-                              <a:latin typeface="Cambria Math" panose="02040503050406030204" pitchFamily="18" charset="0"/>
+                              <a:latin typeface="Cambria Math"/>
                             </a:rPr>
                           </m:ctrlPr>
                         </m:funcPr>
@@ -6457,7 +6457,7 @@
                         <m:sSubPr>
                           <m:ctrlPr>
                             <a:rPr lang="en-US" b="0" i="1" dirty="0" smtClean="0">
-                              <a:latin typeface="Cambria Math" panose="02040503050406030204" pitchFamily="18" charset="0"/>
+                              <a:latin typeface="Cambria Math"/>
                             </a:rPr>
                           </m:ctrlPr>
                         </m:sSubPr>
@@ -6494,7 +6494,7 @@
                         <m:sSubSupPr>
                           <m:ctrlPr>
                             <a:rPr lang="en-US" b="0" i="1" dirty="0" smtClean="0">
-                              <a:latin typeface="Cambria Math" panose="02040503050406030204" pitchFamily="18" charset="0"/>
+                              <a:latin typeface="Cambria Math"/>
                             </a:rPr>
                           </m:ctrlPr>
                         </m:sSubSupPr>
@@ -6539,7 +6539,7 @@
                         <m:sSubPr>
                           <m:ctrlPr>
                             <a:rPr lang="en-US" i="1" dirty="0">
-                              <a:latin typeface="Cambria Math" panose="02040503050406030204" pitchFamily="18" charset="0"/>
+                              <a:latin typeface="Cambria Math"/>
                             </a:rPr>
                           </m:ctrlPr>
                         </m:sSubPr>
@@ -6605,7 +6605,7 @@
                         <m:funcPr>
                           <m:ctrlPr>
                             <a:rPr lang="en-US" i="1" dirty="0">
-                              <a:latin typeface="Cambria Math" panose="02040503050406030204" pitchFamily="18" charset="0"/>
+                              <a:latin typeface="Cambria Math"/>
                             </a:rPr>
                           </m:ctrlPr>
                         </m:funcPr>
@@ -6687,7 +6687,7 @@
                         <m:sSubPr>
                           <m:ctrlPr>
                             <a:rPr lang="en-US" i="1" dirty="0">
-                              <a:latin typeface="Cambria Math" panose="02040503050406030204" pitchFamily="18" charset="0"/>
+                              <a:latin typeface="Cambria Math"/>
                             </a:rPr>
                           </m:ctrlPr>
                         </m:sSubPr>
@@ -6724,7 +6724,7 @@
                         <m:sSubPr>
                           <m:ctrlPr>
                             <a:rPr lang="en-US" b="0" i="1" dirty="0" smtClean="0">
-                              <a:latin typeface="Cambria Math" panose="02040503050406030204" pitchFamily="18" charset="0"/>
+                              <a:latin typeface="Cambria Math"/>
                             </a:rPr>
                           </m:ctrlPr>
                         </m:sSubPr>
@@ -6761,7 +6761,7 @@
                         <m:sSubPr>
                           <m:ctrlPr>
                             <a:rPr lang="en-US" i="1" dirty="0">
-                              <a:latin typeface="Cambria Math" panose="02040503050406030204" pitchFamily="18" charset="0"/>
+                              <a:latin typeface="Cambria Math"/>
                             </a:rPr>
                           </m:ctrlPr>
                         </m:sSubPr>
@@ -6946,7 +6946,7 @@
           <p:cNvPr id="2" name="Title 1">
             <a:extLst>
               <a:ext uri="{FF2B5EF4-FFF2-40B4-BE49-F238E27FC236}">
-                <a16:creationId xmlns:a16="http://schemas.microsoft.com/office/drawing/2014/main" id="{35B5405D-573D-4FC4-B35A-D571C5AC95D1}"/>
+                <a16:creationId xmlns:a16="http://schemas.microsoft.com/office/drawing/2014/main" xmlns="" id="{35B5405D-573D-4FC4-B35A-D571C5AC95D1}"/>
               </a:ext>
             </a:extLst>
           </p:cNvPr>
@@ -6974,7 +6974,7 @@
           <p:cNvPr id="3" name="Content Placeholder 2">
             <a:extLst>
               <a:ext uri="{FF2B5EF4-FFF2-40B4-BE49-F238E27FC236}">
-                <a16:creationId xmlns:a16="http://schemas.microsoft.com/office/drawing/2014/main" id="{456C6D6E-3382-4829-A3DD-AD47DEC863CE}"/>
+                <a16:creationId xmlns:a16="http://schemas.microsoft.com/office/drawing/2014/main" xmlns="" id="{456C6D6E-3382-4829-A3DD-AD47DEC863CE}"/>
               </a:ext>
             </a:extLst>
           </p:cNvPr>
@@ -7127,7 +7127,7 @@
           <p:cNvPr id="7" name="Table">
             <a:extLst>
               <a:ext uri="{FF2B5EF4-FFF2-40B4-BE49-F238E27FC236}">
-                <a16:creationId xmlns:a16="http://schemas.microsoft.com/office/drawing/2014/main" id="{BBB72235-0718-4D64-8E43-5306F90BE0DD}"/>
+                <a16:creationId xmlns:a16="http://schemas.microsoft.com/office/drawing/2014/main" xmlns="" id="{BBB72235-0718-4D64-8E43-5306F90BE0DD}"/>
               </a:ext>
             </a:extLst>
           </p:cNvPr>
@@ -7152,21 +7152,21 @@
                 <a:gridCol w="1186146">
                   <a:extLst>
                     <a:ext uri="{9D8B030D-6E8A-4147-A177-3AD203B41FA5}">
-                      <a16:colId xmlns:a16="http://schemas.microsoft.com/office/drawing/2014/main" val="20000"/>
+                      <a16:colId xmlns:a16="http://schemas.microsoft.com/office/drawing/2014/main" xmlns="" val="20000"/>
                     </a:ext>
                   </a:extLst>
                 </a:gridCol>
                 <a:gridCol w="2964893">
                   <a:extLst>
                     <a:ext uri="{9D8B030D-6E8A-4147-A177-3AD203B41FA5}">
-                      <a16:colId xmlns:a16="http://schemas.microsoft.com/office/drawing/2014/main" val="20001"/>
+                      <a16:colId xmlns:a16="http://schemas.microsoft.com/office/drawing/2014/main" xmlns="" val="20001"/>
                     </a:ext>
                   </a:extLst>
                 </a:gridCol>
                 <a:gridCol w="4087176">
                   <a:extLst>
                     <a:ext uri="{9D8B030D-6E8A-4147-A177-3AD203B41FA5}">
-                      <a16:colId xmlns:a16="http://schemas.microsoft.com/office/drawing/2014/main" val="20002"/>
+                      <a16:colId xmlns:a16="http://schemas.microsoft.com/office/drawing/2014/main" xmlns="" val="20002"/>
                     </a:ext>
                   </a:extLst>
                 </a:gridCol>
@@ -7279,7 +7279,7 @@
                 </a:tc>
                 <a:extLst>
                   <a:ext uri="{0D108BD9-81ED-4DB2-BD59-A6C34878D82A}">
-                    <a16:rowId xmlns:a16="http://schemas.microsoft.com/office/drawing/2014/main" val="10000"/>
+                    <a16:rowId xmlns:a16="http://schemas.microsoft.com/office/drawing/2014/main" xmlns="" val="10000"/>
                   </a:ext>
                 </a:extLst>
               </a:tr>
@@ -7372,7 +7372,7 @@
                 </a:tc>
                 <a:extLst>
                   <a:ext uri="{0D108BD9-81ED-4DB2-BD59-A6C34878D82A}">
-                    <a16:rowId xmlns:a16="http://schemas.microsoft.com/office/drawing/2014/main" val="10001"/>
+                    <a16:rowId xmlns:a16="http://schemas.microsoft.com/office/drawing/2014/main" xmlns="" val="10001"/>
                   </a:ext>
                 </a:extLst>
               </a:tr>
@@ -7465,7 +7465,7 @@
                 </a:tc>
                 <a:extLst>
                   <a:ext uri="{0D108BD9-81ED-4DB2-BD59-A6C34878D82A}">
-                    <a16:rowId xmlns:a16="http://schemas.microsoft.com/office/drawing/2014/main" val="10002"/>
+                    <a16:rowId xmlns:a16="http://schemas.microsoft.com/office/drawing/2014/main" xmlns="" val="10002"/>
                   </a:ext>
                 </a:extLst>
               </a:tr>
@@ -7558,7 +7558,7 @@
                 </a:tc>
                 <a:extLst>
                   <a:ext uri="{0D108BD9-81ED-4DB2-BD59-A6C34878D82A}">
-                    <a16:rowId xmlns:a16="http://schemas.microsoft.com/office/drawing/2014/main" val="10003"/>
+                    <a16:rowId xmlns:a16="http://schemas.microsoft.com/office/drawing/2014/main" xmlns="" val="10003"/>
                   </a:ext>
                 </a:extLst>
               </a:tr>
@@ -7651,7 +7651,7 @@
                 </a:tc>
                 <a:extLst>
                   <a:ext uri="{0D108BD9-81ED-4DB2-BD59-A6C34878D82A}">
-                    <a16:rowId xmlns:a16="http://schemas.microsoft.com/office/drawing/2014/main" val="10004"/>
+                    <a16:rowId xmlns:a16="http://schemas.microsoft.com/office/drawing/2014/main" xmlns="" val="10004"/>
                   </a:ext>
                 </a:extLst>
               </a:tr>
@@ -7744,7 +7744,7 @@
                 </a:tc>
                 <a:extLst>
                   <a:ext uri="{0D108BD9-81ED-4DB2-BD59-A6C34878D82A}">
-                    <a16:rowId xmlns:a16="http://schemas.microsoft.com/office/drawing/2014/main" val="10005"/>
+                    <a16:rowId xmlns:a16="http://schemas.microsoft.com/office/drawing/2014/main" xmlns="" val="10005"/>
                   </a:ext>
                 </a:extLst>
               </a:tr>
@@ -7837,7 +7837,7 @@
                 </a:tc>
                 <a:extLst>
                   <a:ext uri="{0D108BD9-81ED-4DB2-BD59-A6C34878D82A}">
-                    <a16:rowId xmlns:a16="http://schemas.microsoft.com/office/drawing/2014/main" val="10006"/>
+                    <a16:rowId xmlns:a16="http://schemas.microsoft.com/office/drawing/2014/main" xmlns="" val="10006"/>
                   </a:ext>
                 </a:extLst>
               </a:tr>
@@ -7930,7 +7930,7 @@
                 </a:tc>
                 <a:extLst>
                   <a:ext uri="{0D108BD9-81ED-4DB2-BD59-A6C34878D82A}">
-                    <a16:rowId xmlns:a16="http://schemas.microsoft.com/office/drawing/2014/main" val="10007"/>
+                    <a16:rowId xmlns:a16="http://schemas.microsoft.com/office/drawing/2014/main" xmlns="" val="10007"/>
                   </a:ext>
                 </a:extLst>
               </a:tr>
@@ -8042,7 +8042,7 @@
                 </a:tc>
                 <a:extLst>
                   <a:ext uri="{0D108BD9-81ED-4DB2-BD59-A6C34878D82A}">
-                    <a16:rowId xmlns:a16="http://schemas.microsoft.com/office/drawing/2014/main" val="10008"/>
+                    <a16:rowId xmlns:a16="http://schemas.microsoft.com/office/drawing/2014/main" xmlns="" val="10008"/>
                   </a:ext>
                 </a:extLst>
               </a:tr>
@@ -8085,7 +8085,7 @@
           <p:cNvPr id="2" name="Title 1">
             <a:extLst>
               <a:ext uri="{FF2B5EF4-FFF2-40B4-BE49-F238E27FC236}">
-                <a16:creationId xmlns:a16="http://schemas.microsoft.com/office/drawing/2014/main" id="{DEED846F-43E9-4C16-AEC1-50A3FDB048D7}"/>
+                <a16:creationId xmlns:a16="http://schemas.microsoft.com/office/drawing/2014/main" xmlns="" id="{DEED846F-43E9-4C16-AEC1-50A3FDB048D7}"/>
               </a:ext>
             </a:extLst>
           </p:cNvPr>
@@ -8113,7 +8113,7 @@
           <p:cNvPr id="3" name="Content Placeholder 2">
             <a:extLst>
               <a:ext uri="{FF2B5EF4-FFF2-40B4-BE49-F238E27FC236}">
-                <a16:creationId xmlns:a16="http://schemas.microsoft.com/office/drawing/2014/main" id="{2E0C86D0-3F92-49A6-A54C-46E98074791F}"/>
+                <a16:creationId xmlns:a16="http://schemas.microsoft.com/office/drawing/2014/main" xmlns="" id="{2E0C86D0-3F92-49A6-A54C-46E98074791F}"/>
               </a:ext>
             </a:extLst>
           </p:cNvPr>
@@ -8252,7 +8252,7 @@
           <p:cNvPr id="2" name="Title 1">
             <a:extLst>
               <a:ext uri="{FF2B5EF4-FFF2-40B4-BE49-F238E27FC236}">
-                <a16:creationId xmlns:a16="http://schemas.microsoft.com/office/drawing/2014/main" id="{C049CFDE-EAA6-4E78-A51B-4F5F17C1D04F}"/>
+                <a16:creationId xmlns:a16="http://schemas.microsoft.com/office/drawing/2014/main" xmlns="" id="{C049CFDE-EAA6-4E78-A51B-4F5F17C1D04F}"/>
               </a:ext>
             </a:extLst>
           </p:cNvPr>
@@ -8284,7 +8284,7 @@
               <p:cNvPr id="3" name="Content Placeholder 2">
                 <a:extLst>
                   <a:ext uri="{FF2B5EF4-FFF2-40B4-BE49-F238E27FC236}">
-                    <a16:creationId xmlns:a16="http://schemas.microsoft.com/office/drawing/2014/main" id="{5364BB5C-FE83-4E04-8F64-3CC8D81793DE}"/>
+                    <a16:creationId xmlns:a16="http://schemas.microsoft.com/office/drawing/2014/main" xmlns="" id="{5364BB5C-FE83-4E04-8F64-3CC8D81793DE}"/>
                   </a:ext>
                 </a:extLst>
               </p:cNvPr>
@@ -8441,7 +8441,7 @@
                           <m:endChr m:val=""/>
                           <m:ctrlPr>
                             <a:rPr lang="en-US" b="0" i="1" dirty="0" smtClean="0">
-                              <a:latin typeface="Cambria Math" panose="02040503050406030204" pitchFamily="18" charset="0"/>
+                              <a:latin typeface="Cambria Math"/>
                             </a:rPr>
                           </m:ctrlPr>
                         </m:dPr>
@@ -8450,7 +8450,7 @@
                             <m:eqArrPr>
                               <m:ctrlPr>
                                 <a:rPr lang="en-US" b="0" i="1" dirty="0" smtClean="0">
-                                  <a:latin typeface="Cambria Math" panose="02040503050406030204" pitchFamily="18" charset="0"/>
+                                  <a:latin typeface="Cambria Math"/>
                                 </a:rPr>
                               </m:ctrlPr>
                             </m:eqArrPr>
@@ -8483,7 +8483,7 @@
                                 <m:sSubPr>
                                   <m:ctrlPr>
                                     <a:rPr lang="en-US" b="0" i="1" dirty="0" smtClean="0">
-                                      <a:latin typeface="Cambria Math" panose="02040503050406030204" pitchFamily="18" charset="0"/>
+                                      <a:latin typeface="Cambria Math"/>
                                     </a:rPr>
                                   </m:ctrlPr>
                                 </m:sSubPr>
@@ -8546,7 +8546,7 @@
                                 <m:sSubPr>
                                   <m:ctrlPr>
                                     <a:rPr lang="en-US" i="1" dirty="0">
-                                      <a:latin typeface="Cambria Math" panose="02040503050406030204" pitchFamily="18" charset="0"/>
+                                      <a:latin typeface="Cambria Math"/>
                                     </a:rPr>
                                   </m:ctrlPr>
                                 </m:sSubPr>
@@ -8609,7 +8609,7 @@
                                 <m:sSubPr>
                                   <m:ctrlPr>
                                     <a:rPr lang="en-US" i="1" dirty="0">
-                                      <a:latin typeface="Cambria Math" panose="02040503050406030204" pitchFamily="18" charset="0"/>
+                                      <a:latin typeface="Cambria Math"/>
                                     </a:rPr>
                                   </m:ctrlPr>
                                 </m:sSubPr>
@@ -8866,7 +8866,7 @@
           <p:cNvPr id="2" name="Title 1">
             <a:extLst>
               <a:ext uri="{FF2B5EF4-FFF2-40B4-BE49-F238E27FC236}">
-                <a16:creationId xmlns:a16="http://schemas.microsoft.com/office/drawing/2014/main" id="{29A47F12-4BC5-488A-A488-5B9C007231D4}"/>
+                <a16:creationId xmlns:a16="http://schemas.microsoft.com/office/drawing/2014/main" xmlns="" id="{29A47F12-4BC5-488A-A488-5B9C007231D4}"/>
               </a:ext>
             </a:extLst>
           </p:cNvPr>
@@ -8894,7 +8894,7 @@
           <p:cNvPr id="3" name="Content Placeholder 2">
             <a:extLst>
               <a:ext uri="{FF2B5EF4-FFF2-40B4-BE49-F238E27FC236}">
-                <a16:creationId xmlns:a16="http://schemas.microsoft.com/office/drawing/2014/main" id="{79E749A6-5B22-4315-B390-591804A21DC6}"/>
+                <a16:creationId xmlns:a16="http://schemas.microsoft.com/office/drawing/2014/main" xmlns="" id="{79E749A6-5B22-4315-B390-591804A21DC6}"/>
               </a:ext>
             </a:extLst>
           </p:cNvPr>
@@ -9056,7 +9056,7 @@
           <p:cNvPr id="2" name="Title 1">
             <a:extLst>
               <a:ext uri="{FF2B5EF4-FFF2-40B4-BE49-F238E27FC236}">
-                <a16:creationId xmlns:a16="http://schemas.microsoft.com/office/drawing/2014/main" id="{79BB1121-4FEE-4FA8-9D09-C0A7AE35683B}"/>
+                <a16:creationId xmlns:a16="http://schemas.microsoft.com/office/drawing/2014/main" xmlns="" id="{79BB1121-4FEE-4FA8-9D09-C0A7AE35683B}"/>
               </a:ext>
             </a:extLst>
           </p:cNvPr>
@@ -9084,7 +9084,7 @@
           <p:cNvPr id="3" name="Content Placeholder 2">
             <a:extLst>
               <a:ext uri="{FF2B5EF4-FFF2-40B4-BE49-F238E27FC236}">
-                <a16:creationId xmlns:a16="http://schemas.microsoft.com/office/drawing/2014/main" id="{95ECD4CF-CA60-447A-AE11-607415094E71}"/>
+                <a16:creationId xmlns:a16="http://schemas.microsoft.com/office/drawing/2014/main" xmlns="" id="{95ECD4CF-CA60-447A-AE11-607415094E71}"/>
               </a:ext>
             </a:extLst>
           </p:cNvPr>
@@ -9098,7 +9098,7 @@
         <p:spPr/>
         <p:txBody>
           <a:bodyPr>
-            <a:normAutofit lnSpcReduction="10000"/>
+            <a:normAutofit fontScale="77500" lnSpcReduction="20000"/>
           </a:bodyPr>
           <a:lstStyle/>
           <a:p>
@@ -9117,30 +9117,81 @@
           <a:p>
             <a:r>
               <a:rPr lang="en-US" dirty="0"/>
-              <a:t>Find more tools (e.g., partial-regression/added-variable plot, partial-residual/component-residual plot, etc.) using:</a:t>
-            </a:r>
+              <a:t>Find more tools (e.g., partial-regression/added-variable plot, partial-residual/component-residual plot, etc</a:t>
+            </a:r>
+            <a:r>
+              <a:rPr lang="en-US" dirty="0" smtClean="0"/>
+              <a:t>.):</a:t>
+            </a:r>
+            <a:endParaRPr lang="en-US" dirty="0"/>
           </a:p>
           <a:p>
             <a:pPr lvl="1"/>
             <a:r>
-              <a:rPr lang="en-US" dirty="0"/>
-              <a:t>methods(class=‘</a:t>
-            </a:r>
-            <a:r>
-              <a:rPr lang="en-US" dirty="0" err="1"/>
-              <a:t>lm</a:t>
-            </a:r>
-            <a:r>
-              <a:rPr lang="en-US" dirty="0"/>
+              <a:rPr lang="en-US" dirty="0" smtClean="0"/>
+              <a:t>Use </a:t>
+            </a:r>
+            <a:r>
+              <a:rPr lang="en-US" dirty="0" smtClean="0"/>
+              <a:t>methods(class</a:t>
+            </a:r>
+            <a:r>
+              <a:rPr lang="en-US" dirty="0"/>
+              <a:t>=‘lm</a:t>
+            </a:r>
+            <a:r>
+              <a:rPr lang="en-US" dirty="0" smtClean="0"/>
               <a:t>’)</a:t>
             </a:r>
           </a:p>
           <a:p>
             <a:pPr lvl="1"/>
             <a:r>
-              <a:rPr lang="en-US" dirty="0"/>
+              <a:rPr lang="en-US" dirty="0" smtClean="0"/>
               <a:t>The methods() function returns all the generic functions that can be used for the class provided to its “class” argument.</a:t>
             </a:r>
+          </a:p>
+          <a:p>
+            <a:pPr lvl="1"/>
+            <a:r>
+              <a:rPr lang="en-US" dirty="0" smtClean="0"/>
+              <a:t>Influential points:</a:t>
+            </a:r>
+          </a:p>
+          <a:p>
+            <a:pPr lvl="2"/>
+            <a:r>
+              <a:rPr lang="en-US" sz="2800" dirty="0" err="1" smtClean="0"/>
+              <a:t>influence.measures</a:t>
+            </a:r>
+            <a:r>
+              <a:rPr lang="en-US" sz="2800" dirty="0" smtClean="0"/>
+              <a:t>(toy.lm3) computes many measures related to influential points.</a:t>
+            </a:r>
+          </a:p>
+          <a:p>
+            <a:pPr lvl="2"/>
+            <a:r>
+              <a:rPr lang="en-US" sz="2800" dirty="0" smtClean="0"/>
+              <a:t>Use summary(</a:t>
+            </a:r>
+            <a:r>
+              <a:rPr lang="en-US" sz="2800" dirty="0" err="1" smtClean="0"/>
+              <a:t>influence.measures</a:t>
+            </a:r>
+            <a:r>
+              <a:rPr lang="en-US" sz="2800" dirty="0" smtClean="0"/>
+              <a:t>(toy.lm3)) to quickly </a:t>
+            </a:r>
+            <a:r>
+              <a:rPr lang="en-US" sz="2800" smtClean="0"/>
+              <a:t>obtain potentially </a:t>
+            </a:r>
+            <a:r>
+              <a:rPr lang="en-US" sz="2800" dirty="0" smtClean="0"/>
+              <a:t>influential points.</a:t>
+            </a:r>
+            <a:endParaRPr lang="en-US" sz="2800" dirty="0"/>
           </a:p>
         </p:txBody>
       </p:sp>
@@ -9450,7 +9501,7 @@
           <p:cNvPr id="2" name="Title 1">
             <a:extLst>
               <a:ext uri="{FF2B5EF4-FFF2-40B4-BE49-F238E27FC236}">
-                <a16:creationId xmlns:a16="http://schemas.microsoft.com/office/drawing/2014/main" id="{E43D6896-9995-40AD-B7F9-FB4BA36AD6CF}"/>
+                <a16:creationId xmlns:a16="http://schemas.microsoft.com/office/drawing/2014/main" xmlns="" id="{E43D6896-9995-40AD-B7F9-FB4BA36AD6CF}"/>
               </a:ext>
             </a:extLst>
           </p:cNvPr>
@@ -9478,7 +9529,7 @@
           <p:cNvPr id="3" name="Content Placeholder 2">
             <a:extLst>
               <a:ext uri="{FF2B5EF4-FFF2-40B4-BE49-F238E27FC236}">
-                <a16:creationId xmlns:a16="http://schemas.microsoft.com/office/drawing/2014/main" id="{3027D111-EFF2-44EC-BA79-BD84B15016A3}"/>
+                <a16:creationId xmlns:a16="http://schemas.microsoft.com/office/drawing/2014/main" xmlns="" id="{3027D111-EFF2-44EC-BA79-BD84B15016A3}"/>
               </a:ext>
             </a:extLst>
           </p:cNvPr>
@@ -9662,7 +9713,7 @@
           <p:cNvPr id="2" name="Title 1">
             <a:extLst>
               <a:ext uri="{FF2B5EF4-FFF2-40B4-BE49-F238E27FC236}">
-                <a16:creationId xmlns:a16="http://schemas.microsoft.com/office/drawing/2014/main" id="{3BCD5DFA-9EF4-4057-B8E0-4FA41BF73FC5}"/>
+                <a16:creationId xmlns:a16="http://schemas.microsoft.com/office/drawing/2014/main" xmlns="" id="{3BCD5DFA-9EF4-4057-B8E0-4FA41BF73FC5}"/>
               </a:ext>
             </a:extLst>
           </p:cNvPr>
@@ -9690,7 +9741,7 @@
           <p:cNvPr id="3" name="Content Placeholder 2">
             <a:extLst>
               <a:ext uri="{FF2B5EF4-FFF2-40B4-BE49-F238E27FC236}">
-                <a16:creationId xmlns:a16="http://schemas.microsoft.com/office/drawing/2014/main" id="{99C88A18-A47E-46F6-AB73-330C3EC7721D}"/>
+                <a16:creationId xmlns:a16="http://schemas.microsoft.com/office/drawing/2014/main" xmlns="" id="{99C88A18-A47E-46F6-AB73-330C3EC7721D}"/>
               </a:ext>
             </a:extLst>
           </p:cNvPr>
@@ -9845,7 +9896,7 @@
           <p:cNvPr id="2" name="Title 1">
             <a:extLst>
               <a:ext uri="{FF2B5EF4-FFF2-40B4-BE49-F238E27FC236}">
-                <a16:creationId xmlns:a16="http://schemas.microsoft.com/office/drawing/2014/main" id="{CD8454EB-7C8E-4828-AEE5-0DD2C795D393}"/>
+                <a16:creationId xmlns:a16="http://schemas.microsoft.com/office/drawing/2014/main" xmlns="" id="{CD8454EB-7C8E-4828-AEE5-0DD2C795D393}"/>
               </a:ext>
             </a:extLst>
           </p:cNvPr>
@@ -9870,7 +9921,7 @@
           <p:cNvPr id="3" name="Content Placeholder 2">
             <a:extLst>
               <a:ext uri="{FF2B5EF4-FFF2-40B4-BE49-F238E27FC236}">
-                <a16:creationId xmlns:a16="http://schemas.microsoft.com/office/drawing/2014/main" id="{9031DB80-0AC4-4AA0-B27F-0ADDBDD15873}"/>
+                <a16:creationId xmlns:a16="http://schemas.microsoft.com/office/drawing/2014/main" xmlns="" id="{9031DB80-0AC4-4AA0-B27F-0ADDBDD15873}"/>
               </a:ext>
             </a:extLst>
           </p:cNvPr>
@@ -10048,7 +10099,7 @@
           <p:cNvPr id="2" name="Title 1">
             <a:extLst>
               <a:ext uri="{FF2B5EF4-FFF2-40B4-BE49-F238E27FC236}">
-                <a16:creationId xmlns:a16="http://schemas.microsoft.com/office/drawing/2014/main" id="{2A24231D-9B05-4444-AE52-A9D247DD23B8}"/>
+                <a16:creationId xmlns:a16="http://schemas.microsoft.com/office/drawing/2014/main" xmlns="" id="{2A24231D-9B05-4444-AE52-A9D247DD23B8}"/>
               </a:ext>
             </a:extLst>
           </p:cNvPr>
@@ -10076,7 +10127,7 @@
           <p:cNvPr id="3" name="Content Placeholder 2">
             <a:extLst>
               <a:ext uri="{FF2B5EF4-FFF2-40B4-BE49-F238E27FC236}">
-                <a16:creationId xmlns:a16="http://schemas.microsoft.com/office/drawing/2014/main" id="{AB540D7D-DBDB-4FBF-8101-89CA890DC8E2}"/>
+                <a16:creationId xmlns:a16="http://schemas.microsoft.com/office/drawing/2014/main" xmlns="" id="{AB540D7D-DBDB-4FBF-8101-89CA890DC8E2}"/>
               </a:ext>
             </a:extLst>
           </p:cNvPr>
@@ -10223,7 +10274,7 @@
           <p:cNvPr id="2" name="Title 1">
             <a:extLst>
               <a:ext uri="{FF2B5EF4-FFF2-40B4-BE49-F238E27FC236}">
-                <a16:creationId xmlns:a16="http://schemas.microsoft.com/office/drawing/2014/main" id="{D93D6C40-21B0-4D8E-9A4A-901A3938A517}"/>
+                <a16:creationId xmlns:a16="http://schemas.microsoft.com/office/drawing/2014/main" xmlns="" id="{D93D6C40-21B0-4D8E-9A4A-901A3938A517}"/>
               </a:ext>
             </a:extLst>
           </p:cNvPr>
@@ -10253,7 +10304,7 @@
           <p:cNvPr id="3" name="Content Placeholder 2">
             <a:extLst>
               <a:ext uri="{FF2B5EF4-FFF2-40B4-BE49-F238E27FC236}">
-                <a16:creationId xmlns:a16="http://schemas.microsoft.com/office/drawing/2014/main" id="{FBD4267B-9545-4BD1-84CD-D14FB3236134}"/>
+                <a16:creationId xmlns:a16="http://schemas.microsoft.com/office/drawing/2014/main" xmlns="" id="{FBD4267B-9545-4BD1-84CD-D14FB3236134}"/>
               </a:ext>
             </a:extLst>
           </p:cNvPr>
@@ -10497,7 +10548,7 @@
           <p:cNvPr id="2" name="Title 1">
             <a:extLst>
               <a:ext uri="{FF2B5EF4-FFF2-40B4-BE49-F238E27FC236}">
-                <a16:creationId xmlns:a16="http://schemas.microsoft.com/office/drawing/2014/main" id="{368F7078-F0C2-4B54-A7ED-F7F56201DA7A}"/>
+                <a16:creationId xmlns:a16="http://schemas.microsoft.com/office/drawing/2014/main" xmlns="" id="{368F7078-F0C2-4B54-A7ED-F7F56201DA7A}"/>
               </a:ext>
             </a:extLst>
           </p:cNvPr>
@@ -10527,7 +10578,7 @@
           <p:cNvPr id="3" name="Content Placeholder 2">
             <a:extLst>
               <a:ext uri="{FF2B5EF4-FFF2-40B4-BE49-F238E27FC236}">
-                <a16:creationId xmlns:a16="http://schemas.microsoft.com/office/drawing/2014/main" id="{6C07C936-FEA5-417D-B138-18453C81D601}"/>
+                <a16:creationId xmlns:a16="http://schemas.microsoft.com/office/drawing/2014/main" xmlns="" id="{6C07C936-FEA5-417D-B138-18453C81D601}"/>
               </a:ext>
             </a:extLst>
           </p:cNvPr>
@@ -10996,7 +11047,7 @@
           <p:cNvPr id="2" name="Title 1">
             <a:extLst>
               <a:ext uri="{FF2B5EF4-FFF2-40B4-BE49-F238E27FC236}">
-                <a16:creationId xmlns:a16="http://schemas.microsoft.com/office/drawing/2014/main" id="{8C4702C5-0A6E-4DB7-A8BE-9D38FEB6B37B}"/>
+                <a16:creationId xmlns:a16="http://schemas.microsoft.com/office/drawing/2014/main" xmlns="" id="{8C4702C5-0A6E-4DB7-A8BE-9D38FEB6B37B}"/>
               </a:ext>
             </a:extLst>
           </p:cNvPr>
@@ -11024,7 +11075,7 @@
           <p:cNvPr id="3" name="Content Placeholder 2">
             <a:extLst>
               <a:ext uri="{FF2B5EF4-FFF2-40B4-BE49-F238E27FC236}">
-                <a16:creationId xmlns:a16="http://schemas.microsoft.com/office/drawing/2014/main" id="{A79B6661-AB88-44CF-9D6A-F7CD2C4F6EE0}"/>
+                <a16:creationId xmlns:a16="http://schemas.microsoft.com/office/drawing/2014/main" xmlns="" id="{A79B6661-AB88-44CF-9D6A-F7CD2C4F6EE0}"/>
               </a:ext>
             </a:extLst>
           </p:cNvPr>
@@ -11411,7 +11462,7 @@
           <p:cNvPr id="2" name="Title 1">
             <a:extLst>
               <a:ext uri="{FF2B5EF4-FFF2-40B4-BE49-F238E27FC236}">
-                <a16:creationId xmlns:a16="http://schemas.microsoft.com/office/drawing/2014/main" id="{A3551EAD-149F-464E-B210-EE43E7576E33}"/>
+                <a16:creationId xmlns:a16="http://schemas.microsoft.com/office/drawing/2014/main" xmlns="" id="{A3551EAD-149F-464E-B210-EE43E7576E33}"/>
               </a:ext>
             </a:extLst>
           </p:cNvPr>
@@ -11439,7 +11490,7 @@
           <p:cNvPr id="3" name="Content Placeholder 2">
             <a:extLst>
               <a:ext uri="{FF2B5EF4-FFF2-40B4-BE49-F238E27FC236}">
-                <a16:creationId xmlns:a16="http://schemas.microsoft.com/office/drawing/2014/main" id="{6F18ADA6-8284-4DF8-B5C0-F8AB0196E271}"/>
+                <a16:creationId xmlns:a16="http://schemas.microsoft.com/office/drawing/2014/main" xmlns="" id="{6F18ADA6-8284-4DF8-B5C0-F8AB0196E271}"/>
               </a:ext>
             </a:extLst>
           </p:cNvPr>
@@ -11586,7 +11637,7 @@
           <p:cNvPr id="2" name="Title 1">
             <a:extLst>
               <a:ext uri="{FF2B5EF4-FFF2-40B4-BE49-F238E27FC236}">
-                <a16:creationId xmlns:a16="http://schemas.microsoft.com/office/drawing/2014/main" id="{CD8454EB-7C8E-4828-AEE5-0DD2C795D393}"/>
+                <a16:creationId xmlns:a16="http://schemas.microsoft.com/office/drawing/2014/main" xmlns="" id="{CD8454EB-7C8E-4828-AEE5-0DD2C795D393}"/>
               </a:ext>
             </a:extLst>
           </p:cNvPr>
@@ -11611,7 +11662,7 @@
           <p:cNvPr id="3" name="Content Placeholder 2">
             <a:extLst>
               <a:ext uri="{FF2B5EF4-FFF2-40B4-BE49-F238E27FC236}">
-                <a16:creationId xmlns:a16="http://schemas.microsoft.com/office/drawing/2014/main" id="{9031DB80-0AC4-4AA0-B27F-0ADDBDD15873}"/>
+                <a16:creationId xmlns:a16="http://schemas.microsoft.com/office/drawing/2014/main" xmlns="" id="{9031DB80-0AC4-4AA0-B27F-0ADDBDD15873}"/>
               </a:ext>
             </a:extLst>
           </p:cNvPr>
@@ -11978,7 +12029,7 @@
           <p:cNvPr id="2" name="Title 1">
             <a:extLst>
               <a:ext uri="{FF2B5EF4-FFF2-40B4-BE49-F238E27FC236}">
-                <a16:creationId xmlns:a16="http://schemas.microsoft.com/office/drawing/2014/main" id="{A9256603-343C-4DA2-8949-164F38F63C05}"/>
+                <a16:creationId xmlns:a16="http://schemas.microsoft.com/office/drawing/2014/main" xmlns="" id="{A9256603-343C-4DA2-8949-164F38F63C05}"/>
               </a:ext>
             </a:extLst>
           </p:cNvPr>
@@ -12010,7 +12061,7 @@
           <p:cNvPr id="3" name="Content Placeholder 2">
             <a:extLst>
               <a:ext uri="{FF2B5EF4-FFF2-40B4-BE49-F238E27FC236}">
-                <a16:creationId xmlns:a16="http://schemas.microsoft.com/office/drawing/2014/main" id="{4BFFCD24-5DE1-467B-BAE8-96CC37962227}"/>
+                <a16:creationId xmlns:a16="http://schemas.microsoft.com/office/drawing/2014/main" xmlns="" id="{4BFFCD24-5DE1-467B-BAE8-96CC37962227}"/>
               </a:ext>
             </a:extLst>
           </p:cNvPr>
@@ -12167,7 +12218,7 @@
           <p:cNvPr id="5" name="TextBox 4">
             <a:extLst>
               <a:ext uri="{FF2B5EF4-FFF2-40B4-BE49-F238E27FC236}">
-                <a16:creationId xmlns:a16="http://schemas.microsoft.com/office/drawing/2014/main" id="{635AAAD7-AB95-4DA1-9628-09CD694B41F8}"/>
+                <a16:creationId xmlns:a16="http://schemas.microsoft.com/office/drawing/2014/main" xmlns="" id="{635AAAD7-AB95-4DA1-9628-09CD694B41F8}"/>
               </a:ext>
             </a:extLst>
           </p:cNvPr>
@@ -12301,7 +12352,7 @@
           <p:cNvPr id="2" name="Title 1">
             <a:extLst>
               <a:ext uri="{FF2B5EF4-FFF2-40B4-BE49-F238E27FC236}">
-                <a16:creationId xmlns:a16="http://schemas.microsoft.com/office/drawing/2014/main" id="{B568FB88-9104-4D48-9ABA-D1D55E1F8DD9}"/>
+                <a16:creationId xmlns:a16="http://schemas.microsoft.com/office/drawing/2014/main" xmlns="" id="{B568FB88-9104-4D48-9ABA-D1D55E1F8DD9}"/>
               </a:ext>
             </a:extLst>
           </p:cNvPr>
@@ -12333,7 +12384,7 @@
           <p:cNvPr id="4" name="Date Placeholder 3">
             <a:extLst>
               <a:ext uri="{FF2B5EF4-FFF2-40B4-BE49-F238E27FC236}">
-                <a16:creationId xmlns:a16="http://schemas.microsoft.com/office/drawing/2014/main" id="{E8BFCC3D-34C3-40EC-8C93-E69EE582354B}"/>
+                <a16:creationId xmlns:a16="http://schemas.microsoft.com/office/drawing/2014/main" xmlns="" id="{E8BFCC3D-34C3-40EC-8C93-E69EE582354B}"/>
               </a:ext>
             </a:extLst>
           </p:cNvPr>
@@ -12362,7 +12413,7 @@
           <p:cNvPr id="5" name="Footer Placeholder 4">
             <a:extLst>
               <a:ext uri="{FF2B5EF4-FFF2-40B4-BE49-F238E27FC236}">
-                <a16:creationId xmlns:a16="http://schemas.microsoft.com/office/drawing/2014/main" id="{B677AB7E-595B-45B0-8710-9894EE1F86DD}"/>
+                <a16:creationId xmlns:a16="http://schemas.microsoft.com/office/drawing/2014/main" xmlns="" id="{B677AB7E-595B-45B0-8710-9894EE1F86DD}"/>
               </a:ext>
             </a:extLst>
           </p:cNvPr>
@@ -12391,7 +12442,7 @@
           <p:cNvPr id="6" name="Slide Number Placeholder 5">
             <a:extLst>
               <a:ext uri="{FF2B5EF4-FFF2-40B4-BE49-F238E27FC236}">
-                <a16:creationId xmlns:a16="http://schemas.microsoft.com/office/drawing/2014/main" id="{BFEC5FD5-2A06-4F58-AA4A-5B593CBA4D6F}"/>
+                <a16:creationId xmlns:a16="http://schemas.microsoft.com/office/drawing/2014/main" xmlns="" id="{BFEC5FD5-2A06-4F58-AA4A-5B593CBA4D6F}"/>
               </a:ext>
             </a:extLst>
           </p:cNvPr>
@@ -12421,7 +12472,7 @@
           <p:cNvPr id="8" name="Picture 7">
             <a:extLst>
               <a:ext uri="{FF2B5EF4-FFF2-40B4-BE49-F238E27FC236}">
-                <a16:creationId xmlns:a16="http://schemas.microsoft.com/office/drawing/2014/main" id="{D56B7F42-6322-4CDC-8006-CDFBB7E93D64}"/>
+                <a16:creationId xmlns:a16="http://schemas.microsoft.com/office/drawing/2014/main" xmlns="" id="{D56B7F42-6322-4CDC-8006-CDFBB7E93D64}"/>
               </a:ext>
             </a:extLst>
           </p:cNvPr>
@@ -12481,7 +12532,7 @@
           <p:cNvPr id="2" name="Title 1">
             <a:extLst>
               <a:ext uri="{FF2B5EF4-FFF2-40B4-BE49-F238E27FC236}">
-                <a16:creationId xmlns:a16="http://schemas.microsoft.com/office/drawing/2014/main" id="{4BCB0421-286D-4FFC-BF6E-92D8ED40A192}"/>
+                <a16:creationId xmlns:a16="http://schemas.microsoft.com/office/drawing/2014/main" xmlns="" id="{4BCB0421-286D-4FFC-BF6E-92D8ED40A192}"/>
               </a:ext>
             </a:extLst>
           </p:cNvPr>
@@ -12511,7 +12562,7 @@
               <p:cNvPr id="3" name="Content Placeholder 2">
                 <a:extLst>
                   <a:ext uri="{FF2B5EF4-FFF2-40B4-BE49-F238E27FC236}">
-                    <a16:creationId xmlns:a16="http://schemas.microsoft.com/office/drawing/2014/main" id="{63D82C38-F2C3-4DDF-9104-006A73789216}"/>
+                    <a16:creationId xmlns:a16="http://schemas.microsoft.com/office/drawing/2014/main" xmlns="" id="{63D82C38-F2C3-4DDF-9104-006A73789216}"/>
                   </a:ext>
                 </a:extLst>
               </p:cNvPr>
@@ -12626,7 +12677,7 @@
                       <m:sSubPr>
                         <m:ctrlPr>
                           <a:rPr lang="en-US" b="0" i="1" smtClean="0">
-                            <a:latin typeface="Cambria Math" panose="02040503050406030204" pitchFamily="18" charset="0"/>
+                            <a:latin typeface="Cambria Math"/>
                           </a:rPr>
                         </m:ctrlPr>
                       </m:sSubPr>
@@ -12657,7 +12708,7 @@
                       <m:sSubPr>
                         <m:ctrlPr>
                           <a:rPr lang="en-US" b="0" i="1" smtClean="0">
-                            <a:latin typeface="Cambria Math" panose="02040503050406030204" pitchFamily="18" charset="0"/>
+                            <a:latin typeface="Cambria Math"/>
                           </a:rPr>
                         </m:ctrlPr>
                       </m:sSubPr>
@@ -12707,7 +12758,7 @@
                       <m:sSubPr>
                         <m:ctrlPr>
                           <a:rPr lang="en-US" b="0" i="1" smtClean="0">
-                            <a:latin typeface="Cambria Math" panose="02040503050406030204" pitchFamily="18" charset="0"/>
+                            <a:latin typeface="Cambria Math"/>
                             <a:ea typeface="Cambria Math" panose="02040503050406030204" pitchFamily="18" charset="0"/>
                           </a:rPr>
                         </m:ctrlPr>
@@ -12763,7 +12814,7 @@
                       <m:sSubPr>
                         <m:ctrlPr>
                           <a:rPr lang="en-US" b="0" i="1" smtClean="0">
-                            <a:latin typeface="Cambria Math" panose="02040503050406030204" pitchFamily="18" charset="0"/>
+                            <a:latin typeface="Cambria Math"/>
                             <a:ea typeface="Cambria Math" panose="02040503050406030204" pitchFamily="18" charset="0"/>
                           </a:rPr>
                         </m:ctrlPr>
@@ -12798,7 +12849,7 @@
                       <m:sSubPr>
                         <m:ctrlPr>
                           <a:rPr lang="en-US" b="0" i="1" smtClean="0">
-                            <a:latin typeface="Cambria Math" panose="02040503050406030204" pitchFamily="18" charset="0"/>
+                            <a:latin typeface="Cambria Math"/>
                             <a:ea typeface="Cambria Math" panose="02040503050406030204" pitchFamily="18" charset="0"/>
                           </a:rPr>
                         </m:ctrlPr>
@@ -13029,7 +13080,7 @@
           <p:cNvPr id="2" name="Title 1">
             <a:extLst>
               <a:ext uri="{FF2B5EF4-FFF2-40B4-BE49-F238E27FC236}">
-                <a16:creationId xmlns:a16="http://schemas.microsoft.com/office/drawing/2014/main" id="{4A979236-BB0C-461D-A863-00BCC1C24706}"/>
+                <a16:creationId xmlns:a16="http://schemas.microsoft.com/office/drawing/2014/main" xmlns="" id="{4A979236-BB0C-461D-A863-00BCC1C24706}"/>
               </a:ext>
             </a:extLst>
           </p:cNvPr>
@@ -13059,7 +13110,7 @@
           <p:cNvPr id="4" name="Picture 3">
             <a:extLst>
               <a:ext uri="{FF2B5EF4-FFF2-40B4-BE49-F238E27FC236}">
-                <a16:creationId xmlns:a16="http://schemas.microsoft.com/office/drawing/2014/main" id="{16437F4C-858E-44CA-9CDA-C96021BF4A40}"/>
+                <a16:creationId xmlns:a16="http://schemas.microsoft.com/office/drawing/2014/main" xmlns="" id="{16437F4C-858E-44CA-9CDA-C96021BF4A40}"/>
               </a:ext>
             </a:extLst>
           </p:cNvPr>
@@ -13089,7 +13140,7 @@
           <p:cNvPr id="5" name="TextBox 4">
             <a:extLst>
               <a:ext uri="{FF2B5EF4-FFF2-40B4-BE49-F238E27FC236}">
-                <a16:creationId xmlns:a16="http://schemas.microsoft.com/office/drawing/2014/main" id="{E79B8F29-FAFD-4FD4-806D-C4E2679E63BB}"/>
+                <a16:creationId xmlns:a16="http://schemas.microsoft.com/office/drawing/2014/main" xmlns="" id="{E79B8F29-FAFD-4FD4-806D-C4E2679E63BB}"/>
               </a:ext>
             </a:extLst>
           </p:cNvPr>
@@ -13223,7 +13274,7 @@
           <p:cNvPr id="2" name="Title 1">
             <a:extLst>
               <a:ext uri="{FF2B5EF4-FFF2-40B4-BE49-F238E27FC236}">
-                <a16:creationId xmlns:a16="http://schemas.microsoft.com/office/drawing/2014/main" id="{25E5BE18-02B5-4B9D-87F3-CC018C8D15F2}"/>
+                <a16:creationId xmlns:a16="http://schemas.microsoft.com/office/drawing/2014/main" xmlns="" id="{25E5BE18-02B5-4B9D-87F3-CC018C8D15F2}"/>
               </a:ext>
             </a:extLst>
           </p:cNvPr>
@@ -13251,7 +13302,7 @@
           <p:cNvPr id="3" name="Content Placeholder 2">
             <a:extLst>
               <a:ext uri="{FF2B5EF4-FFF2-40B4-BE49-F238E27FC236}">
-                <a16:creationId xmlns:a16="http://schemas.microsoft.com/office/drawing/2014/main" id="{196BE5F5-5638-40DC-BB4B-58F174252E43}"/>
+                <a16:creationId xmlns:a16="http://schemas.microsoft.com/office/drawing/2014/main" xmlns="" id="{196BE5F5-5638-40DC-BB4B-58F174252E43}"/>
               </a:ext>
             </a:extLst>
           </p:cNvPr>
@@ -13576,7 +13627,7 @@
           <p:cNvPr id="3" name="Rectangle 2">
             <a:extLst>
               <a:ext uri="{FF2B5EF4-FFF2-40B4-BE49-F238E27FC236}">
-                <a16:creationId xmlns:a16="http://schemas.microsoft.com/office/drawing/2014/main" id="{3D016D97-17F7-4B61-90FB-F533C369867A}"/>
+                <a16:creationId xmlns:a16="http://schemas.microsoft.com/office/drawing/2014/main" xmlns="" id="{3D016D97-17F7-4B61-90FB-F533C369867A}"/>
               </a:ext>
             </a:extLst>
           </p:cNvPr>
@@ -13617,7 +13668,7 @@
           <p:cNvPr id="8" name="Rectangle 7">
             <a:extLst>
               <a:ext uri="{FF2B5EF4-FFF2-40B4-BE49-F238E27FC236}">
-                <a16:creationId xmlns:a16="http://schemas.microsoft.com/office/drawing/2014/main" id="{A37493EC-E836-4522-84D2-F25C6BD93BE8}"/>
+                <a16:creationId xmlns:a16="http://schemas.microsoft.com/office/drawing/2014/main" xmlns="" id="{A37493EC-E836-4522-84D2-F25C6BD93BE8}"/>
               </a:ext>
             </a:extLst>
           </p:cNvPr>
@@ -13658,7 +13709,7 @@
           <p:cNvPr id="11" name="Straight Arrow Connector 10">
             <a:extLst>
               <a:ext uri="{FF2B5EF4-FFF2-40B4-BE49-F238E27FC236}">
-                <a16:creationId xmlns:a16="http://schemas.microsoft.com/office/drawing/2014/main" id="{AD13C829-A1CB-4F29-9F24-B3A4534C8874}"/>
+                <a16:creationId xmlns:a16="http://schemas.microsoft.com/office/drawing/2014/main" xmlns="" id="{AD13C829-A1CB-4F29-9F24-B3A4534C8874}"/>
               </a:ext>
             </a:extLst>
           </p:cNvPr>
@@ -13700,7 +13751,7 @@
           <p:cNvPr id="13" name="Straight Arrow Connector 12">
             <a:extLst>
               <a:ext uri="{FF2B5EF4-FFF2-40B4-BE49-F238E27FC236}">
-                <a16:creationId xmlns:a16="http://schemas.microsoft.com/office/drawing/2014/main" id="{D85208F1-9D01-45C7-B0A5-FE647218FE4A}"/>
+                <a16:creationId xmlns:a16="http://schemas.microsoft.com/office/drawing/2014/main" xmlns="" id="{D85208F1-9D01-45C7-B0A5-FE647218FE4A}"/>
               </a:ext>
             </a:extLst>
           </p:cNvPr>
@@ -13742,7 +13793,7 @@
           <p:cNvPr id="16" name="Rectangle 15">
             <a:extLst>
               <a:ext uri="{FF2B5EF4-FFF2-40B4-BE49-F238E27FC236}">
-                <a16:creationId xmlns:a16="http://schemas.microsoft.com/office/drawing/2014/main" id="{D1B8A12F-A568-4417-AF10-4FC961FDB4A1}"/>
+                <a16:creationId xmlns:a16="http://schemas.microsoft.com/office/drawing/2014/main" xmlns="" id="{D1B8A12F-A568-4417-AF10-4FC961FDB4A1}"/>
               </a:ext>
             </a:extLst>
           </p:cNvPr>
@@ -13783,7 +13834,7 @@
           <p:cNvPr id="20" name="Straight Arrow Connector 19">
             <a:extLst>
               <a:ext uri="{FF2B5EF4-FFF2-40B4-BE49-F238E27FC236}">
-                <a16:creationId xmlns:a16="http://schemas.microsoft.com/office/drawing/2014/main" id="{E789A615-20A6-4ADE-9A4B-8CCA05EFEB4C}"/>
+                <a16:creationId xmlns:a16="http://schemas.microsoft.com/office/drawing/2014/main" xmlns="" id="{E789A615-20A6-4ADE-9A4B-8CCA05EFEB4C}"/>
               </a:ext>
             </a:extLst>
           </p:cNvPr>
@@ -13854,7 +13905,7 @@
           <p:cNvPr id="2" name="Title 1">
             <a:extLst>
               <a:ext uri="{FF2B5EF4-FFF2-40B4-BE49-F238E27FC236}">
-                <a16:creationId xmlns:a16="http://schemas.microsoft.com/office/drawing/2014/main" id="{B3900F0E-5D54-47C3-AF81-36E12B0D950D}"/>
+                <a16:creationId xmlns:a16="http://schemas.microsoft.com/office/drawing/2014/main" xmlns="" id="{B3900F0E-5D54-47C3-AF81-36E12B0D950D}"/>
               </a:ext>
             </a:extLst>
           </p:cNvPr>
@@ -13882,7 +13933,7 @@
           <p:cNvPr id="3" name="Content Placeholder 2">
             <a:extLst>
               <a:ext uri="{FF2B5EF4-FFF2-40B4-BE49-F238E27FC236}">
-                <a16:creationId xmlns:a16="http://schemas.microsoft.com/office/drawing/2014/main" id="{204E38C8-0CD7-46D0-9BE9-0FF629EB5628}"/>
+                <a16:creationId xmlns:a16="http://schemas.microsoft.com/office/drawing/2014/main" xmlns="" id="{204E38C8-0CD7-46D0-9BE9-0FF629EB5628}"/>
               </a:ext>
             </a:extLst>
           </p:cNvPr>
@@ -14050,7 +14101,7 @@
           <p:cNvPr id="2" name="Title 1">
             <a:extLst>
               <a:ext uri="{FF2B5EF4-FFF2-40B4-BE49-F238E27FC236}">
-                <a16:creationId xmlns:a16="http://schemas.microsoft.com/office/drawing/2014/main" id="{C6B01B24-F88D-4EFE-AFAF-01091A23C7BE}"/>
+                <a16:creationId xmlns:a16="http://schemas.microsoft.com/office/drawing/2014/main" xmlns="" id="{C6B01B24-F88D-4EFE-AFAF-01091A23C7BE}"/>
               </a:ext>
             </a:extLst>
           </p:cNvPr>
@@ -14080,7 +14131,7 @@
               <p:cNvPr id="3" name="Content Placeholder 2">
                 <a:extLst>
                   <a:ext uri="{FF2B5EF4-FFF2-40B4-BE49-F238E27FC236}">
-                    <a16:creationId xmlns:a16="http://schemas.microsoft.com/office/drawing/2014/main" id="{909856E3-30EB-4418-A74F-8AB82EF79250}"/>
+                    <a16:creationId xmlns:a16="http://schemas.microsoft.com/office/drawing/2014/main" xmlns="" id="{909856E3-30EB-4418-A74F-8AB82EF79250}"/>
                   </a:ext>
                 </a:extLst>
               </p:cNvPr>
@@ -14133,7 +14184,7 @@
                       <m:sSubPr>
                         <m:ctrlPr>
                           <a:rPr lang="en-US" i="1">
-                            <a:latin typeface="Cambria Math" panose="02040503050406030204" pitchFamily="18" charset="0"/>
+                            <a:latin typeface="Cambria Math"/>
                           </a:rPr>
                         </m:ctrlPr>
                       </m:sSubPr>
@@ -14164,7 +14215,7 @@
                       <m:sSubPr>
                         <m:ctrlPr>
                           <a:rPr lang="en-US" i="1">
-                            <a:latin typeface="Cambria Math" panose="02040503050406030204" pitchFamily="18" charset="0"/>
+                            <a:latin typeface="Cambria Math"/>
                           </a:rPr>
                         </m:ctrlPr>
                       </m:sSubPr>
@@ -14228,7 +14279,7 @@
                       <m:sSubPr>
                         <m:ctrlPr>
                           <a:rPr lang="en-US" i="1">
-                            <a:latin typeface="Cambria Math" panose="02040503050406030204" pitchFamily="18" charset="0"/>
+                            <a:latin typeface="Cambria Math"/>
                             <a:ea typeface="Cambria Math" panose="02040503050406030204" pitchFamily="18" charset="0"/>
                           </a:rPr>
                         </m:ctrlPr>
@@ -14263,7 +14314,7 @@
                       <m:sSubPr>
                         <m:ctrlPr>
                           <a:rPr lang="en-US" i="1">
-                            <a:latin typeface="Cambria Math" panose="02040503050406030204" pitchFamily="18" charset="0"/>
+                            <a:latin typeface="Cambria Math"/>
                             <a:ea typeface="Cambria Math" panose="02040503050406030204" pitchFamily="18" charset="0"/>
                           </a:rPr>
                         </m:ctrlPr>
@@ -14359,7 +14410,7 @@
                       <m:sSubPr>
                         <m:ctrlPr>
                           <a:rPr lang="en-US" i="1">
-                            <a:latin typeface="Cambria Math" panose="02040503050406030204" pitchFamily="18" charset="0"/>
+                            <a:latin typeface="Cambria Math"/>
                           </a:rPr>
                         </m:ctrlPr>
                       </m:sSubPr>
@@ -14390,7 +14441,7 @@
                       <m:sSubPr>
                         <m:ctrlPr>
                           <a:rPr lang="en-US" i="1">
-                            <a:latin typeface="Cambria Math" panose="02040503050406030204" pitchFamily="18" charset="0"/>
+                            <a:latin typeface="Cambria Math"/>
                             <a:ea typeface="Cambria Math" panose="02040503050406030204" pitchFamily="18" charset="0"/>
                           </a:rPr>
                         </m:ctrlPr>
@@ -14446,7 +14497,7 @@
                       <m:sSubPr>
                         <m:ctrlPr>
                           <a:rPr lang="en-US" i="1">
-                            <a:latin typeface="Cambria Math" panose="02040503050406030204" pitchFamily="18" charset="0"/>
+                            <a:latin typeface="Cambria Math"/>
                             <a:ea typeface="Cambria Math" panose="02040503050406030204" pitchFamily="18" charset="0"/>
                           </a:rPr>
                         </m:ctrlPr>
@@ -14878,7 +14929,7 @@
           <p:cNvPr id="2" name="Title 1">
             <a:extLst>
               <a:ext uri="{FF2B5EF4-FFF2-40B4-BE49-F238E27FC236}">
-                <a16:creationId xmlns:a16="http://schemas.microsoft.com/office/drawing/2014/main" id="{CD8454EB-7C8E-4828-AEE5-0DD2C795D393}"/>
+                <a16:creationId xmlns:a16="http://schemas.microsoft.com/office/drawing/2014/main" xmlns="" id="{CD8454EB-7C8E-4828-AEE5-0DD2C795D393}"/>
               </a:ext>
             </a:extLst>
           </p:cNvPr>
@@ -14903,7 +14954,7 @@
           <p:cNvPr id="3" name="Content Placeholder 2">
             <a:extLst>
               <a:ext uri="{FF2B5EF4-FFF2-40B4-BE49-F238E27FC236}">
-                <a16:creationId xmlns:a16="http://schemas.microsoft.com/office/drawing/2014/main" id="{9031DB80-0AC4-4AA0-B27F-0ADDBDD15873}"/>
+                <a16:creationId xmlns:a16="http://schemas.microsoft.com/office/drawing/2014/main" xmlns="" id="{9031DB80-0AC4-4AA0-B27F-0ADDBDD15873}"/>
               </a:ext>
             </a:extLst>
           </p:cNvPr>
@@ -15312,7 +15363,7 @@
                       <m:sSubPr>
                         <m:ctrlPr>
                           <a:rPr lang="en-US" sz="2400" b="1" i="1">
-                            <a:latin typeface="Cambria Math" panose="02040503050406030204" pitchFamily="18" charset="0"/>
+                            <a:latin typeface="Cambria Math"/>
                           </a:rPr>
                         </m:ctrlPr>
                       </m:sSubPr>
@@ -15370,7 +15421,7 @@
                       <m:sSubPr>
                         <m:ctrlPr>
                           <a:rPr lang="en-US" sz="2400" b="1" i="1">
-                            <a:latin typeface="Cambria Math" panose="02040503050406030204" pitchFamily="18" charset="0"/>
+                            <a:latin typeface="Cambria Math"/>
                           </a:rPr>
                         </m:ctrlPr>
                       </m:sSubPr>
@@ -15402,7 +15453,7 @@
                       <m:sSupPr>
                         <m:ctrlPr>
                           <a:rPr lang="en-US" sz="2400" b="1" i="1">
-                            <a:latin typeface="Cambria Math" panose="02040503050406030204" pitchFamily="18" charset="0"/>
+                            <a:latin typeface="Cambria Math"/>
                             <a:ea typeface="Cambria Math"/>
                           </a:rPr>
                         </m:ctrlPr>
@@ -15485,7 +15536,7 @@
                       <m:sSupPr>
                         <m:ctrlPr>
                           <a:rPr lang="en-US" sz="2000" b="1" i="1">
-                            <a:latin typeface="Cambria Math" panose="02040503050406030204" pitchFamily="18" charset="0"/>
+                            <a:latin typeface="Cambria Math"/>
                             <a:ea typeface="Cambria Math"/>
                           </a:rPr>
                         </m:ctrlPr>
@@ -15529,7 +15580,7 @@
                       <m:sSubPr>
                         <m:ctrlPr>
                           <a:rPr lang="en-US" sz="2000" i="1">
-                            <a:latin typeface="Cambria Math" panose="02040503050406030204" pitchFamily="18" charset="0"/>
+                            <a:latin typeface="Cambria Math"/>
                           </a:rPr>
                         </m:ctrlPr>
                       </m:sSubPr>
@@ -15560,7 +15611,7 @@
                       <m:sSubPr>
                         <m:ctrlPr>
                           <a:rPr lang="en-US" sz="2000" i="1">
-                            <a:latin typeface="Cambria Math" panose="02040503050406030204" pitchFamily="18" charset="0"/>
+                            <a:latin typeface="Cambria Math"/>
                           </a:rPr>
                         </m:ctrlPr>
                       </m:sSubPr>
@@ -15591,7 +15642,7 @@
                       <m:sSubPr>
                         <m:ctrlPr>
                           <a:rPr lang="en-US" sz="2000" i="1">
-                            <a:latin typeface="Cambria Math" panose="02040503050406030204" pitchFamily="18" charset="0"/>
+                            <a:latin typeface="Cambria Math"/>
                           </a:rPr>
                         </m:ctrlPr>
                       </m:sSubPr>
@@ -15628,7 +15679,7 @@
                       <m:sSubPr>
                         <m:ctrlPr>
                           <a:rPr lang="en-US" sz="2000" b="0" i="1" dirty="0" smtClean="0">
-                            <a:latin typeface="Cambria Math" panose="02040503050406030204" pitchFamily="18" charset="0"/>
+                            <a:latin typeface="Cambria Math"/>
                           </a:rPr>
                         </m:ctrlPr>
                       </m:sSubPr>
@@ -15638,7 +15689,7 @@
                             <m:chr m:val="̂"/>
                             <m:ctrlPr>
                               <a:rPr lang="en-US" sz="2000" i="1">
-                                <a:latin typeface="Cambria Math" panose="02040503050406030204" pitchFamily="18" charset="0"/>
+                                <a:latin typeface="Cambria Math"/>
                               </a:rPr>
                             </m:ctrlPr>
                           </m:accPr>
@@ -15672,7 +15723,7 @@
                         <m:chr m:val="∑"/>
                         <m:ctrlPr>
                           <a:rPr lang="en-US" sz="2000" i="1">
-                            <a:latin typeface="Cambria Math" panose="02040503050406030204" pitchFamily="18" charset="0"/>
+                            <a:latin typeface="Cambria Math"/>
                           </a:rPr>
                         </m:ctrlPr>
                       </m:naryPr>
@@ -15706,7 +15757,7 @@
                           <m:sSubPr>
                             <m:ctrlPr>
                               <a:rPr lang="en-US" sz="2000" i="1">
-                                <a:latin typeface="Cambria Math" panose="02040503050406030204" pitchFamily="18" charset="0"/>
+                                <a:latin typeface="Cambria Math"/>
                               </a:rPr>
                             </m:ctrlPr>
                           </m:sSubPr>
@@ -15716,7 +15767,7 @@
                                 <m:chr m:val="̂"/>
                                 <m:ctrlPr>
                                   <a:rPr lang="en-US" sz="2000" i="1" smtClean="0">
-                                    <a:latin typeface="Cambria Math" panose="02040503050406030204" pitchFamily="18" charset="0"/>
+                                    <a:latin typeface="Cambria Math"/>
                                   </a:rPr>
                                 </m:ctrlPr>
                               </m:accPr>
@@ -15744,7 +15795,7 @@
                             <m:endChr m:val="|"/>
                             <m:ctrlPr>
                               <a:rPr lang="en-US" sz="2000" i="1">
-                                <a:latin typeface="Cambria Math" panose="02040503050406030204" pitchFamily="18" charset="0"/>
+                                <a:latin typeface="Cambria Math"/>
                               </a:rPr>
                             </m:ctrlPr>
                           </m:dPr>
@@ -15753,7 +15804,7 @@
                               <m:sSubPr>
                                 <m:ctrlPr>
                                   <a:rPr lang="en-US" sz="2000" i="1">
-                                    <a:latin typeface="Cambria Math" panose="02040503050406030204" pitchFamily="18" charset="0"/>
+                                    <a:latin typeface="Cambria Math"/>
                                   </a:rPr>
                                 </m:ctrlPr>
                               </m:sSubPr>
@@ -15780,7 +15831,7 @@
                           <m:sSubPr>
                             <m:ctrlPr>
                               <a:rPr lang="en-US" sz="2000" i="1" smtClean="0">
-                                <a:latin typeface="Cambria Math" panose="02040503050406030204" pitchFamily="18" charset="0"/>
+                                <a:latin typeface="Cambria Math"/>
                               </a:rPr>
                             </m:ctrlPr>
                           </m:sSubPr>
@@ -15812,7 +15863,7 @@
                           <m:sSubPr>
                             <m:ctrlPr>
                               <a:rPr lang="en-US" sz="2000" i="1">
-                                <a:latin typeface="Cambria Math" panose="02040503050406030204" pitchFamily="18" charset="0"/>
+                                <a:latin typeface="Cambria Math"/>
                                 <a:ea typeface="Cambria Math"/>
                               </a:rPr>
                             </m:ctrlPr>
@@ -15859,7 +15910,7 @@
                           <m:sSubPr>
                             <m:ctrlPr>
                               <a:rPr lang="en-US" sz="2000" b="1" i="1" smtClean="0">
-                                <a:latin typeface="Cambria Math" panose="02040503050406030204" pitchFamily="18" charset="0"/>
+                                <a:latin typeface="Cambria Math"/>
                               </a:rPr>
                             </m:ctrlPr>
                           </m:sSubPr>
@@ -15891,7 +15942,7 @@
                           <m:sSubPr>
                             <m:ctrlPr>
                               <a:rPr lang="en-US" sz="2000" i="1">
-                                <a:latin typeface="Cambria Math" panose="02040503050406030204" pitchFamily="18" charset="0"/>
+                                <a:latin typeface="Cambria Math"/>
                                 <a:ea typeface="Cambria Math"/>
                               </a:rPr>
                             </m:ctrlPr>
@@ -15940,7 +15991,7 @@
                       <m:sSubPr>
                         <m:ctrlPr>
                           <a:rPr lang="en-US" sz="2000" i="1">
-                            <a:latin typeface="Cambria Math" panose="02040503050406030204" pitchFamily="18" charset="0"/>
+                            <a:latin typeface="Cambria Math"/>
                           </a:rPr>
                         </m:ctrlPr>
                       </m:sSubPr>
@@ -15950,7 +16001,7 @@
                             <m:chr m:val="̂"/>
                             <m:ctrlPr>
                               <a:rPr lang="en-US" sz="2000" i="1" smtClean="0">
-                                <a:latin typeface="Cambria Math" panose="02040503050406030204" pitchFamily="18" charset="0"/>
+                                <a:latin typeface="Cambria Math"/>
                               </a:rPr>
                             </m:ctrlPr>
                           </m:accPr>
@@ -15984,7 +16035,7 @@
                       <m:sSubPr>
                         <m:ctrlPr>
                           <a:rPr lang="en-US" sz="2000" i="1">
-                            <a:latin typeface="Cambria Math" panose="02040503050406030204" pitchFamily="18" charset="0"/>
+                            <a:latin typeface="Cambria Math"/>
                             <a:ea typeface="Cambria Math"/>
                           </a:rPr>
                         </m:ctrlPr>
@@ -15995,7 +16046,7 @@
                             <m:chr m:val="̅"/>
                             <m:ctrlPr>
                               <a:rPr lang="en-US" sz="2000" i="1">
-                                <a:latin typeface="Cambria Math" panose="02040503050406030204" pitchFamily="18" charset="0"/>
+                                <a:latin typeface="Cambria Math"/>
                                 <a:ea typeface="Cambria Math"/>
                               </a:rPr>
                             </m:ctrlPr>
@@ -16041,7 +16092,7 @@
                         <m:endChr m:val="|"/>
                         <m:ctrlPr>
                           <a:rPr lang="en-US" sz="2000" b="0" i="1" smtClean="0">
-                            <a:latin typeface="Cambria Math" panose="02040503050406030204" pitchFamily="18" charset="0"/>
+                            <a:latin typeface="Cambria Math"/>
                           </a:rPr>
                         </m:ctrlPr>
                       </m:dPr>
@@ -16050,7 +16101,7 @@
                           <m:sSubPr>
                             <m:ctrlPr>
                               <a:rPr lang="en-US" sz="2000" b="0" i="1" smtClean="0">
-                                <a:latin typeface="Cambria Math" panose="02040503050406030204" pitchFamily="18" charset="0"/>
+                                <a:latin typeface="Cambria Math"/>
                               </a:rPr>
                             </m:ctrlPr>
                           </m:sSubPr>
@@ -16077,7 +16128,7 @@
                       <m:sSubPr>
                         <m:ctrlPr>
                           <a:rPr lang="en-US" sz="2000" b="0" i="1" smtClean="0">
-                            <a:latin typeface="Cambria Math" panose="02040503050406030204" pitchFamily="18" charset="0"/>
+                            <a:latin typeface="Cambria Math"/>
                           </a:rPr>
                         </m:ctrlPr>
                       </m:sSubPr>
@@ -16109,7 +16160,7 @@
                       <m:sSubPr>
                         <m:ctrlPr>
                           <a:rPr lang="en-US" sz="2000" b="0" i="1" smtClean="0">
-                            <a:latin typeface="Cambria Math" panose="02040503050406030204" pitchFamily="18" charset="0"/>
+                            <a:latin typeface="Cambria Math"/>
                             <a:ea typeface="Cambria Math"/>
                           </a:rPr>
                         </m:ctrlPr>
@@ -16534,7 +16585,7 @@
                       <m:sSubPr>
                         <m:ctrlPr>
                           <a:rPr lang="en-US" i="1">
-                            <a:latin typeface="Cambria Math" panose="02040503050406030204" pitchFamily="18" charset="0"/>
+                            <a:latin typeface="Cambria Math"/>
                           </a:rPr>
                         </m:ctrlPr>
                       </m:sSubPr>
@@ -16577,7 +16628,7 @@
                       <m:sSubPr>
                         <m:ctrlPr>
                           <a:rPr lang="en-US" i="1">
-                            <a:latin typeface="Cambria Math" panose="02040503050406030204" pitchFamily="18" charset="0"/>
+                            <a:latin typeface="Cambria Math"/>
                           </a:rPr>
                         </m:ctrlPr>
                       </m:sSubPr>
@@ -16620,7 +16671,7 @@
                       <m:sSubPr>
                         <m:ctrlPr>
                           <a:rPr lang="en-US" i="1">
-                            <a:latin typeface="Cambria Math" panose="02040503050406030204" pitchFamily="18" charset="0"/>
+                            <a:latin typeface="Cambria Math"/>
                           </a:rPr>
                         </m:ctrlPr>
                       </m:sSubPr>
@@ -18520,7 +18571,7 @@
           <p:cNvPr id="2" name="Title 1">
             <a:extLst>
               <a:ext uri="{FF2B5EF4-FFF2-40B4-BE49-F238E27FC236}">
-                <a16:creationId xmlns:a16="http://schemas.microsoft.com/office/drawing/2014/main" id="{DA36071B-FAB4-4FE8-BED5-D8893494249C}"/>
+                <a16:creationId xmlns:a16="http://schemas.microsoft.com/office/drawing/2014/main" xmlns="" id="{DA36071B-FAB4-4FE8-BED5-D8893494249C}"/>
               </a:ext>
             </a:extLst>
           </p:cNvPr>
@@ -18548,7 +18599,7 @@
           <p:cNvPr id="4" name="Date Placeholder 3">
             <a:extLst>
               <a:ext uri="{FF2B5EF4-FFF2-40B4-BE49-F238E27FC236}">
-                <a16:creationId xmlns:a16="http://schemas.microsoft.com/office/drawing/2014/main" id="{7187C8FE-1939-4CC5-B8C3-19D0564E1E9B}"/>
+                <a16:creationId xmlns:a16="http://schemas.microsoft.com/office/drawing/2014/main" xmlns="" id="{7187C8FE-1939-4CC5-B8C3-19D0564E1E9B}"/>
               </a:ext>
             </a:extLst>
           </p:cNvPr>
@@ -18577,7 +18628,7 @@
           <p:cNvPr id="5" name="Footer Placeholder 4">
             <a:extLst>
               <a:ext uri="{FF2B5EF4-FFF2-40B4-BE49-F238E27FC236}">
-                <a16:creationId xmlns:a16="http://schemas.microsoft.com/office/drawing/2014/main" id="{28A076BB-7009-433A-B87C-F016278C1782}"/>
+                <a16:creationId xmlns:a16="http://schemas.microsoft.com/office/drawing/2014/main" xmlns="" id="{28A076BB-7009-433A-B87C-F016278C1782}"/>
               </a:ext>
             </a:extLst>
           </p:cNvPr>
@@ -18606,7 +18657,7 @@
           <p:cNvPr id="6" name="Slide Number Placeholder 5">
             <a:extLst>
               <a:ext uri="{FF2B5EF4-FFF2-40B4-BE49-F238E27FC236}">
-                <a16:creationId xmlns:a16="http://schemas.microsoft.com/office/drawing/2014/main" id="{385ADECE-CA9E-441D-B29F-806BF1412D6B}"/>
+                <a16:creationId xmlns:a16="http://schemas.microsoft.com/office/drawing/2014/main" xmlns="" id="{385ADECE-CA9E-441D-B29F-806BF1412D6B}"/>
               </a:ext>
             </a:extLst>
           </p:cNvPr>
@@ -18636,7 +18687,7 @@
           <p:cNvPr id="7" name="Group 6">
             <a:extLst>
               <a:ext uri="{FF2B5EF4-FFF2-40B4-BE49-F238E27FC236}">
-                <a16:creationId xmlns:a16="http://schemas.microsoft.com/office/drawing/2014/main" id="{D327FAC7-A1C4-4EB0-8F19-3525F8A9B013}"/>
+                <a16:creationId xmlns:a16="http://schemas.microsoft.com/office/drawing/2014/main" xmlns="" id="{D327FAC7-A1C4-4EB0-8F19-3525F8A9B013}"/>
               </a:ext>
             </a:extLst>
           </p:cNvPr>
@@ -18656,7 +18707,7 @@
             <p:cNvPr id="8" name="Picture 7">
               <a:extLst>
                 <a:ext uri="{FF2B5EF4-FFF2-40B4-BE49-F238E27FC236}">
-                  <a16:creationId xmlns:a16="http://schemas.microsoft.com/office/drawing/2014/main" id="{26EBF1EF-11AC-47BA-9F71-9EDE6D06625B}"/>
+                  <a16:creationId xmlns:a16="http://schemas.microsoft.com/office/drawing/2014/main" xmlns="" id="{26EBF1EF-11AC-47BA-9F71-9EDE6D06625B}"/>
                 </a:ext>
               </a:extLst>
             </p:cNvPr>
@@ -18686,7 +18737,7 @@
             <p:cNvPr id="9" name="Group 8">
               <a:extLst>
                 <a:ext uri="{FF2B5EF4-FFF2-40B4-BE49-F238E27FC236}">
-                  <a16:creationId xmlns:a16="http://schemas.microsoft.com/office/drawing/2014/main" id="{1AD32347-E07B-482F-B3B6-C7F0F0AAFE9C}"/>
+                  <a16:creationId xmlns:a16="http://schemas.microsoft.com/office/drawing/2014/main" xmlns="" id="{1AD32347-E07B-482F-B3B6-C7F0F0AAFE9C}"/>
                 </a:ext>
               </a:extLst>
             </p:cNvPr>
@@ -18706,7 +18757,7 @@
               <p:cNvPr id="10" name="Group 9">
                 <a:extLst>
                   <a:ext uri="{FF2B5EF4-FFF2-40B4-BE49-F238E27FC236}">
-                    <a16:creationId xmlns:a16="http://schemas.microsoft.com/office/drawing/2014/main" id="{76BC2902-A27D-489E-9C6B-A96B825A2608}"/>
+                    <a16:creationId xmlns:a16="http://schemas.microsoft.com/office/drawing/2014/main" xmlns="" id="{76BC2902-A27D-489E-9C6B-A96B825A2608}"/>
                   </a:ext>
                 </a:extLst>
               </p:cNvPr>
@@ -18726,7 +18777,7 @@
                 <p:cNvPr id="15" name="TextBox 14">
                   <a:extLst>
                     <a:ext uri="{FF2B5EF4-FFF2-40B4-BE49-F238E27FC236}">
-                      <a16:creationId xmlns:a16="http://schemas.microsoft.com/office/drawing/2014/main" id="{7D81700F-A736-4DEA-A5B1-1DC22B79010E}"/>
+                      <a16:creationId xmlns:a16="http://schemas.microsoft.com/office/drawing/2014/main" xmlns="" id="{7D81700F-A736-4DEA-A5B1-1DC22B79010E}"/>
                     </a:ext>
                   </a:extLst>
                 </p:cNvPr>
@@ -18761,7 +18812,7 @@
                 <p:cNvPr id="16" name="TextBox 15">
                   <a:extLst>
                     <a:ext uri="{FF2B5EF4-FFF2-40B4-BE49-F238E27FC236}">
-                      <a16:creationId xmlns:a16="http://schemas.microsoft.com/office/drawing/2014/main" id="{8F6622D2-DCCF-4AB7-884C-7771A1E22E4E}"/>
+                      <a16:creationId xmlns:a16="http://schemas.microsoft.com/office/drawing/2014/main" xmlns="" id="{8F6622D2-DCCF-4AB7-884C-7771A1E22E4E}"/>
                     </a:ext>
                   </a:extLst>
                 </p:cNvPr>
@@ -18801,7 +18852,7 @@
               <p:cNvPr id="11" name="Curved Connector 7">
                 <a:extLst>
                   <a:ext uri="{FF2B5EF4-FFF2-40B4-BE49-F238E27FC236}">
-                    <a16:creationId xmlns:a16="http://schemas.microsoft.com/office/drawing/2014/main" id="{A6381175-37B9-4102-8DB8-BA83FF0342D1}"/>
+                    <a16:creationId xmlns:a16="http://schemas.microsoft.com/office/drawing/2014/main" xmlns="" id="{A6381175-37B9-4102-8DB8-BA83FF0342D1}"/>
                   </a:ext>
                 </a:extLst>
               </p:cNvPr>
@@ -18845,7 +18896,7 @@
               <p:cNvPr id="12" name="Straight Arrow Connector 11">
                 <a:extLst>
                   <a:ext uri="{FF2B5EF4-FFF2-40B4-BE49-F238E27FC236}">
-                    <a16:creationId xmlns:a16="http://schemas.microsoft.com/office/drawing/2014/main" id="{D45E325A-BC8E-496E-84CE-D43886BBB580}"/>
+                    <a16:creationId xmlns:a16="http://schemas.microsoft.com/office/drawing/2014/main" xmlns="" id="{D45E325A-BC8E-496E-84CE-D43886BBB580}"/>
                   </a:ext>
                 </a:extLst>
               </p:cNvPr>
@@ -18887,7 +18938,7 @@
               <p:cNvPr id="13" name="TextBox 12">
                 <a:extLst>
                   <a:ext uri="{FF2B5EF4-FFF2-40B4-BE49-F238E27FC236}">
-                    <a16:creationId xmlns:a16="http://schemas.microsoft.com/office/drawing/2014/main" id="{338B0347-BEAE-416C-B821-CABF17093311}"/>
+                    <a16:creationId xmlns:a16="http://schemas.microsoft.com/office/drawing/2014/main" xmlns="" id="{338B0347-BEAE-416C-B821-CABF17093311}"/>
                   </a:ext>
                 </a:extLst>
               </p:cNvPr>
@@ -18922,7 +18973,7 @@
               <p:cNvPr id="14" name="Straight Arrow Connector 13">
                 <a:extLst>
                   <a:ext uri="{FF2B5EF4-FFF2-40B4-BE49-F238E27FC236}">
-                    <a16:creationId xmlns:a16="http://schemas.microsoft.com/office/drawing/2014/main" id="{65907AF4-5F9B-4030-950A-62E43513C730}"/>
+                    <a16:creationId xmlns:a16="http://schemas.microsoft.com/office/drawing/2014/main" xmlns="" id="{65907AF4-5F9B-4030-950A-62E43513C730}"/>
                   </a:ext>
                 </a:extLst>
               </p:cNvPr>
@@ -18996,7 +19047,7 @@
           <p:cNvPr id="2" name="Title 1">
             <a:extLst>
               <a:ext uri="{FF2B5EF4-FFF2-40B4-BE49-F238E27FC236}">
-                <a16:creationId xmlns:a16="http://schemas.microsoft.com/office/drawing/2014/main" id="{CD8454EB-7C8E-4828-AEE5-0DD2C795D393}"/>
+                <a16:creationId xmlns:a16="http://schemas.microsoft.com/office/drawing/2014/main" xmlns="" id="{CD8454EB-7C8E-4828-AEE5-0DD2C795D393}"/>
               </a:ext>
             </a:extLst>
           </p:cNvPr>
@@ -19021,7 +19072,7 @@
           <p:cNvPr id="3" name="Content Placeholder 2">
             <a:extLst>
               <a:ext uri="{FF2B5EF4-FFF2-40B4-BE49-F238E27FC236}">
-                <a16:creationId xmlns:a16="http://schemas.microsoft.com/office/drawing/2014/main" id="{9031DB80-0AC4-4AA0-B27F-0ADDBDD15873}"/>
+                <a16:creationId xmlns:a16="http://schemas.microsoft.com/office/drawing/2014/main" xmlns="" id="{9031DB80-0AC4-4AA0-B27F-0ADDBDD15873}"/>
               </a:ext>
             </a:extLst>
           </p:cNvPr>
@@ -19199,7 +19250,7 @@
           <p:cNvPr id="2" name="Title 1">
             <a:extLst>
               <a:ext uri="{FF2B5EF4-FFF2-40B4-BE49-F238E27FC236}">
-                <a16:creationId xmlns:a16="http://schemas.microsoft.com/office/drawing/2014/main" id="{26967139-11AC-4C72-AD13-DD2A7FEB330B}"/>
+                <a16:creationId xmlns:a16="http://schemas.microsoft.com/office/drawing/2014/main" xmlns="" id="{26967139-11AC-4C72-AD13-DD2A7FEB330B}"/>
               </a:ext>
             </a:extLst>
           </p:cNvPr>
@@ -19227,7 +19278,7 @@
           <p:cNvPr id="4" name="Date Placeholder 3">
             <a:extLst>
               <a:ext uri="{FF2B5EF4-FFF2-40B4-BE49-F238E27FC236}">
-                <a16:creationId xmlns:a16="http://schemas.microsoft.com/office/drawing/2014/main" id="{5DA6287A-AA96-4E60-9B15-33A585C3D374}"/>
+                <a16:creationId xmlns:a16="http://schemas.microsoft.com/office/drawing/2014/main" xmlns="" id="{5DA6287A-AA96-4E60-9B15-33A585C3D374}"/>
               </a:ext>
             </a:extLst>
           </p:cNvPr>
@@ -19256,7 +19307,7 @@
           <p:cNvPr id="5" name="Footer Placeholder 4">
             <a:extLst>
               <a:ext uri="{FF2B5EF4-FFF2-40B4-BE49-F238E27FC236}">
-                <a16:creationId xmlns:a16="http://schemas.microsoft.com/office/drawing/2014/main" id="{B1B64AC3-9BA8-4149-A396-E920EC0C68FA}"/>
+                <a16:creationId xmlns:a16="http://schemas.microsoft.com/office/drawing/2014/main" xmlns="" id="{B1B64AC3-9BA8-4149-A396-E920EC0C68FA}"/>
               </a:ext>
             </a:extLst>
           </p:cNvPr>
@@ -19285,7 +19336,7 @@
           <p:cNvPr id="6" name="Slide Number Placeholder 5">
             <a:extLst>
               <a:ext uri="{FF2B5EF4-FFF2-40B4-BE49-F238E27FC236}">
-                <a16:creationId xmlns:a16="http://schemas.microsoft.com/office/drawing/2014/main" id="{D389F97C-3358-4074-9B5B-98A0C0B08B0F}"/>
+                <a16:creationId xmlns:a16="http://schemas.microsoft.com/office/drawing/2014/main" xmlns="" id="{D389F97C-3358-4074-9B5B-98A0C0B08B0F}"/>
               </a:ext>
             </a:extLst>
           </p:cNvPr>
@@ -19315,7 +19366,7 @@
           <p:cNvPr id="7" name="Picture 6">
             <a:extLst>
               <a:ext uri="{FF2B5EF4-FFF2-40B4-BE49-F238E27FC236}">
-                <a16:creationId xmlns:a16="http://schemas.microsoft.com/office/drawing/2014/main" id="{50084950-65EB-44C2-8BDC-FF51DD69B68A}"/>
+                <a16:creationId xmlns:a16="http://schemas.microsoft.com/office/drawing/2014/main" xmlns="" id="{50084950-65EB-44C2-8BDC-FF51DD69B68A}"/>
               </a:ext>
             </a:extLst>
           </p:cNvPr>
@@ -19345,7 +19396,7 @@
           <p:cNvPr id="8" name="Group 7">
             <a:extLst>
               <a:ext uri="{FF2B5EF4-FFF2-40B4-BE49-F238E27FC236}">
-                <a16:creationId xmlns:a16="http://schemas.microsoft.com/office/drawing/2014/main" id="{6DC4107B-9862-48D3-A1CC-99928D4F9179}"/>
+                <a16:creationId xmlns:a16="http://schemas.microsoft.com/office/drawing/2014/main" xmlns="" id="{6DC4107B-9862-48D3-A1CC-99928D4F9179}"/>
               </a:ext>
             </a:extLst>
           </p:cNvPr>
@@ -19365,7 +19416,7 @@
             <p:cNvPr id="9" name="TextBox 8">
               <a:extLst>
                 <a:ext uri="{FF2B5EF4-FFF2-40B4-BE49-F238E27FC236}">
-                  <a16:creationId xmlns:a16="http://schemas.microsoft.com/office/drawing/2014/main" id="{E2477E3D-CDB3-4279-BBAA-488A311D0026}"/>
+                  <a16:creationId xmlns:a16="http://schemas.microsoft.com/office/drawing/2014/main" xmlns="" id="{E2477E3D-CDB3-4279-BBAA-488A311D0026}"/>
                 </a:ext>
               </a:extLst>
             </p:cNvPr>
@@ -19400,7 +19451,7 @@
             <p:cNvPr id="10" name="Straight Arrow Connector 9">
               <a:extLst>
                 <a:ext uri="{FF2B5EF4-FFF2-40B4-BE49-F238E27FC236}">
-                  <a16:creationId xmlns:a16="http://schemas.microsoft.com/office/drawing/2014/main" id="{94D9833B-9407-467A-B05A-58EF4BBFD550}"/>
+                  <a16:creationId xmlns:a16="http://schemas.microsoft.com/office/drawing/2014/main" xmlns="" id="{94D9833B-9407-467A-B05A-58EF4BBFD550}"/>
                 </a:ext>
               </a:extLst>
             </p:cNvPr>
@@ -19443,7 +19494,7 @@
           <p:cNvPr id="14" name="Group 13">
             <a:extLst>
               <a:ext uri="{FF2B5EF4-FFF2-40B4-BE49-F238E27FC236}">
-                <a16:creationId xmlns:a16="http://schemas.microsoft.com/office/drawing/2014/main" id="{9692E8F7-8D09-468D-9C93-5BCAA20E02E7}"/>
+                <a16:creationId xmlns:a16="http://schemas.microsoft.com/office/drawing/2014/main" xmlns="" id="{9692E8F7-8D09-468D-9C93-5BCAA20E02E7}"/>
               </a:ext>
             </a:extLst>
           </p:cNvPr>
@@ -19463,7 +19514,7 @@
             <p:cNvPr id="15" name="TextBox 14">
               <a:extLst>
                 <a:ext uri="{FF2B5EF4-FFF2-40B4-BE49-F238E27FC236}">
-                  <a16:creationId xmlns:a16="http://schemas.microsoft.com/office/drawing/2014/main" id="{86EBD26C-E102-4BC3-B415-5772D8EB5CE2}"/>
+                  <a16:creationId xmlns:a16="http://schemas.microsoft.com/office/drawing/2014/main" xmlns="" id="{86EBD26C-E102-4BC3-B415-5772D8EB5CE2}"/>
                 </a:ext>
               </a:extLst>
             </p:cNvPr>
@@ -19499,7 +19550,7 @@
             <p:cNvPr id="16" name="Straight Arrow Connector 15">
               <a:extLst>
                 <a:ext uri="{FF2B5EF4-FFF2-40B4-BE49-F238E27FC236}">
-                  <a16:creationId xmlns:a16="http://schemas.microsoft.com/office/drawing/2014/main" id="{90152FAA-A302-482B-88D9-4FE1F33EFF61}"/>
+                  <a16:creationId xmlns:a16="http://schemas.microsoft.com/office/drawing/2014/main" xmlns="" id="{90152FAA-A302-482B-88D9-4FE1F33EFF61}"/>
                 </a:ext>
               </a:extLst>
             </p:cNvPr>
@@ -19542,7 +19593,7 @@
           <p:cNvPr id="20" name="Group 19">
             <a:extLst>
               <a:ext uri="{FF2B5EF4-FFF2-40B4-BE49-F238E27FC236}">
-                <a16:creationId xmlns:a16="http://schemas.microsoft.com/office/drawing/2014/main" id="{B0BF9D7A-040E-42F4-AAC5-C7F92DE8C4AD}"/>
+                <a16:creationId xmlns:a16="http://schemas.microsoft.com/office/drawing/2014/main" xmlns="" id="{B0BF9D7A-040E-42F4-AAC5-C7F92DE8C4AD}"/>
               </a:ext>
             </a:extLst>
           </p:cNvPr>
@@ -19562,7 +19613,7 @@
             <p:cNvPr id="21" name="TextBox 20">
               <a:extLst>
                 <a:ext uri="{FF2B5EF4-FFF2-40B4-BE49-F238E27FC236}">
-                  <a16:creationId xmlns:a16="http://schemas.microsoft.com/office/drawing/2014/main" id="{6EBB5330-E044-4266-9CC6-D0764641B0C7}"/>
+                  <a16:creationId xmlns:a16="http://schemas.microsoft.com/office/drawing/2014/main" xmlns="" id="{6EBB5330-E044-4266-9CC6-D0764641B0C7}"/>
                 </a:ext>
               </a:extLst>
             </p:cNvPr>
@@ -19606,7 +19657,7 @@
             <p:cNvPr id="22" name="Straight Arrow Connector 21">
               <a:extLst>
                 <a:ext uri="{FF2B5EF4-FFF2-40B4-BE49-F238E27FC236}">
-                  <a16:creationId xmlns:a16="http://schemas.microsoft.com/office/drawing/2014/main" id="{2DE2CCC6-FAD9-469B-8E13-2EB0EE22828D}"/>
+                  <a16:creationId xmlns:a16="http://schemas.microsoft.com/office/drawing/2014/main" xmlns="" id="{2DE2CCC6-FAD9-469B-8E13-2EB0EE22828D}"/>
                 </a:ext>
               </a:extLst>
             </p:cNvPr>
@@ -19649,7 +19700,7 @@
           <p:cNvPr id="28" name="Group 27">
             <a:extLst>
               <a:ext uri="{FF2B5EF4-FFF2-40B4-BE49-F238E27FC236}">
-                <a16:creationId xmlns:a16="http://schemas.microsoft.com/office/drawing/2014/main" id="{4380AB8A-AD8D-4743-AFDA-D75DF3A60EE4}"/>
+                <a16:creationId xmlns:a16="http://schemas.microsoft.com/office/drawing/2014/main" xmlns="" id="{4380AB8A-AD8D-4743-AFDA-D75DF3A60EE4}"/>
               </a:ext>
             </a:extLst>
           </p:cNvPr>
@@ -19669,7 +19720,7 @@
             <p:cNvPr id="29" name="TextBox 28">
               <a:extLst>
                 <a:ext uri="{FF2B5EF4-FFF2-40B4-BE49-F238E27FC236}">
-                  <a16:creationId xmlns:a16="http://schemas.microsoft.com/office/drawing/2014/main" id="{D2D5E760-30C5-49B2-9C1F-BE770EF61616}"/>
+                  <a16:creationId xmlns:a16="http://schemas.microsoft.com/office/drawing/2014/main" xmlns="" id="{D2D5E760-30C5-49B2-9C1F-BE770EF61616}"/>
                 </a:ext>
               </a:extLst>
             </p:cNvPr>
@@ -19705,7 +19756,7 @@
             <p:cNvPr id="30" name="Straight Arrow Connector 29">
               <a:extLst>
                 <a:ext uri="{FF2B5EF4-FFF2-40B4-BE49-F238E27FC236}">
-                  <a16:creationId xmlns:a16="http://schemas.microsoft.com/office/drawing/2014/main" id="{CCDB03F6-4F07-4D2E-B5B1-DFB1BC5AF329}"/>
+                  <a16:creationId xmlns:a16="http://schemas.microsoft.com/office/drawing/2014/main" xmlns="" id="{CCDB03F6-4F07-4D2E-B5B1-DFB1BC5AF329}"/>
                 </a:ext>
               </a:extLst>
             </p:cNvPr>
@@ -19748,7 +19799,7 @@
           <p:cNvPr id="33" name="Group 32">
             <a:extLst>
               <a:ext uri="{FF2B5EF4-FFF2-40B4-BE49-F238E27FC236}">
-                <a16:creationId xmlns:a16="http://schemas.microsoft.com/office/drawing/2014/main" id="{0D08D15B-9111-4D1F-9A61-90B7E3B18939}"/>
+                <a16:creationId xmlns:a16="http://schemas.microsoft.com/office/drawing/2014/main" xmlns="" id="{0D08D15B-9111-4D1F-9A61-90B7E3B18939}"/>
               </a:ext>
             </a:extLst>
           </p:cNvPr>
@@ -19768,7 +19819,7 @@
             <p:cNvPr id="34" name="TextBox 33">
               <a:extLst>
                 <a:ext uri="{FF2B5EF4-FFF2-40B4-BE49-F238E27FC236}">
-                  <a16:creationId xmlns:a16="http://schemas.microsoft.com/office/drawing/2014/main" id="{92D571FB-20CF-466A-8776-B317EE5FAD1F}"/>
+                  <a16:creationId xmlns:a16="http://schemas.microsoft.com/office/drawing/2014/main" xmlns="" id="{92D571FB-20CF-466A-8776-B317EE5FAD1F}"/>
                 </a:ext>
               </a:extLst>
             </p:cNvPr>
@@ -19803,7 +19854,7 @@
             <p:cNvPr id="35" name="Straight Arrow Connector 34">
               <a:extLst>
                 <a:ext uri="{FF2B5EF4-FFF2-40B4-BE49-F238E27FC236}">
-                  <a16:creationId xmlns:a16="http://schemas.microsoft.com/office/drawing/2014/main" id="{29252F1F-BAAB-49F7-8898-724CBCBCB5D6}"/>
+                  <a16:creationId xmlns:a16="http://schemas.microsoft.com/office/drawing/2014/main" xmlns="" id="{29252F1F-BAAB-49F7-8898-724CBCBCB5D6}"/>
                 </a:ext>
               </a:extLst>
             </p:cNvPr>
@@ -19846,7 +19897,7 @@
           <p:cNvPr id="39" name="TextBox 38">
             <a:extLst>
               <a:ext uri="{FF2B5EF4-FFF2-40B4-BE49-F238E27FC236}">
-                <a16:creationId xmlns:a16="http://schemas.microsoft.com/office/drawing/2014/main" id="{AEE43B9F-06BE-4654-86E0-E40032F4A9E0}"/>
+                <a16:creationId xmlns:a16="http://schemas.microsoft.com/office/drawing/2014/main" xmlns="" id="{AEE43B9F-06BE-4654-86E0-E40032F4A9E0}"/>
               </a:ext>
             </a:extLst>
           </p:cNvPr>
@@ -19911,7 +19962,7 @@
           <p:cNvPr id="2" name="Title 1">
             <a:extLst>
               <a:ext uri="{FF2B5EF4-FFF2-40B4-BE49-F238E27FC236}">
-                <a16:creationId xmlns:a16="http://schemas.microsoft.com/office/drawing/2014/main" id="{D2DEF00A-AFC6-417D-8FA7-A69F81AC7962}"/>
+                <a16:creationId xmlns:a16="http://schemas.microsoft.com/office/drawing/2014/main" xmlns="" id="{D2DEF00A-AFC6-417D-8FA7-A69F81AC7962}"/>
               </a:ext>
             </a:extLst>
           </p:cNvPr>
@@ -19939,7 +19990,7 @@
           <p:cNvPr id="4" name="Date Placeholder 3">
             <a:extLst>
               <a:ext uri="{FF2B5EF4-FFF2-40B4-BE49-F238E27FC236}">
-                <a16:creationId xmlns:a16="http://schemas.microsoft.com/office/drawing/2014/main" id="{05F76F37-2EC6-4CAA-A8DD-C0081E89D378}"/>
+                <a16:creationId xmlns:a16="http://schemas.microsoft.com/office/drawing/2014/main" xmlns="" id="{05F76F37-2EC6-4CAA-A8DD-C0081E89D378}"/>
               </a:ext>
             </a:extLst>
           </p:cNvPr>
@@ -19968,7 +20019,7 @@
           <p:cNvPr id="5" name="Footer Placeholder 4">
             <a:extLst>
               <a:ext uri="{FF2B5EF4-FFF2-40B4-BE49-F238E27FC236}">
-                <a16:creationId xmlns:a16="http://schemas.microsoft.com/office/drawing/2014/main" id="{511FA4E9-2F0F-4256-9E1D-13E6CA498694}"/>
+                <a16:creationId xmlns:a16="http://schemas.microsoft.com/office/drawing/2014/main" xmlns="" id="{511FA4E9-2F0F-4256-9E1D-13E6CA498694}"/>
               </a:ext>
             </a:extLst>
           </p:cNvPr>
@@ -19997,7 +20048,7 @@
           <p:cNvPr id="6" name="Slide Number Placeholder 5">
             <a:extLst>
               <a:ext uri="{FF2B5EF4-FFF2-40B4-BE49-F238E27FC236}">
-                <a16:creationId xmlns:a16="http://schemas.microsoft.com/office/drawing/2014/main" id="{8E94C2FB-79EA-4B45-A1FC-F33A2CE79D60}"/>
+                <a16:creationId xmlns:a16="http://schemas.microsoft.com/office/drawing/2014/main" xmlns="" id="{8E94C2FB-79EA-4B45-A1FC-F33A2CE79D60}"/>
               </a:ext>
             </a:extLst>
           </p:cNvPr>
@@ -20027,7 +20078,7 @@
           <p:cNvPr id="29" name="Group 28">
             <a:extLst>
               <a:ext uri="{FF2B5EF4-FFF2-40B4-BE49-F238E27FC236}">
-                <a16:creationId xmlns:a16="http://schemas.microsoft.com/office/drawing/2014/main" id="{F51C5524-02D3-454C-95BF-8790333E1A06}"/>
+                <a16:creationId xmlns:a16="http://schemas.microsoft.com/office/drawing/2014/main" xmlns="" id="{F51C5524-02D3-454C-95BF-8790333E1A06}"/>
               </a:ext>
             </a:extLst>
           </p:cNvPr>
@@ -20047,7 +20098,7 @@
             <p:cNvPr id="7" name="Picture 6">
               <a:extLst>
                 <a:ext uri="{FF2B5EF4-FFF2-40B4-BE49-F238E27FC236}">
-                  <a16:creationId xmlns:a16="http://schemas.microsoft.com/office/drawing/2014/main" id="{BCC65657-1163-4032-B8FD-EBA68E853CE3}"/>
+                  <a16:creationId xmlns:a16="http://schemas.microsoft.com/office/drawing/2014/main" xmlns="" id="{BCC65657-1163-4032-B8FD-EBA68E853CE3}"/>
                 </a:ext>
               </a:extLst>
             </p:cNvPr>
@@ -20076,7 +20127,7 @@
             <p:cNvPr id="8" name="TextBox 7">
               <a:extLst>
                 <a:ext uri="{FF2B5EF4-FFF2-40B4-BE49-F238E27FC236}">
-                  <a16:creationId xmlns:a16="http://schemas.microsoft.com/office/drawing/2014/main" id="{30032398-366A-4235-8E0B-8407585B483B}"/>
+                  <a16:creationId xmlns:a16="http://schemas.microsoft.com/office/drawing/2014/main" xmlns="" id="{30032398-366A-4235-8E0B-8407585B483B}"/>
                 </a:ext>
               </a:extLst>
             </p:cNvPr>
@@ -20111,7 +20162,7 @@
             <p:cNvPr id="9" name="TextBox 8">
               <a:extLst>
                 <a:ext uri="{FF2B5EF4-FFF2-40B4-BE49-F238E27FC236}">
-                  <a16:creationId xmlns:a16="http://schemas.microsoft.com/office/drawing/2014/main" id="{A016831A-D9D4-4725-A368-724917C4A434}"/>
+                  <a16:creationId xmlns:a16="http://schemas.microsoft.com/office/drawing/2014/main" xmlns="" id="{A016831A-D9D4-4725-A368-724917C4A434}"/>
                 </a:ext>
               </a:extLst>
             </p:cNvPr>
@@ -20146,7 +20197,7 @@
             <p:cNvPr id="15" name="Group 14">
               <a:extLst>
                 <a:ext uri="{FF2B5EF4-FFF2-40B4-BE49-F238E27FC236}">
-                  <a16:creationId xmlns:a16="http://schemas.microsoft.com/office/drawing/2014/main" id="{CAB9F549-17E5-48AA-BF5D-ED5AD21B09EB}"/>
+                  <a16:creationId xmlns:a16="http://schemas.microsoft.com/office/drawing/2014/main" xmlns="" id="{CAB9F549-17E5-48AA-BF5D-ED5AD21B09EB}"/>
                 </a:ext>
               </a:extLst>
             </p:cNvPr>
@@ -20166,7 +20217,7 @@
               <p:cNvPr id="10" name="TextBox 9">
                 <a:extLst>
                   <a:ext uri="{FF2B5EF4-FFF2-40B4-BE49-F238E27FC236}">
-                    <a16:creationId xmlns:a16="http://schemas.microsoft.com/office/drawing/2014/main" id="{B65682B1-8623-4E9E-B08E-A837F37EA694}"/>
+                    <a16:creationId xmlns:a16="http://schemas.microsoft.com/office/drawing/2014/main" xmlns="" id="{B65682B1-8623-4E9E-B08E-A837F37EA694}"/>
                   </a:ext>
                 </a:extLst>
               </p:cNvPr>
@@ -20202,7 +20253,7 @@
               <p:cNvPr id="12" name="Straight Arrow Connector 11">
                 <a:extLst>
                   <a:ext uri="{FF2B5EF4-FFF2-40B4-BE49-F238E27FC236}">
-                    <a16:creationId xmlns:a16="http://schemas.microsoft.com/office/drawing/2014/main" id="{AE0F30C4-C1CC-446F-A425-FD4154D7A138}"/>
+                    <a16:creationId xmlns:a16="http://schemas.microsoft.com/office/drawing/2014/main" xmlns="" id="{AE0F30C4-C1CC-446F-A425-FD4154D7A138}"/>
                   </a:ext>
                 </a:extLst>
               </p:cNvPr>
@@ -20245,7 +20296,7 @@
             <p:cNvPr id="17" name="Straight Arrow Connector 16">
               <a:extLst>
                 <a:ext uri="{FF2B5EF4-FFF2-40B4-BE49-F238E27FC236}">
-                  <a16:creationId xmlns:a16="http://schemas.microsoft.com/office/drawing/2014/main" id="{157B843F-899F-42C8-882D-D4209617C667}"/>
+                  <a16:creationId xmlns:a16="http://schemas.microsoft.com/office/drawing/2014/main" xmlns="" id="{157B843F-899F-42C8-882D-D4209617C667}"/>
                 </a:ext>
               </a:extLst>
             </p:cNvPr>
@@ -20286,7 +20337,7 @@
             <p:cNvPr id="19" name="Straight Arrow Connector 18">
               <a:extLst>
                 <a:ext uri="{FF2B5EF4-FFF2-40B4-BE49-F238E27FC236}">
-                  <a16:creationId xmlns:a16="http://schemas.microsoft.com/office/drawing/2014/main" id="{F2710959-6DA5-4432-8B90-46CE72FFA91C}"/>
+                  <a16:creationId xmlns:a16="http://schemas.microsoft.com/office/drawing/2014/main" xmlns="" id="{F2710959-6DA5-4432-8B90-46CE72FFA91C}"/>
                 </a:ext>
               </a:extLst>
             </p:cNvPr>
@@ -20327,7 +20378,7 @@
             <p:cNvPr id="21" name="Straight Arrow Connector 20">
               <a:extLst>
                 <a:ext uri="{FF2B5EF4-FFF2-40B4-BE49-F238E27FC236}">
-                  <a16:creationId xmlns:a16="http://schemas.microsoft.com/office/drawing/2014/main" id="{6A723BA1-2EA7-4716-9A06-94FD1D27D042}"/>
+                  <a16:creationId xmlns:a16="http://schemas.microsoft.com/office/drawing/2014/main" xmlns="" id="{6A723BA1-2EA7-4716-9A06-94FD1D27D042}"/>
                 </a:ext>
               </a:extLst>
             </p:cNvPr>
@@ -20369,7 +20420,7 @@
             <p:cNvPr id="23" name="Straight Arrow Connector 22">
               <a:extLst>
                 <a:ext uri="{FF2B5EF4-FFF2-40B4-BE49-F238E27FC236}">
-                  <a16:creationId xmlns:a16="http://schemas.microsoft.com/office/drawing/2014/main" id="{BF1C0316-152E-41E9-9374-F3542B95DAD8}"/>
+                  <a16:creationId xmlns:a16="http://schemas.microsoft.com/office/drawing/2014/main" xmlns="" id="{BF1C0316-152E-41E9-9374-F3542B95DAD8}"/>
                 </a:ext>
               </a:extLst>
             </p:cNvPr>
@@ -20411,7 +20462,7 @@
             <p:cNvPr id="25" name="Straight Arrow Connector 24">
               <a:extLst>
                 <a:ext uri="{FF2B5EF4-FFF2-40B4-BE49-F238E27FC236}">
-                  <a16:creationId xmlns:a16="http://schemas.microsoft.com/office/drawing/2014/main" id="{F681F9D7-F66F-4026-9C32-F195E6DD9C00}"/>
+                  <a16:creationId xmlns:a16="http://schemas.microsoft.com/office/drawing/2014/main" xmlns="" id="{F681F9D7-F66F-4026-9C32-F195E6DD9C00}"/>
                 </a:ext>
               </a:extLst>
             </p:cNvPr>
@@ -20454,7 +20505,7 @@
           <p:cNvPr id="22" name="TextBox 21">
             <a:extLst>
               <a:ext uri="{FF2B5EF4-FFF2-40B4-BE49-F238E27FC236}">
-                <a16:creationId xmlns:a16="http://schemas.microsoft.com/office/drawing/2014/main" id="{EACF1C76-8125-4FFF-A067-913689F8B159}"/>
+                <a16:creationId xmlns:a16="http://schemas.microsoft.com/office/drawing/2014/main" xmlns="" id="{EACF1C76-8125-4FFF-A067-913689F8B159}"/>
               </a:ext>
             </a:extLst>
           </p:cNvPr>
@@ -21372,35 +21423,35 @@
                 <a:gridCol w="1219200">
                   <a:extLst>
                     <a:ext uri="{9D8B030D-6E8A-4147-A177-3AD203B41FA5}">
-                      <a16:colId xmlns:a16="http://schemas.microsoft.com/office/drawing/2014/main" val="20000"/>
+                      <a16:colId xmlns:a16="http://schemas.microsoft.com/office/drawing/2014/main" xmlns="" val="20000"/>
                     </a:ext>
                   </a:extLst>
                 </a:gridCol>
                 <a:gridCol w="1219200">
                   <a:extLst>
                     <a:ext uri="{9D8B030D-6E8A-4147-A177-3AD203B41FA5}">
-                      <a16:colId xmlns:a16="http://schemas.microsoft.com/office/drawing/2014/main" val="20001"/>
+                      <a16:colId xmlns:a16="http://schemas.microsoft.com/office/drawing/2014/main" xmlns="" val="20001"/>
                     </a:ext>
                   </a:extLst>
                 </a:gridCol>
                 <a:gridCol w="1219200">
                   <a:extLst>
                     <a:ext uri="{9D8B030D-6E8A-4147-A177-3AD203B41FA5}">
-                      <a16:colId xmlns:a16="http://schemas.microsoft.com/office/drawing/2014/main" val="20002"/>
+                      <a16:colId xmlns:a16="http://schemas.microsoft.com/office/drawing/2014/main" xmlns="" val="20002"/>
                     </a:ext>
                   </a:extLst>
                 </a:gridCol>
                 <a:gridCol w="1219200">
                   <a:extLst>
                     <a:ext uri="{9D8B030D-6E8A-4147-A177-3AD203B41FA5}">
-                      <a16:colId xmlns:a16="http://schemas.microsoft.com/office/drawing/2014/main" val="20003"/>
+                      <a16:colId xmlns:a16="http://schemas.microsoft.com/office/drawing/2014/main" xmlns="" val="20003"/>
                     </a:ext>
                   </a:extLst>
                 </a:gridCol>
                 <a:gridCol w="1219200">
                   <a:extLst>
                     <a:ext uri="{9D8B030D-6E8A-4147-A177-3AD203B41FA5}">
-                      <a16:colId xmlns:a16="http://schemas.microsoft.com/office/drawing/2014/main" val="20004"/>
+                      <a16:colId xmlns:a16="http://schemas.microsoft.com/office/drawing/2014/main" xmlns="" val="20004"/>
                     </a:ext>
                   </a:extLst>
                 </a:gridCol>
@@ -21477,7 +21528,7 @@
                 </a:tc>
                 <a:extLst>
                   <a:ext uri="{0D108BD9-81ED-4DB2-BD59-A6C34878D82A}">
-                    <a16:rowId xmlns:a16="http://schemas.microsoft.com/office/drawing/2014/main" val="10000"/>
+                    <a16:rowId xmlns:a16="http://schemas.microsoft.com/office/drawing/2014/main" xmlns="" val="10000"/>
                   </a:ext>
                 </a:extLst>
               </a:tr>
@@ -21513,35 +21564,35 @@
                 <a:gridCol w="1219200">
                   <a:extLst>
                     <a:ext uri="{9D8B030D-6E8A-4147-A177-3AD203B41FA5}">
-                      <a16:colId xmlns:a16="http://schemas.microsoft.com/office/drawing/2014/main" val="20000"/>
+                      <a16:colId xmlns:a16="http://schemas.microsoft.com/office/drawing/2014/main" xmlns="" val="20000"/>
                     </a:ext>
                   </a:extLst>
                 </a:gridCol>
                 <a:gridCol w="1219200">
                   <a:extLst>
                     <a:ext uri="{9D8B030D-6E8A-4147-A177-3AD203B41FA5}">
-                      <a16:colId xmlns:a16="http://schemas.microsoft.com/office/drawing/2014/main" val="20001"/>
+                      <a16:colId xmlns:a16="http://schemas.microsoft.com/office/drawing/2014/main" xmlns="" val="20001"/>
                     </a:ext>
                   </a:extLst>
                 </a:gridCol>
                 <a:gridCol w="1219200">
                   <a:extLst>
                     <a:ext uri="{9D8B030D-6E8A-4147-A177-3AD203B41FA5}">
-                      <a16:colId xmlns:a16="http://schemas.microsoft.com/office/drawing/2014/main" val="20002"/>
+                      <a16:colId xmlns:a16="http://schemas.microsoft.com/office/drawing/2014/main" xmlns="" val="20002"/>
                     </a:ext>
                   </a:extLst>
                 </a:gridCol>
                 <a:gridCol w="1219200">
                   <a:extLst>
                     <a:ext uri="{9D8B030D-6E8A-4147-A177-3AD203B41FA5}">
-                      <a16:colId xmlns:a16="http://schemas.microsoft.com/office/drawing/2014/main" val="20003"/>
+                      <a16:colId xmlns:a16="http://schemas.microsoft.com/office/drawing/2014/main" xmlns="" val="20003"/>
                     </a:ext>
                   </a:extLst>
                 </a:gridCol>
                 <a:gridCol w="1219200">
                   <a:extLst>
                     <a:ext uri="{9D8B030D-6E8A-4147-A177-3AD203B41FA5}">
-                      <a16:colId xmlns:a16="http://schemas.microsoft.com/office/drawing/2014/main" val="20004"/>
+                      <a16:colId xmlns:a16="http://schemas.microsoft.com/office/drawing/2014/main" xmlns="" val="20004"/>
                     </a:ext>
                   </a:extLst>
                 </a:gridCol>
@@ -21630,7 +21681,7 @@
                 </a:tc>
                 <a:extLst>
                   <a:ext uri="{0D108BD9-81ED-4DB2-BD59-A6C34878D82A}">
-                    <a16:rowId xmlns:a16="http://schemas.microsoft.com/office/drawing/2014/main" val="10000"/>
+                    <a16:rowId xmlns:a16="http://schemas.microsoft.com/office/drawing/2014/main" xmlns="" val="10000"/>
                   </a:ext>
                 </a:extLst>
               </a:tr>
@@ -21666,35 +21717,35 @@
                 <a:gridCol w="1219200">
                   <a:extLst>
                     <a:ext uri="{9D8B030D-6E8A-4147-A177-3AD203B41FA5}">
-                      <a16:colId xmlns:a16="http://schemas.microsoft.com/office/drawing/2014/main" val="20000"/>
+                      <a16:colId xmlns:a16="http://schemas.microsoft.com/office/drawing/2014/main" xmlns="" val="20000"/>
                     </a:ext>
                   </a:extLst>
                 </a:gridCol>
                 <a:gridCol w="1219200">
                   <a:extLst>
                     <a:ext uri="{9D8B030D-6E8A-4147-A177-3AD203B41FA5}">
-                      <a16:colId xmlns:a16="http://schemas.microsoft.com/office/drawing/2014/main" val="20001"/>
+                      <a16:colId xmlns:a16="http://schemas.microsoft.com/office/drawing/2014/main" xmlns="" val="20001"/>
                     </a:ext>
                   </a:extLst>
                 </a:gridCol>
                 <a:gridCol w="1219200">
                   <a:extLst>
                     <a:ext uri="{9D8B030D-6E8A-4147-A177-3AD203B41FA5}">
-                      <a16:colId xmlns:a16="http://schemas.microsoft.com/office/drawing/2014/main" val="20002"/>
+                      <a16:colId xmlns:a16="http://schemas.microsoft.com/office/drawing/2014/main" xmlns="" val="20002"/>
                     </a:ext>
                   </a:extLst>
                 </a:gridCol>
                 <a:gridCol w="1219200">
                   <a:extLst>
                     <a:ext uri="{9D8B030D-6E8A-4147-A177-3AD203B41FA5}">
-                      <a16:colId xmlns:a16="http://schemas.microsoft.com/office/drawing/2014/main" val="20003"/>
+                      <a16:colId xmlns:a16="http://schemas.microsoft.com/office/drawing/2014/main" xmlns="" val="20003"/>
                     </a:ext>
                   </a:extLst>
                 </a:gridCol>
                 <a:gridCol w="1219200">
                   <a:extLst>
                     <a:ext uri="{9D8B030D-6E8A-4147-A177-3AD203B41FA5}">
-                      <a16:colId xmlns:a16="http://schemas.microsoft.com/office/drawing/2014/main" val="20004"/>
+                      <a16:colId xmlns:a16="http://schemas.microsoft.com/office/drawing/2014/main" xmlns="" val="20004"/>
                     </a:ext>
                   </a:extLst>
                 </a:gridCol>
@@ -21787,7 +21838,7 @@
                 </a:tc>
                 <a:extLst>
                   <a:ext uri="{0D108BD9-81ED-4DB2-BD59-A6C34878D82A}">
-                    <a16:rowId xmlns:a16="http://schemas.microsoft.com/office/drawing/2014/main" val="10000"/>
+                    <a16:rowId xmlns:a16="http://schemas.microsoft.com/office/drawing/2014/main" xmlns="" val="10000"/>
                   </a:ext>
                 </a:extLst>
               </a:tr>
@@ -21823,35 +21874,35 @@
                 <a:gridCol w="1219200">
                   <a:extLst>
                     <a:ext uri="{9D8B030D-6E8A-4147-A177-3AD203B41FA5}">
-                      <a16:colId xmlns:a16="http://schemas.microsoft.com/office/drawing/2014/main" val="20000"/>
+                      <a16:colId xmlns:a16="http://schemas.microsoft.com/office/drawing/2014/main" xmlns="" val="20000"/>
                     </a:ext>
                   </a:extLst>
                 </a:gridCol>
                 <a:gridCol w="1219200">
                   <a:extLst>
                     <a:ext uri="{9D8B030D-6E8A-4147-A177-3AD203B41FA5}">
-                      <a16:colId xmlns:a16="http://schemas.microsoft.com/office/drawing/2014/main" val="20001"/>
+                      <a16:colId xmlns:a16="http://schemas.microsoft.com/office/drawing/2014/main" xmlns="" val="20001"/>
                     </a:ext>
                   </a:extLst>
                 </a:gridCol>
                 <a:gridCol w="1219200">
                   <a:extLst>
                     <a:ext uri="{9D8B030D-6E8A-4147-A177-3AD203B41FA5}">
-                      <a16:colId xmlns:a16="http://schemas.microsoft.com/office/drawing/2014/main" val="20002"/>
+                      <a16:colId xmlns:a16="http://schemas.microsoft.com/office/drawing/2014/main" xmlns="" val="20002"/>
                     </a:ext>
                   </a:extLst>
                 </a:gridCol>
                 <a:gridCol w="1219200">
                   <a:extLst>
                     <a:ext uri="{9D8B030D-6E8A-4147-A177-3AD203B41FA5}">
-                      <a16:colId xmlns:a16="http://schemas.microsoft.com/office/drawing/2014/main" val="20003"/>
+                      <a16:colId xmlns:a16="http://schemas.microsoft.com/office/drawing/2014/main" xmlns="" val="20003"/>
                     </a:ext>
                   </a:extLst>
                 </a:gridCol>
                 <a:gridCol w="1219200">
                   <a:extLst>
                     <a:ext uri="{9D8B030D-6E8A-4147-A177-3AD203B41FA5}">
-                      <a16:colId xmlns:a16="http://schemas.microsoft.com/office/drawing/2014/main" val="20004"/>
+                      <a16:colId xmlns:a16="http://schemas.microsoft.com/office/drawing/2014/main" xmlns="" val="20004"/>
                     </a:ext>
                   </a:extLst>
                 </a:gridCol>
@@ -21948,7 +21999,7 @@
                 </a:tc>
                 <a:extLst>
                   <a:ext uri="{0D108BD9-81ED-4DB2-BD59-A6C34878D82A}">
-                    <a16:rowId xmlns:a16="http://schemas.microsoft.com/office/drawing/2014/main" val="10000"/>
+                    <a16:rowId xmlns:a16="http://schemas.microsoft.com/office/drawing/2014/main" xmlns="" val="10000"/>
                   </a:ext>
                 </a:extLst>
               </a:tr>
@@ -21984,35 +22035,35 @@
                 <a:gridCol w="1219200">
                   <a:extLst>
                     <a:ext uri="{9D8B030D-6E8A-4147-A177-3AD203B41FA5}">
-                      <a16:colId xmlns:a16="http://schemas.microsoft.com/office/drawing/2014/main" val="20000"/>
+                      <a16:colId xmlns:a16="http://schemas.microsoft.com/office/drawing/2014/main" xmlns="" val="20000"/>
                     </a:ext>
                   </a:extLst>
                 </a:gridCol>
                 <a:gridCol w="1219200">
                   <a:extLst>
                     <a:ext uri="{9D8B030D-6E8A-4147-A177-3AD203B41FA5}">
-                      <a16:colId xmlns:a16="http://schemas.microsoft.com/office/drawing/2014/main" val="20001"/>
+                      <a16:colId xmlns:a16="http://schemas.microsoft.com/office/drawing/2014/main" xmlns="" val="20001"/>
                     </a:ext>
                   </a:extLst>
                 </a:gridCol>
                 <a:gridCol w="1219200">
                   <a:extLst>
                     <a:ext uri="{9D8B030D-6E8A-4147-A177-3AD203B41FA5}">
-                      <a16:colId xmlns:a16="http://schemas.microsoft.com/office/drawing/2014/main" val="20002"/>
+                      <a16:colId xmlns:a16="http://schemas.microsoft.com/office/drawing/2014/main" xmlns="" val="20002"/>
                     </a:ext>
                   </a:extLst>
                 </a:gridCol>
                 <a:gridCol w="1219200">
                   <a:extLst>
                     <a:ext uri="{9D8B030D-6E8A-4147-A177-3AD203B41FA5}">
-                      <a16:colId xmlns:a16="http://schemas.microsoft.com/office/drawing/2014/main" val="20003"/>
+                      <a16:colId xmlns:a16="http://schemas.microsoft.com/office/drawing/2014/main" xmlns="" val="20003"/>
                     </a:ext>
                   </a:extLst>
                 </a:gridCol>
                 <a:gridCol w="1219200">
                   <a:extLst>
                     <a:ext uri="{9D8B030D-6E8A-4147-A177-3AD203B41FA5}">
-                      <a16:colId xmlns:a16="http://schemas.microsoft.com/office/drawing/2014/main" val="20004"/>
+                      <a16:colId xmlns:a16="http://schemas.microsoft.com/office/drawing/2014/main" xmlns="" val="20004"/>
                     </a:ext>
                   </a:extLst>
                 </a:gridCol>
@@ -22109,7 +22160,7 @@
                 </a:tc>
                 <a:extLst>
                   <a:ext uri="{0D108BD9-81ED-4DB2-BD59-A6C34878D82A}">
-                    <a16:rowId xmlns:a16="http://schemas.microsoft.com/office/drawing/2014/main" val="10000"/>
+                    <a16:rowId xmlns:a16="http://schemas.microsoft.com/office/drawing/2014/main" xmlns="" val="10000"/>
                   </a:ext>
                 </a:extLst>
               </a:tr>
@@ -22829,7 +22880,7 @@
           <p:cNvPr id="2" name="Title 1">
             <a:extLst>
               <a:ext uri="{FF2B5EF4-FFF2-40B4-BE49-F238E27FC236}">
-                <a16:creationId xmlns:a16="http://schemas.microsoft.com/office/drawing/2014/main" id="{C9E81E4C-A0B9-4727-8465-CC2727513FAC}"/>
+                <a16:creationId xmlns:a16="http://schemas.microsoft.com/office/drawing/2014/main" xmlns="" id="{C9E81E4C-A0B9-4727-8465-CC2727513FAC}"/>
               </a:ext>
             </a:extLst>
           </p:cNvPr>
@@ -22865,7 +22916,7 @@
           <p:cNvPr id="4" name="Date Placeholder 3">
             <a:extLst>
               <a:ext uri="{FF2B5EF4-FFF2-40B4-BE49-F238E27FC236}">
-                <a16:creationId xmlns:a16="http://schemas.microsoft.com/office/drawing/2014/main" id="{EEDA3DF6-0CE1-4692-8DEF-D632C59B2017}"/>
+                <a16:creationId xmlns:a16="http://schemas.microsoft.com/office/drawing/2014/main" xmlns="" id="{EEDA3DF6-0CE1-4692-8DEF-D632C59B2017}"/>
               </a:ext>
             </a:extLst>
           </p:cNvPr>
@@ -22894,7 +22945,7 @@
           <p:cNvPr id="5" name="Footer Placeholder 4">
             <a:extLst>
               <a:ext uri="{FF2B5EF4-FFF2-40B4-BE49-F238E27FC236}">
-                <a16:creationId xmlns:a16="http://schemas.microsoft.com/office/drawing/2014/main" id="{840F41E9-E0A8-4017-A8A0-09731D486EB2}"/>
+                <a16:creationId xmlns:a16="http://schemas.microsoft.com/office/drawing/2014/main" xmlns="" id="{840F41E9-E0A8-4017-A8A0-09731D486EB2}"/>
               </a:ext>
             </a:extLst>
           </p:cNvPr>
@@ -22923,7 +22974,7 @@
           <p:cNvPr id="6" name="Slide Number Placeholder 5">
             <a:extLst>
               <a:ext uri="{FF2B5EF4-FFF2-40B4-BE49-F238E27FC236}">
-                <a16:creationId xmlns:a16="http://schemas.microsoft.com/office/drawing/2014/main" id="{3CF71064-8F62-4A37-B7B2-57C930214798}"/>
+                <a16:creationId xmlns:a16="http://schemas.microsoft.com/office/drawing/2014/main" xmlns="" id="{3CF71064-8F62-4A37-B7B2-57C930214798}"/>
               </a:ext>
             </a:extLst>
           </p:cNvPr>
@@ -22953,7 +23004,7 @@
           <p:cNvPr id="7" name="Picture 6">
             <a:extLst>
               <a:ext uri="{FF2B5EF4-FFF2-40B4-BE49-F238E27FC236}">
-                <a16:creationId xmlns:a16="http://schemas.microsoft.com/office/drawing/2014/main" id="{1EC402BD-5166-45F7-851E-ECC906F128E6}"/>
+                <a16:creationId xmlns:a16="http://schemas.microsoft.com/office/drawing/2014/main" xmlns="" id="{1EC402BD-5166-45F7-851E-ECC906F128E6}"/>
               </a:ext>
             </a:extLst>
           </p:cNvPr>
@@ -22983,7 +23034,7 @@
           <p:cNvPr id="9" name="Rectangle 8">
             <a:extLst>
               <a:ext uri="{FF2B5EF4-FFF2-40B4-BE49-F238E27FC236}">
-                <a16:creationId xmlns:a16="http://schemas.microsoft.com/office/drawing/2014/main" id="{57B3431C-D5A0-4BDA-831E-C22F0F0A9E8A}"/>
+                <a16:creationId xmlns:a16="http://schemas.microsoft.com/office/drawing/2014/main" xmlns="" id="{57B3431C-D5A0-4BDA-831E-C22F0F0A9E8A}"/>
               </a:ext>
             </a:extLst>
           </p:cNvPr>
@@ -23026,7 +23077,7 @@
           <p:cNvPr id="10" name="Rectangle 9">
             <a:extLst>
               <a:ext uri="{FF2B5EF4-FFF2-40B4-BE49-F238E27FC236}">
-                <a16:creationId xmlns:a16="http://schemas.microsoft.com/office/drawing/2014/main" id="{FFC755C4-388A-48EB-8402-C5DFAF70360A}"/>
+                <a16:creationId xmlns:a16="http://schemas.microsoft.com/office/drawing/2014/main" xmlns="" id="{FFC755C4-388A-48EB-8402-C5DFAF70360A}"/>
               </a:ext>
             </a:extLst>
           </p:cNvPr>
@@ -23549,7 +23600,7 @@
           <p:cNvPr id="2" name="Title 1">
             <a:extLst>
               <a:ext uri="{FF2B5EF4-FFF2-40B4-BE49-F238E27FC236}">
-                <a16:creationId xmlns:a16="http://schemas.microsoft.com/office/drawing/2014/main" id="{2A24231D-9B05-4444-AE52-A9D247DD23B8}"/>
+                <a16:creationId xmlns:a16="http://schemas.microsoft.com/office/drawing/2014/main" xmlns="" id="{2A24231D-9B05-4444-AE52-A9D247DD23B8}"/>
               </a:ext>
             </a:extLst>
           </p:cNvPr>
@@ -23577,7 +23628,7 @@
           <p:cNvPr id="3" name="Content Placeholder 2">
             <a:extLst>
               <a:ext uri="{FF2B5EF4-FFF2-40B4-BE49-F238E27FC236}">
-                <a16:creationId xmlns:a16="http://schemas.microsoft.com/office/drawing/2014/main" id="{AB540D7D-DBDB-4FBF-8101-89CA890DC8E2}"/>
+                <a16:creationId xmlns:a16="http://schemas.microsoft.com/office/drawing/2014/main" xmlns="" id="{AB540D7D-DBDB-4FBF-8101-89CA890DC8E2}"/>
               </a:ext>
             </a:extLst>
           </p:cNvPr>
@@ -23897,7 +23948,7 @@
           <p:cNvPr id="2" name="Title 1">
             <a:extLst>
               <a:ext uri="{FF2B5EF4-FFF2-40B4-BE49-F238E27FC236}">
-                <a16:creationId xmlns:a16="http://schemas.microsoft.com/office/drawing/2014/main" id="{FDB15D5C-3E69-42D6-959B-55BE2E61F423}"/>
+                <a16:creationId xmlns:a16="http://schemas.microsoft.com/office/drawing/2014/main" xmlns="" id="{FDB15D5C-3E69-42D6-959B-55BE2E61F423}"/>
               </a:ext>
             </a:extLst>
           </p:cNvPr>
@@ -23925,7 +23976,7 @@
           <p:cNvPr id="3" name="Content Placeholder 2">
             <a:extLst>
               <a:ext uri="{FF2B5EF4-FFF2-40B4-BE49-F238E27FC236}">
-                <a16:creationId xmlns:a16="http://schemas.microsoft.com/office/drawing/2014/main" id="{568BD1AF-4C0E-4C33-B16E-E6664816CAF5}"/>
+                <a16:creationId xmlns:a16="http://schemas.microsoft.com/office/drawing/2014/main" xmlns="" id="{568BD1AF-4C0E-4C33-B16E-E6664816CAF5}"/>
               </a:ext>
             </a:extLst>
           </p:cNvPr>
@@ -24186,7 +24237,7 @@
           <p:cNvPr id="2" name="Title 1">
             <a:extLst>
               <a:ext uri="{FF2B5EF4-FFF2-40B4-BE49-F238E27FC236}">
-                <a16:creationId xmlns:a16="http://schemas.microsoft.com/office/drawing/2014/main" id="{CD8454EB-7C8E-4828-AEE5-0DD2C795D393}"/>
+                <a16:creationId xmlns:a16="http://schemas.microsoft.com/office/drawing/2014/main" xmlns="" id="{CD8454EB-7C8E-4828-AEE5-0DD2C795D393}"/>
               </a:ext>
             </a:extLst>
           </p:cNvPr>
@@ -24211,7 +24262,7 @@
           <p:cNvPr id="3" name="Content Placeholder 2">
             <a:extLst>
               <a:ext uri="{FF2B5EF4-FFF2-40B4-BE49-F238E27FC236}">
-                <a16:creationId xmlns:a16="http://schemas.microsoft.com/office/drawing/2014/main" id="{9031DB80-0AC4-4AA0-B27F-0ADDBDD15873}"/>
+                <a16:creationId xmlns:a16="http://schemas.microsoft.com/office/drawing/2014/main" xmlns="" id="{9031DB80-0AC4-4AA0-B27F-0ADDBDD15873}"/>
               </a:ext>
             </a:extLst>
           </p:cNvPr>
@@ -24380,7 +24431,7 @@
           <p:cNvPr id="2" name="Title 1">
             <a:extLst>
               <a:ext uri="{FF2B5EF4-FFF2-40B4-BE49-F238E27FC236}">
-                <a16:creationId xmlns:a16="http://schemas.microsoft.com/office/drawing/2014/main" id="{4B30F680-9CD5-42C3-A322-2BB3F03BB22E}"/>
+                <a16:creationId xmlns:a16="http://schemas.microsoft.com/office/drawing/2014/main" xmlns="" id="{4B30F680-9CD5-42C3-A322-2BB3F03BB22E}"/>
               </a:ext>
             </a:extLst>
           </p:cNvPr>
@@ -24408,7 +24459,7 @@
           <p:cNvPr id="3" name="Content Placeholder 2">
             <a:extLst>
               <a:ext uri="{FF2B5EF4-FFF2-40B4-BE49-F238E27FC236}">
-                <a16:creationId xmlns:a16="http://schemas.microsoft.com/office/drawing/2014/main" id="{8006EC53-FDEE-4666-9F9B-3029548280F8}"/>
+                <a16:creationId xmlns:a16="http://schemas.microsoft.com/office/drawing/2014/main" xmlns="" id="{8006EC53-FDEE-4666-9F9B-3029548280F8}"/>
               </a:ext>
             </a:extLst>
           </p:cNvPr>
@@ -24623,7 +24674,7 @@
                         <m:endChr m:val="}"/>
                         <m:ctrlPr>
                           <a:rPr lang="en-US" sz="2200" i="1">
-                            <a:latin typeface="Cambria Math" panose="02040503050406030204" pitchFamily="18" charset="0"/>
+                            <a:latin typeface="Cambria Math"/>
                           </a:rPr>
                         </m:ctrlPr>
                       </m:dPr>
@@ -24632,7 +24683,7 @@
                           <m:sSubPr>
                             <m:ctrlPr>
                               <a:rPr lang="en-US" sz="2200" b="1" i="1">
-                                <a:latin typeface="Cambria Math" panose="02040503050406030204" pitchFamily="18" charset="0"/>
+                                <a:latin typeface="Cambria Math"/>
                               </a:rPr>
                             </m:ctrlPr>
                           </m:sSubPr>
@@ -24663,7 +24714,7 @@
                           <m:sSubPr>
                             <m:ctrlPr>
                               <a:rPr lang="en-US" sz="2200" i="1">
-                                <a:latin typeface="Cambria Math" panose="02040503050406030204" pitchFamily="18" charset="0"/>
+                                <a:latin typeface="Cambria Math"/>
                               </a:rPr>
                             </m:ctrlPr>
                           </m:sSubPr>
@@ -24732,7 +24783,7 @@
                       <m:sSubPr>
                         <m:ctrlPr>
                           <a:rPr lang="en-US" sz="2200" b="1" i="1">
-                            <a:latin typeface="Cambria Math" panose="02040503050406030204" pitchFamily="18" charset="0"/>
+                            <a:latin typeface="Cambria Math"/>
                           </a:rPr>
                         </m:ctrlPr>
                       </m:sSubPr>
@@ -24764,7 +24815,7 @@
                       <m:sSupPr>
                         <m:ctrlPr>
                           <a:rPr lang="en-US" sz="2200" b="1" i="1">
-                            <a:latin typeface="Cambria Math" panose="02040503050406030204" pitchFamily="18" charset="0"/>
+                            <a:latin typeface="Cambria Math"/>
                             <a:ea typeface="Cambria Math"/>
                           </a:rPr>
                         </m:ctrlPr>
@@ -24894,7 +24945,7 @@
                       <m:sSubPr>
                         <m:ctrlPr>
                           <a:rPr lang="en-US" sz="2200" b="0" i="1" smtClean="0">
-                            <a:latin typeface="Cambria Math" panose="02040503050406030204" pitchFamily="18" charset="0"/>
+                            <a:latin typeface="Cambria Math"/>
                             <a:ea typeface="Cambria Math"/>
                           </a:rPr>
                         </m:ctrlPr>
@@ -24930,7 +24981,7 @@
                         <m:chr m:val="∑"/>
                         <m:ctrlPr>
                           <a:rPr lang="en-US" sz="2200" i="1" smtClean="0">
-                            <a:latin typeface="Cambria Math" panose="02040503050406030204" pitchFamily="18" charset="0"/>
+                            <a:latin typeface="Cambria Math"/>
                             <a:ea typeface="Cambria Math"/>
                           </a:rPr>
                         </m:ctrlPr>
@@ -24982,7 +25033,7 @@
                           <m:sSubPr>
                             <m:ctrlPr>
                               <a:rPr lang="en-US" sz="2200" b="0" i="1" smtClean="0">
-                                <a:latin typeface="Cambria Math" panose="02040503050406030204" pitchFamily="18" charset="0"/>
+                                <a:latin typeface="Cambria Math"/>
                                 <a:ea typeface="Cambria Math"/>
                               </a:rPr>
                             </m:ctrlPr>
@@ -25919,7 +25970,7 @@
           <p:cNvPr id="2" name="Title 1">
             <a:extLst>
               <a:ext uri="{FF2B5EF4-FFF2-40B4-BE49-F238E27FC236}">
-                <a16:creationId xmlns:a16="http://schemas.microsoft.com/office/drawing/2014/main" id="{3B4A6D6F-EF73-445F-8B26-7A8318DC6C7A}"/>
+                <a16:creationId xmlns:a16="http://schemas.microsoft.com/office/drawing/2014/main" xmlns="" id="{3B4A6D6F-EF73-445F-8B26-7A8318DC6C7A}"/>
               </a:ext>
             </a:extLst>
           </p:cNvPr>
@@ -25947,7 +25998,7 @@
           <p:cNvPr id="3" name="Content Placeholder 2">
             <a:extLst>
               <a:ext uri="{FF2B5EF4-FFF2-40B4-BE49-F238E27FC236}">
-                <a16:creationId xmlns:a16="http://schemas.microsoft.com/office/drawing/2014/main" id="{A3E9E57D-7F49-4F46-8CE1-A202F2B7A4ED}"/>
+                <a16:creationId xmlns:a16="http://schemas.microsoft.com/office/drawing/2014/main" xmlns="" id="{A3E9E57D-7F49-4F46-8CE1-A202F2B7A4ED}"/>
               </a:ext>
             </a:extLst>
           </p:cNvPr>
@@ -26127,7 +26178,7 @@
           <p:cNvPr id="2" name="Title 1">
             <a:extLst>
               <a:ext uri="{FF2B5EF4-FFF2-40B4-BE49-F238E27FC236}">
-                <a16:creationId xmlns:a16="http://schemas.microsoft.com/office/drawing/2014/main" id="{CD8454EB-7C8E-4828-AEE5-0DD2C795D393}"/>
+                <a16:creationId xmlns:a16="http://schemas.microsoft.com/office/drawing/2014/main" xmlns="" id="{CD8454EB-7C8E-4828-AEE5-0DD2C795D393}"/>
               </a:ext>
             </a:extLst>
           </p:cNvPr>
@@ -26152,7 +26203,7 @@
           <p:cNvPr id="3" name="Content Placeholder 2">
             <a:extLst>
               <a:ext uri="{FF2B5EF4-FFF2-40B4-BE49-F238E27FC236}">
-                <a16:creationId xmlns:a16="http://schemas.microsoft.com/office/drawing/2014/main" id="{9031DB80-0AC4-4AA0-B27F-0ADDBDD15873}"/>
+                <a16:creationId xmlns:a16="http://schemas.microsoft.com/office/drawing/2014/main" xmlns="" id="{9031DB80-0AC4-4AA0-B27F-0ADDBDD15873}"/>
               </a:ext>
             </a:extLst>
           </p:cNvPr>
@@ -26418,7 +26469,7 @@
                       <m:sSubPr>
                         <m:ctrlPr>
                           <a:rPr lang="en-US" b="0" i="1" dirty="0" smtClean="0">
-                            <a:latin typeface="Cambria Math" panose="02040503050406030204" pitchFamily="18" charset="0"/>
+                            <a:latin typeface="Cambria Math"/>
                           </a:rPr>
                         </m:ctrlPr>
                       </m:sSubPr>
@@ -26523,7 +26574,7 @@
                       <m:sSubPr>
                         <m:ctrlPr>
                           <a:rPr lang="en-US" b="0" i="1" dirty="0" smtClean="0">
-                            <a:latin typeface="Cambria Math" panose="02040503050406030204" pitchFamily="18" charset="0"/>
+                            <a:latin typeface="Cambria Math"/>
                           </a:rPr>
                         </m:ctrlPr>
                       </m:sSubPr>
@@ -26775,7 +26826,7 @@
           <p:cNvPr id="2" name="Title 1">
             <a:extLst>
               <a:ext uri="{FF2B5EF4-FFF2-40B4-BE49-F238E27FC236}">
-                <a16:creationId xmlns:a16="http://schemas.microsoft.com/office/drawing/2014/main" id="{2A6CE57B-1663-4FF3-B81F-CEFCCF0E45CE}"/>
+                <a16:creationId xmlns:a16="http://schemas.microsoft.com/office/drawing/2014/main" xmlns="" id="{2A6CE57B-1663-4FF3-B81F-CEFCCF0E45CE}"/>
               </a:ext>
             </a:extLst>
           </p:cNvPr>
@@ -26803,7 +26854,7 @@
           <p:cNvPr id="3" name="Content Placeholder 2">
             <a:extLst>
               <a:ext uri="{FF2B5EF4-FFF2-40B4-BE49-F238E27FC236}">
-                <a16:creationId xmlns:a16="http://schemas.microsoft.com/office/drawing/2014/main" id="{3D930F9B-23AE-41CC-B53F-1EB5DC3D0494}"/>
+                <a16:creationId xmlns:a16="http://schemas.microsoft.com/office/drawing/2014/main" xmlns="" id="{3D930F9B-23AE-41CC-B53F-1EB5DC3D0494}"/>
               </a:ext>
             </a:extLst>
           </p:cNvPr>
@@ -26948,7 +26999,7 @@
           <p:cNvPr id="2" name="Title 1">
             <a:extLst>
               <a:ext uri="{FF2B5EF4-FFF2-40B4-BE49-F238E27FC236}">
-                <a16:creationId xmlns:a16="http://schemas.microsoft.com/office/drawing/2014/main" id="{91B40A52-90B4-4BC0-A163-12E82DFD234A}"/>
+                <a16:creationId xmlns:a16="http://schemas.microsoft.com/office/drawing/2014/main" xmlns="" id="{91B40A52-90B4-4BC0-A163-12E82DFD234A}"/>
               </a:ext>
             </a:extLst>
           </p:cNvPr>
@@ -26976,7 +27027,7 @@
           <p:cNvPr id="3" name="Content Placeholder 2">
             <a:extLst>
               <a:ext uri="{FF2B5EF4-FFF2-40B4-BE49-F238E27FC236}">
-                <a16:creationId xmlns:a16="http://schemas.microsoft.com/office/drawing/2014/main" id="{6887F732-8E80-4050-8D57-196C1CD0BE93}"/>
+                <a16:creationId xmlns:a16="http://schemas.microsoft.com/office/drawing/2014/main" xmlns="" id="{6887F732-8E80-4050-8D57-196C1CD0BE93}"/>
               </a:ext>
             </a:extLst>
           </p:cNvPr>
@@ -27155,7 +27206,7 @@
           <p:cNvPr id="2" name="Title 1">
             <a:extLst>
               <a:ext uri="{FF2B5EF4-FFF2-40B4-BE49-F238E27FC236}">
-                <a16:creationId xmlns:a16="http://schemas.microsoft.com/office/drawing/2014/main" id="{2C263A1E-98C1-46DE-B3F5-F11120DB7A90}"/>
+                <a16:creationId xmlns:a16="http://schemas.microsoft.com/office/drawing/2014/main" xmlns="" id="{2C263A1E-98C1-46DE-B3F5-F11120DB7A90}"/>
               </a:ext>
             </a:extLst>
           </p:cNvPr>
@@ -27183,7 +27234,7 @@
           <p:cNvPr id="3" name="Content Placeholder 2">
             <a:extLst>
               <a:ext uri="{FF2B5EF4-FFF2-40B4-BE49-F238E27FC236}">
-                <a16:creationId xmlns:a16="http://schemas.microsoft.com/office/drawing/2014/main" id="{FEA7B1D4-972B-4510-BF93-64E41D4AD518}"/>
+                <a16:creationId xmlns:a16="http://schemas.microsoft.com/office/drawing/2014/main" xmlns="" id="{FEA7B1D4-972B-4510-BF93-64E41D4AD518}"/>
               </a:ext>
             </a:extLst>
           </p:cNvPr>
@@ -27388,7 +27439,7 @@
           <p:cNvPr id="2" name="Title 1">
             <a:extLst>
               <a:ext uri="{FF2B5EF4-FFF2-40B4-BE49-F238E27FC236}">
-                <a16:creationId xmlns:a16="http://schemas.microsoft.com/office/drawing/2014/main" id="{1C87DDA2-0402-4427-BD2B-38E81CC25C82}"/>
+                <a16:creationId xmlns:a16="http://schemas.microsoft.com/office/drawing/2014/main" xmlns="" id="{1C87DDA2-0402-4427-BD2B-38E81CC25C82}"/>
               </a:ext>
             </a:extLst>
           </p:cNvPr>
@@ -27416,7 +27467,7 @@
           <p:cNvPr id="3" name="Content Placeholder 2">
             <a:extLst>
               <a:ext uri="{FF2B5EF4-FFF2-40B4-BE49-F238E27FC236}">
-                <a16:creationId xmlns:a16="http://schemas.microsoft.com/office/drawing/2014/main" id="{F3F973AD-AABE-43C6-9547-B825E7958280}"/>
+                <a16:creationId xmlns:a16="http://schemas.microsoft.com/office/drawing/2014/main" xmlns="" id="{F3F973AD-AABE-43C6-9547-B825E7958280}"/>
               </a:ext>
             </a:extLst>
           </p:cNvPr>
@@ -27452,7 +27503,7 @@
           <p:cNvPr id="4" name="Date Placeholder 3">
             <a:extLst>
               <a:ext uri="{FF2B5EF4-FFF2-40B4-BE49-F238E27FC236}">
-                <a16:creationId xmlns:a16="http://schemas.microsoft.com/office/drawing/2014/main" id="{6B0B029F-0E7C-44E0-B099-D79DEC80E389}"/>
+                <a16:creationId xmlns:a16="http://schemas.microsoft.com/office/drawing/2014/main" xmlns="" id="{6B0B029F-0E7C-44E0-B099-D79DEC80E389}"/>
               </a:ext>
             </a:extLst>
           </p:cNvPr>
@@ -27481,7 +27532,7 @@
           <p:cNvPr id="5" name="Footer Placeholder 4">
             <a:extLst>
               <a:ext uri="{FF2B5EF4-FFF2-40B4-BE49-F238E27FC236}">
-                <a16:creationId xmlns:a16="http://schemas.microsoft.com/office/drawing/2014/main" id="{2010230E-4981-40B2-9B3E-87280C530AD1}"/>
+                <a16:creationId xmlns:a16="http://schemas.microsoft.com/office/drawing/2014/main" xmlns="" id="{2010230E-4981-40B2-9B3E-87280C530AD1}"/>
               </a:ext>
             </a:extLst>
           </p:cNvPr>
@@ -27510,7 +27561,7 @@
           <p:cNvPr id="6" name="Slide Number Placeholder 5">
             <a:extLst>
               <a:ext uri="{FF2B5EF4-FFF2-40B4-BE49-F238E27FC236}">
-                <a16:creationId xmlns:a16="http://schemas.microsoft.com/office/drawing/2014/main" id="{875E9B2D-096C-4B51-AFEB-F4D13914F3E2}"/>
+                <a16:creationId xmlns:a16="http://schemas.microsoft.com/office/drawing/2014/main" xmlns="" id="{875E9B2D-096C-4B51-AFEB-F4D13914F3E2}"/>
               </a:ext>
             </a:extLst>
           </p:cNvPr>
@@ -27540,7 +27591,7 @@
           <p:cNvPr id="7" name="Picture 6">
             <a:extLst>
               <a:ext uri="{FF2B5EF4-FFF2-40B4-BE49-F238E27FC236}">
-                <a16:creationId xmlns:a16="http://schemas.microsoft.com/office/drawing/2014/main" id="{CAF70065-52F1-4999-B9B6-7B50C6AF50FE}"/>
+                <a16:creationId xmlns:a16="http://schemas.microsoft.com/office/drawing/2014/main" xmlns="" id="{CAF70065-52F1-4999-B9B6-7B50C6AF50FE}"/>
               </a:ext>
             </a:extLst>
           </p:cNvPr>
@@ -27600,7 +27651,7 @@
           <p:cNvPr id="2" name="Title 1">
             <a:extLst>
               <a:ext uri="{FF2B5EF4-FFF2-40B4-BE49-F238E27FC236}">
-                <a16:creationId xmlns:a16="http://schemas.microsoft.com/office/drawing/2014/main" id="{3954DD4C-9AFB-4774-B68A-9495FE691FA1}"/>
+                <a16:creationId xmlns:a16="http://schemas.microsoft.com/office/drawing/2014/main" xmlns="" id="{3954DD4C-9AFB-4774-B68A-9495FE691FA1}"/>
               </a:ext>
             </a:extLst>
           </p:cNvPr>
@@ -27628,7 +27679,7 @@
           <p:cNvPr id="3" name="Content Placeholder 2">
             <a:extLst>
               <a:ext uri="{FF2B5EF4-FFF2-40B4-BE49-F238E27FC236}">
-                <a16:creationId xmlns:a16="http://schemas.microsoft.com/office/drawing/2014/main" id="{E33CC9C7-B7D9-465F-8F45-DA9C6638A229}"/>
+                <a16:creationId xmlns:a16="http://schemas.microsoft.com/office/drawing/2014/main" xmlns="" id="{E33CC9C7-B7D9-465F-8F45-DA9C6638A229}"/>
               </a:ext>
             </a:extLst>
           </p:cNvPr>
@@ -27844,7 +27895,7 @@
           <p:cNvPr id="2" name="Title 1">
             <a:extLst>
               <a:ext uri="{FF2B5EF4-FFF2-40B4-BE49-F238E27FC236}">
-                <a16:creationId xmlns:a16="http://schemas.microsoft.com/office/drawing/2014/main" id="{539D8A96-0247-432E-A28A-E335F9ECFEEF}"/>
+                <a16:creationId xmlns:a16="http://schemas.microsoft.com/office/drawing/2014/main" xmlns="" id="{539D8A96-0247-432E-A28A-E335F9ECFEEF}"/>
               </a:ext>
             </a:extLst>
           </p:cNvPr>
@@ -27872,7 +27923,7 @@
           <p:cNvPr id="3" name="Content Placeholder 2">
             <a:extLst>
               <a:ext uri="{FF2B5EF4-FFF2-40B4-BE49-F238E27FC236}">
-                <a16:creationId xmlns:a16="http://schemas.microsoft.com/office/drawing/2014/main" id="{8CEF64E9-023A-4EA1-86D5-3823476844EA}"/>
+                <a16:creationId xmlns:a16="http://schemas.microsoft.com/office/drawing/2014/main" xmlns="" id="{8CEF64E9-023A-4EA1-86D5-3823476844EA}"/>
               </a:ext>
             </a:extLst>
           </p:cNvPr>
@@ -28035,7 +28086,7 @@
           <p:cNvPr id="2" name="Title 1">
             <a:extLst>
               <a:ext uri="{FF2B5EF4-FFF2-40B4-BE49-F238E27FC236}">
-                <a16:creationId xmlns:a16="http://schemas.microsoft.com/office/drawing/2014/main" id="{87C46574-53E4-4FF8-87BB-9A0AB4698D40}"/>
+                <a16:creationId xmlns:a16="http://schemas.microsoft.com/office/drawing/2014/main" xmlns="" id="{87C46574-53E4-4FF8-87BB-9A0AB4698D40}"/>
               </a:ext>
             </a:extLst>
           </p:cNvPr>
@@ -28063,7 +28114,7 @@
           <p:cNvPr id="3" name="Content Placeholder 2">
             <a:extLst>
               <a:ext uri="{FF2B5EF4-FFF2-40B4-BE49-F238E27FC236}">
-                <a16:creationId xmlns:a16="http://schemas.microsoft.com/office/drawing/2014/main" id="{A550F9D6-C40E-4F8D-AFB6-A07A0F0A32C3}"/>
+                <a16:creationId xmlns:a16="http://schemas.microsoft.com/office/drawing/2014/main" xmlns="" id="{A550F9D6-C40E-4F8D-AFB6-A07A0F0A32C3}"/>
               </a:ext>
             </a:extLst>
           </p:cNvPr>
@@ -29181,7 +29232,7 @@
           <p:cNvPr id="2" name="Title 1">
             <a:extLst>
               <a:ext uri="{FF2B5EF4-FFF2-40B4-BE49-F238E27FC236}">
-                <a16:creationId xmlns:a16="http://schemas.microsoft.com/office/drawing/2014/main" id="{E1873E9F-38D1-4259-9768-E19D23A85E9B}"/>
+                <a16:creationId xmlns:a16="http://schemas.microsoft.com/office/drawing/2014/main" xmlns="" id="{E1873E9F-38D1-4259-9768-E19D23A85E9B}"/>
               </a:ext>
             </a:extLst>
           </p:cNvPr>
@@ -29209,7 +29260,7 @@
           <p:cNvPr id="3" name="Content Placeholder 2">
             <a:extLst>
               <a:ext uri="{FF2B5EF4-FFF2-40B4-BE49-F238E27FC236}">
-                <a16:creationId xmlns:a16="http://schemas.microsoft.com/office/drawing/2014/main" id="{B2A8FF69-3D61-4184-A5E5-8F2325B3D6E6}"/>
+                <a16:creationId xmlns:a16="http://schemas.microsoft.com/office/drawing/2014/main" xmlns="" id="{B2A8FF69-3D61-4184-A5E5-8F2325B3D6E6}"/>
               </a:ext>
             </a:extLst>
           </p:cNvPr>
@@ -29504,7 +29555,7 @@
           <p:cNvPr id="8" name="Content Placeholder 2">
             <a:extLst>
               <a:ext uri="{FF2B5EF4-FFF2-40B4-BE49-F238E27FC236}">
-                <a16:creationId xmlns:a16="http://schemas.microsoft.com/office/drawing/2014/main" id="{6FCD12D9-BCB8-4B32-BDFE-15B03276BA98}"/>
+                <a16:creationId xmlns:a16="http://schemas.microsoft.com/office/drawing/2014/main" xmlns="" id="{6FCD12D9-BCB8-4B32-BDFE-15B03276BA98}"/>
               </a:ext>
             </a:extLst>
           </p:cNvPr>
@@ -30125,7 +30176,7 @@
   <a:extraClrSchemeLst/>
   <a:extLst>
     <a:ext uri="{05A4C25C-085E-4340-85A3-A5531E510DB2}">
-      <thm15:themeFamily xmlns:thm15="http://schemas.microsoft.com/office/thememl/2012/main" name="Office Theme" id="{62F939B6-93AF-4DB8-9C6B-D6C7DFDC589F}" vid="{4A3C46E8-61CC-4603-A589-7422A47A8E4A}"/>
+      <thm15:themeFamily xmlns:thm15="http://schemas.microsoft.com/office/thememl/2012/main" xmlns="" name="Office Theme" id="{62F939B6-93AF-4DB8-9C6B-D6C7DFDC589F}" vid="{4A3C46E8-61CC-4603-A589-7422A47A8E4A}"/>
     </a:ext>
   </a:extLst>
 </a:theme>

--- a/main.pptx
+++ b/main.pptx
@@ -188,7 +188,7 @@
   </p:defaultTextStyle>
   <p:extLst>
     <p:ext uri="{EFAFB233-063F-42B5-8137-9DF3F51BA10A}">
-      <p15:sldGuideLst xmlns:p15="http://schemas.microsoft.com/office/powerpoint/2012/main" xmlns="">
+      <p15:sldGuideLst xmlns:p15="http://schemas.microsoft.com/office/powerpoint/2012/main">
         <p15:guide id="1" orient="horz" pos="2160">
           <p15:clr>
             <a:srgbClr val="A4A3A4"/>
@@ -1291,6 +1291,127 @@
 </file>
 
 <file path=ppt/notesSlides/notesSlide16.xml><?xml version="1.0" encoding="utf-8"?>
+<p:notes xmlns:a="http://schemas.openxmlformats.org/drawingml/2006/main" xmlns:r="http://schemas.openxmlformats.org/officeDocument/2006/relationships" xmlns:p="http://schemas.openxmlformats.org/presentationml/2006/main">
+  <p:cSld>
+    <p:spTree>
+      <p:nvGrpSpPr>
+        <p:cNvPr id="1" name=""/>
+        <p:cNvGrpSpPr/>
+        <p:nvPr/>
+      </p:nvGrpSpPr>
+      <p:grpSpPr>
+        <a:xfrm>
+          <a:off x="0" y="0"/>
+          <a:ext cx="0" cy="0"/>
+          <a:chOff x="0" y="0"/>
+          <a:chExt cx="0" cy="0"/>
+        </a:xfrm>
+      </p:grpSpPr>
+      <p:sp>
+        <p:nvSpPr>
+          <p:cNvPr id="2" name="Slide Image Placeholder 1"/>
+          <p:cNvSpPr>
+            <a:spLocks noGrp="1" noRot="1" noChangeAspect="1"/>
+          </p:cNvSpPr>
+          <p:nvPr>
+            <p:ph type="sldImg"/>
+          </p:nvPr>
+        </p:nvSpPr>
+        <p:spPr/>
+      </p:sp>
+      <p:sp>
+        <p:nvSpPr>
+          <p:cNvPr id="3" name="Notes Placeholder 2"/>
+          <p:cNvSpPr>
+            <a:spLocks noGrp="1"/>
+          </p:cNvSpPr>
+          <p:nvPr>
+            <p:ph type="body" idx="1"/>
+          </p:nvPr>
+        </p:nvSpPr>
+        <p:spPr/>
+        <p:txBody>
+          <a:bodyPr/>
+          <a:lstStyle/>
+          <a:p>
+            <a:r>
+              <a:rPr lang="en-US" dirty="0"/>
+              <a:t>Partial dependence plots capture the </a:t>
+            </a:r>
+            <a:r>
+              <a:rPr lang="en-US" sz="1200" b="0" i="0" u="none" strike="noStrike" kern="1200" baseline="0" dirty="0">
+                <a:solidFill>
+                  <a:schemeClr val="tx1"/>
+                </a:solidFill>
+                <a:latin typeface="+mn-lt"/>
+                <a:ea typeface="+mn-ea"/>
+                <a:cs typeface="+mn-cs"/>
+              </a:rPr>
+              <a:t>marginal effect of the selected variables on the response after </a:t>
+            </a:r>
+            <a:r>
+              <a:rPr lang="en-US" sz="1200" b="0" i="1" u="none" strike="noStrike" kern="1200" baseline="0" dirty="0">
+                <a:solidFill>
+                  <a:schemeClr val="tx1"/>
+                </a:solidFill>
+                <a:latin typeface="+mn-lt"/>
+                <a:ea typeface="+mn-ea"/>
+                <a:cs typeface="+mn-cs"/>
+              </a:rPr>
+              <a:t>integrating </a:t>
+            </a:r>
+            <a:r>
+              <a:rPr lang="en-US" sz="1200" b="0" i="0" u="none" strike="noStrike" kern="1200" baseline="0" dirty="0">
+                <a:solidFill>
+                  <a:schemeClr val="tx1"/>
+                </a:solidFill>
+                <a:latin typeface="+mn-lt"/>
+                <a:ea typeface="+mn-ea"/>
+                <a:cs typeface="+mn-cs"/>
+              </a:rPr>
+              <a:t>out the other variables.</a:t>
+            </a:r>
+            <a:endParaRPr lang="en-US" dirty="0"/>
+          </a:p>
+        </p:txBody>
+      </p:sp>
+      <p:sp>
+        <p:nvSpPr>
+          <p:cNvPr id="4" name="Slide Number Placeholder 3"/>
+          <p:cNvSpPr>
+            <a:spLocks noGrp="1"/>
+          </p:cNvSpPr>
+          <p:nvPr>
+            <p:ph type="sldNum" sz="quarter" idx="10"/>
+          </p:nvPr>
+        </p:nvSpPr>
+        <p:spPr/>
+        <p:txBody>
+          <a:bodyPr/>
+          <a:lstStyle/>
+          <a:p>
+            <a:fld id="{ED0B6C6E-4402-4DAB-A750-D2F15767E964}" type="slidenum">
+              <a:rPr lang="en-US" smtClean="0"/>
+              <a:t>74</a:t>
+            </a:fld>
+            <a:endParaRPr lang="en-US"/>
+          </a:p>
+        </p:txBody>
+      </p:sp>
+    </p:spTree>
+    <p:extLst>
+      <p:ext uri="{BB962C8B-B14F-4D97-AF65-F5344CB8AC3E}">
+        <p14:creationId xmlns:p14="http://schemas.microsoft.com/office/powerpoint/2010/main" val="4230005612"/>
+      </p:ext>
+    </p:extLst>
+  </p:cSld>
+  <p:clrMapOvr>
+    <a:masterClrMapping/>
+  </p:clrMapOvr>
+</p:notes>
+</file>
+
+<file path=ppt/notesSlides/notesSlide17.xml><?xml version="1.0" encoding="utf-8"?>
 <p:notes xmlns:a="http://schemas.openxmlformats.org/drawingml/2006/main" xmlns:r="http://schemas.openxmlformats.org/officeDocument/2006/relationships" xmlns:p="http://schemas.openxmlformats.org/presentationml/2006/main">
   <p:cSld>
     <p:spTree>
@@ -5467,7 +5588,7 @@
           <p:cNvPr id="2" name="Title 1">
             <a:extLst>
               <a:ext uri="{FF2B5EF4-FFF2-40B4-BE49-F238E27FC236}">
-                <a16:creationId xmlns:a16="http://schemas.microsoft.com/office/drawing/2014/main" xmlns="" id="{F1502FAC-DC6D-4A19-9A62-D9547F4E8494}"/>
+                <a16:creationId xmlns:a16="http://schemas.microsoft.com/office/drawing/2014/main" id="{F1502FAC-DC6D-4A19-9A62-D9547F4E8494}"/>
               </a:ext>
             </a:extLst>
           </p:cNvPr>
@@ -5618,7 +5739,7 @@
           <p:cNvPr id="2" name="Title 1">
             <a:extLst>
               <a:ext uri="{FF2B5EF4-FFF2-40B4-BE49-F238E27FC236}">
-                <a16:creationId xmlns:a16="http://schemas.microsoft.com/office/drawing/2014/main" xmlns="" id="{DEED846F-43E9-4C16-AEC1-50A3FDB048D7}"/>
+                <a16:creationId xmlns:a16="http://schemas.microsoft.com/office/drawing/2014/main" id="{DEED846F-43E9-4C16-AEC1-50A3FDB048D7}"/>
               </a:ext>
             </a:extLst>
           </p:cNvPr>
@@ -5646,7 +5767,7 @@
           <p:cNvPr id="3" name="Content Placeholder 2">
             <a:extLst>
               <a:ext uri="{FF2B5EF4-FFF2-40B4-BE49-F238E27FC236}">
-                <a16:creationId xmlns:a16="http://schemas.microsoft.com/office/drawing/2014/main" xmlns="" id="{2E0C86D0-3F92-49A6-A54C-46E98074791F}"/>
+                <a16:creationId xmlns:a16="http://schemas.microsoft.com/office/drawing/2014/main" id="{2E0C86D0-3F92-49A6-A54C-46E98074791F}"/>
               </a:ext>
             </a:extLst>
           </p:cNvPr>
@@ -5791,7 +5912,7 @@
           <p:cNvPr id="2" name="Title 1">
             <a:extLst>
               <a:ext uri="{FF2B5EF4-FFF2-40B4-BE49-F238E27FC236}">
-                <a16:creationId xmlns:a16="http://schemas.microsoft.com/office/drawing/2014/main" xmlns="" id="{7E71D1F4-6E47-4400-90E8-F73753F91370}"/>
+                <a16:creationId xmlns:a16="http://schemas.microsoft.com/office/drawing/2014/main" id="{7E71D1F4-6E47-4400-90E8-F73753F91370}"/>
               </a:ext>
             </a:extLst>
           </p:cNvPr>
@@ -5819,7 +5940,7 @@
           <p:cNvPr id="3" name="Content Placeholder 2">
             <a:extLst>
               <a:ext uri="{FF2B5EF4-FFF2-40B4-BE49-F238E27FC236}">
-                <a16:creationId xmlns:a16="http://schemas.microsoft.com/office/drawing/2014/main" xmlns="" id="{21872DA8-1DB5-42D2-89BC-0E24AB8E838F}"/>
+                <a16:creationId xmlns:a16="http://schemas.microsoft.com/office/drawing/2014/main" id="{21872DA8-1DB5-42D2-89BC-0E24AB8E838F}"/>
               </a:ext>
             </a:extLst>
           </p:cNvPr>
@@ -6047,7 +6168,7 @@
           <p:cNvPr id="2" name="Title 1">
             <a:extLst>
               <a:ext uri="{FF2B5EF4-FFF2-40B4-BE49-F238E27FC236}">
-                <a16:creationId xmlns:a16="http://schemas.microsoft.com/office/drawing/2014/main" xmlns="" id="{7E71D1F4-6E47-4400-90E8-F73753F91370}"/>
+                <a16:creationId xmlns:a16="http://schemas.microsoft.com/office/drawing/2014/main" id="{7E71D1F4-6E47-4400-90E8-F73753F91370}"/>
               </a:ext>
             </a:extLst>
           </p:cNvPr>
@@ -6075,7 +6196,7 @@
           <p:cNvPr id="3" name="Content Placeholder 2">
             <a:extLst>
               <a:ext uri="{FF2B5EF4-FFF2-40B4-BE49-F238E27FC236}">
-                <a16:creationId xmlns:a16="http://schemas.microsoft.com/office/drawing/2014/main" xmlns="" id="{21872DA8-1DB5-42D2-89BC-0E24AB8E838F}"/>
+                <a16:creationId xmlns:a16="http://schemas.microsoft.com/office/drawing/2014/main" id="{21872DA8-1DB5-42D2-89BC-0E24AB8E838F}"/>
               </a:ext>
             </a:extLst>
           </p:cNvPr>
@@ -6284,7 +6405,7 @@
           <p:cNvPr id="2" name="Title 1">
             <a:extLst>
               <a:ext uri="{FF2B5EF4-FFF2-40B4-BE49-F238E27FC236}">
-                <a16:creationId xmlns:a16="http://schemas.microsoft.com/office/drawing/2014/main" xmlns="" id="{7E71D1F4-6E47-4400-90E8-F73753F91370}"/>
+                <a16:creationId xmlns:a16="http://schemas.microsoft.com/office/drawing/2014/main" id="{7E71D1F4-6E47-4400-90E8-F73753F91370}"/>
               </a:ext>
             </a:extLst>
           </p:cNvPr>
@@ -6314,7 +6435,7 @@
               <p:cNvPr id="3" name="Content Placeholder 2">
                 <a:extLst>
                   <a:ext uri="{FF2B5EF4-FFF2-40B4-BE49-F238E27FC236}">
-                    <a16:creationId xmlns:a16="http://schemas.microsoft.com/office/drawing/2014/main" xmlns="" id="{21872DA8-1DB5-42D2-89BC-0E24AB8E838F}"/>
+                    <a16:creationId xmlns:a16="http://schemas.microsoft.com/office/drawing/2014/main" id="{21872DA8-1DB5-42D2-89BC-0E24AB8E838F}"/>
                   </a:ext>
                 </a:extLst>
               </p:cNvPr>
@@ -6369,7 +6490,7 @@
                         <m:funcPr>
                           <m:ctrlPr>
                             <a:rPr lang="en-US" i="1" dirty="0" smtClean="0">
-                              <a:latin typeface="Cambria Math"/>
+                              <a:latin typeface="Cambria Math" panose="02040503050406030204" pitchFamily="18" charset="0"/>
                             </a:rPr>
                           </m:ctrlPr>
                         </m:funcPr>
@@ -6457,7 +6578,7 @@
                         <m:sSubPr>
                           <m:ctrlPr>
                             <a:rPr lang="en-US" b="0" i="1" dirty="0" smtClean="0">
-                              <a:latin typeface="Cambria Math"/>
+                              <a:latin typeface="Cambria Math" panose="02040503050406030204" pitchFamily="18" charset="0"/>
                             </a:rPr>
                           </m:ctrlPr>
                         </m:sSubPr>
@@ -6494,7 +6615,7 @@
                         <m:sSubSupPr>
                           <m:ctrlPr>
                             <a:rPr lang="en-US" b="0" i="1" dirty="0" smtClean="0">
-                              <a:latin typeface="Cambria Math"/>
+                              <a:latin typeface="Cambria Math" panose="02040503050406030204" pitchFamily="18" charset="0"/>
                             </a:rPr>
                           </m:ctrlPr>
                         </m:sSubSupPr>
@@ -6539,7 +6660,7 @@
                         <m:sSubPr>
                           <m:ctrlPr>
                             <a:rPr lang="en-US" i="1" dirty="0">
-                              <a:latin typeface="Cambria Math"/>
+                              <a:latin typeface="Cambria Math" panose="02040503050406030204" pitchFamily="18" charset="0"/>
                             </a:rPr>
                           </m:ctrlPr>
                         </m:sSubPr>
@@ -6605,7 +6726,7 @@
                         <m:funcPr>
                           <m:ctrlPr>
                             <a:rPr lang="en-US" i="1" dirty="0">
-                              <a:latin typeface="Cambria Math"/>
+                              <a:latin typeface="Cambria Math" panose="02040503050406030204" pitchFamily="18" charset="0"/>
                             </a:rPr>
                           </m:ctrlPr>
                         </m:funcPr>
@@ -6687,7 +6808,7 @@
                         <m:sSubPr>
                           <m:ctrlPr>
                             <a:rPr lang="en-US" i="1" dirty="0">
-                              <a:latin typeface="Cambria Math"/>
+                              <a:latin typeface="Cambria Math" panose="02040503050406030204" pitchFamily="18" charset="0"/>
                             </a:rPr>
                           </m:ctrlPr>
                         </m:sSubPr>
@@ -6724,7 +6845,7 @@
                         <m:sSubPr>
                           <m:ctrlPr>
                             <a:rPr lang="en-US" b="0" i="1" dirty="0" smtClean="0">
-                              <a:latin typeface="Cambria Math"/>
+                              <a:latin typeface="Cambria Math" panose="02040503050406030204" pitchFamily="18" charset="0"/>
                             </a:rPr>
                           </m:ctrlPr>
                         </m:sSubPr>
@@ -6761,7 +6882,7 @@
                         <m:sSubPr>
                           <m:ctrlPr>
                             <a:rPr lang="en-US" i="1" dirty="0">
-                              <a:latin typeface="Cambria Math"/>
+                              <a:latin typeface="Cambria Math" panose="02040503050406030204" pitchFamily="18" charset="0"/>
                             </a:rPr>
                           </m:ctrlPr>
                         </m:sSubPr>
@@ -6946,7 +7067,7 @@
           <p:cNvPr id="2" name="Title 1">
             <a:extLst>
               <a:ext uri="{FF2B5EF4-FFF2-40B4-BE49-F238E27FC236}">
-                <a16:creationId xmlns:a16="http://schemas.microsoft.com/office/drawing/2014/main" xmlns="" id="{35B5405D-573D-4FC4-B35A-D571C5AC95D1}"/>
+                <a16:creationId xmlns:a16="http://schemas.microsoft.com/office/drawing/2014/main" id="{35B5405D-573D-4FC4-B35A-D571C5AC95D1}"/>
               </a:ext>
             </a:extLst>
           </p:cNvPr>
@@ -6974,7 +7095,7 @@
           <p:cNvPr id="3" name="Content Placeholder 2">
             <a:extLst>
               <a:ext uri="{FF2B5EF4-FFF2-40B4-BE49-F238E27FC236}">
-                <a16:creationId xmlns:a16="http://schemas.microsoft.com/office/drawing/2014/main" xmlns="" id="{456C6D6E-3382-4829-A3DD-AD47DEC863CE}"/>
+                <a16:creationId xmlns:a16="http://schemas.microsoft.com/office/drawing/2014/main" id="{456C6D6E-3382-4829-A3DD-AD47DEC863CE}"/>
               </a:ext>
             </a:extLst>
           </p:cNvPr>
@@ -7127,7 +7248,7 @@
           <p:cNvPr id="7" name="Table">
             <a:extLst>
               <a:ext uri="{FF2B5EF4-FFF2-40B4-BE49-F238E27FC236}">
-                <a16:creationId xmlns:a16="http://schemas.microsoft.com/office/drawing/2014/main" xmlns="" id="{BBB72235-0718-4D64-8E43-5306F90BE0DD}"/>
+                <a16:creationId xmlns:a16="http://schemas.microsoft.com/office/drawing/2014/main" id="{BBB72235-0718-4D64-8E43-5306F90BE0DD}"/>
               </a:ext>
             </a:extLst>
           </p:cNvPr>
@@ -7152,21 +7273,21 @@
                 <a:gridCol w="1186146">
                   <a:extLst>
                     <a:ext uri="{9D8B030D-6E8A-4147-A177-3AD203B41FA5}">
-                      <a16:colId xmlns:a16="http://schemas.microsoft.com/office/drawing/2014/main" xmlns="" val="20000"/>
+                      <a16:colId xmlns:a16="http://schemas.microsoft.com/office/drawing/2014/main" val="20000"/>
                     </a:ext>
                   </a:extLst>
                 </a:gridCol>
                 <a:gridCol w="2964893">
                   <a:extLst>
                     <a:ext uri="{9D8B030D-6E8A-4147-A177-3AD203B41FA5}">
-                      <a16:colId xmlns:a16="http://schemas.microsoft.com/office/drawing/2014/main" xmlns="" val="20001"/>
+                      <a16:colId xmlns:a16="http://schemas.microsoft.com/office/drawing/2014/main" val="20001"/>
                     </a:ext>
                   </a:extLst>
                 </a:gridCol>
                 <a:gridCol w="4087176">
                   <a:extLst>
                     <a:ext uri="{9D8B030D-6E8A-4147-A177-3AD203B41FA5}">
-                      <a16:colId xmlns:a16="http://schemas.microsoft.com/office/drawing/2014/main" xmlns="" val="20002"/>
+                      <a16:colId xmlns:a16="http://schemas.microsoft.com/office/drawing/2014/main" val="20002"/>
                     </a:ext>
                   </a:extLst>
                 </a:gridCol>
@@ -7279,7 +7400,7 @@
                 </a:tc>
                 <a:extLst>
                   <a:ext uri="{0D108BD9-81ED-4DB2-BD59-A6C34878D82A}">
-                    <a16:rowId xmlns:a16="http://schemas.microsoft.com/office/drawing/2014/main" xmlns="" val="10000"/>
+                    <a16:rowId xmlns:a16="http://schemas.microsoft.com/office/drawing/2014/main" val="10000"/>
                   </a:ext>
                 </a:extLst>
               </a:tr>
@@ -7372,7 +7493,7 @@
                 </a:tc>
                 <a:extLst>
                   <a:ext uri="{0D108BD9-81ED-4DB2-BD59-A6C34878D82A}">
-                    <a16:rowId xmlns:a16="http://schemas.microsoft.com/office/drawing/2014/main" xmlns="" val="10001"/>
+                    <a16:rowId xmlns:a16="http://schemas.microsoft.com/office/drawing/2014/main" val="10001"/>
                   </a:ext>
                 </a:extLst>
               </a:tr>
@@ -7465,7 +7586,7 @@
                 </a:tc>
                 <a:extLst>
                   <a:ext uri="{0D108BD9-81ED-4DB2-BD59-A6C34878D82A}">
-                    <a16:rowId xmlns:a16="http://schemas.microsoft.com/office/drawing/2014/main" xmlns="" val="10002"/>
+                    <a16:rowId xmlns:a16="http://schemas.microsoft.com/office/drawing/2014/main" val="10002"/>
                   </a:ext>
                 </a:extLst>
               </a:tr>
@@ -7558,7 +7679,7 @@
                 </a:tc>
                 <a:extLst>
                   <a:ext uri="{0D108BD9-81ED-4DB2-BD59-A6C34878D82A}">
-                    <a16:rowId xmlns:a16="http://schemas.microsoft.com/office/drawing/2014/main" xmlns="" val="10003"/>
+                    <a16:rowId xmlns:a16="http://schemas.microsoft.com/office/drawing/2014/main" val="10003"/>
                   </a:ext>
                 </a:extLst>
               </a:tr>
@@ -7651,7 +7772,7 @@
                 </a:tc>
                 <a:extLst>
                   <a:ext uri="{0D108BD9-81ED-4DB2-BD59-A6C34878D82A}">
-                    <a16:rowId xmlns:a16="http://schemas.microsoft.com/office/drawing/2014/main" xmlns="" val="10004"/>
+                    <a16:rowId xmlns:a16="http://schemas.microsoft.com/office/drawing/2014/main" val="10004"/>
                   </a:ext>
                 </a:extLst>
               </a:tr>
@@ -7744,7 +7865,7 @@
                 </a:tc>
                 <a:extLst>
                   <a:ext uri="{0D108BD9-81ED-4DB2-BD59-A6C34878D82A}">
-                    <a16:rowId xmlns:a16="http://schemas.microsoft.com/office/drawing/2014/main" xmlns="" val="10005"/>
+                    <a16:rowId xmlns:a16="http://schemas.microsoft.com/office/drawing/2014/main" val="10005"/>
                   </a:ext>
                 </a:extLst>
               </a:tr>
@@ -7837,7 +7958,7 @@
                 </a:tc>
                 <a:extLst>
                   <a:ext uri="{0D108BD9-81ED-4DB2-BD59-A6C34878D82A}">
-                    <a16:rowId xmlns:a16="http://schemas.microsoft.com/office/drawing/2014/main" xmlns="" val="10006"/>
+                    <a16:rowId xmlns:a16="http://schemas.microsoft.com/office/drawing/2014/main" val="10006"/>
                   </a:ext>
                 </a:extLst>
               </a:tr>
@@ -7930,7 +8051,7 @@
                 </a:tc>
                 <a:extLst>
                   <a:ext uri="{0D108BD9-81ED-4DB2-BD59-A6C34878D82A}">
-                    <a16:rowId xmlns:a16="http://schemas.microsoft.com/office/drawing/2014/main" xmlns="" val="10007"/>
+                    <a16:rowId xmlns:a16="http://schemas.microsoft.com/office/drawing/2014/main" val="10007"/>
                   </a:ext>
                 </a:extLst>
               </a:tr>
@@ -8042,7 +8163,7 @@
                 </a:tc>
                 <a:extLst>
                   <a:ext uri="{0D108BD9-81ED-4DB2-BD59-A6C34878D82A}">
-                    <a16:rowId xmlns:a16="http://schemas.microsoft.com/office/drawing/2014/main" xmlns="" val="10008"/>
+                    <a16:rowId xmlns:a16="http://schemas.microsoft.com/office/drawing/2014/main" val="10008"/>
                   </a:ext>
                 </a:extLst>
               </a:tr>
@@ -8085,7 +8206,7 @@
           <p:cNvPr id="2" name="Title 1">
             <a:extLst>
               <a:ext uri="{FF2B5EF4-FFF2-40B4-BE49-F238E27FC236}">
-                <a16:creationId xmlns:a16="http://schemas.microsoft.com/office/drawing/2014/main" xmlns="" id="{DEED846F-43E9-4C16-AEC1-50A3FDB048D7}"/>
+                <a16:creationId xmlns:a16="http://schemas.microsoft.com/office/drawing/2014/main" id="{DEED846F-43E9-4C16-AEC1-50A3FDB048D7}"/>
               </a:ext>
             </a:extLst>
           </p:cNvPr>
@@ -8113,7 +8234,7 @@
           <p:cNvPr id="3" name="Content Placeholder 2">
             <a:extLst>
               <a:ext uri="{FF2B5EF4-FFF2-40B4-BE49-F238E27FC236}">
-                <a16:creationId xmlns:a16="http://schemas.microsoft.com/office/drawing/2014/main" xmlns="" id="{2E0C86D0-3F92-49A6-A54C-46E98074791F}"/>
+                <a16:creationId xmlns:a16="http://schemas.microsoft.com/office/drawing/2014/main" id="{2E0C86D0-3F92-49A6-A54C-46E98074791F}"/>
               </a:ext>
             </a:extLst>
           </p:cNvPr>
@@ -8252,7 +8373,7 @@
           <p:cNvPr id="2" name="Title 1">
             <a:extLst>
               <a:ext uri="{FF2B5EF4-FFF2-40B4-BE49-F238E27FC236}">
-                <a16:creationId xmlns:a16="http://schemas.microsoft.com/office/drawing/2014/main" xmlns="" id="{C049CFDE-EAA6-4E78-A51B-4F5F17C1D04F}"/>
+                <a16:creationId xmlns:a16="http://schemas.microsoft.com/office/drawing/2014/main" id="{C049CFDE-EAA6-4E78-A51B-4F5F17C1D04F}"/>
               </a:ext>
             </a:extLst>
           </p:cNvPr>
@@ -8284,7 +8405,7 @@
               <p:cNvPr id="3" name="Content Placeholder 2">
                 <a:extLst>
                   <a:ext uri="{FF2B5EF4-FFF2-40B4-BE49-F238E27FC236}">
-                    <a16:creationId xmlns:a16="http://schemas.microsoft.com/office/drawing/2014/main" xmlns="" id="{5364BB5C-FE83-4E04-8F64-3CC8D81793DE}"/>
+                    <a16:creationId xmlns:a16="http://schemas.microsoft.com/office/drawing/2014/main" id="{5364BB5C-FE83-4E04-8F64-3CC8D81793DE}"/>
                   </a:ext>
                 </a:extLst>
               </p:cNvPr>
@@ -8441,7 +8562,7 @@
                           <m:endChr m:val=""/>
                           <m:ctrlPr>
                             <a:rPr lang="en-US" b="0" i="1" dirty="0" smtClean="0">
-                              <a:latin typeface="Cambria Math"/>
+                              <a:latin typeface="Cambria Math" panose="02040503050406030204" pitchFamily="18" charset="0"/>
                             </a:rPr>
                           </m:ctrlPr>
                         </m:dPr>
@@ -8450,7 +8571,7 @@
                             <m:eqArrPr>
                               <m:ctrlPr>
                                 <a:rPr lang="en-US" b="0" i="1" dirty="0" smtClean="0">
-                                  <a:latin typeface="Cambria Math"/>
+                                  <a:latin typeface="Cambria Math" panose="02040503050406030204" pitchFamily="18" charset="0"/>
                                 </a:rPr>
                               </m:ctrlPr>
                             </m:eqArrPr>
@@ -8483,7 +8604,7 @@
                                 <m:sSubPr>
                                   <m:ctrlPr>
                                     <a:rPr lang="en-US" b="0" i="1" dirty="0" smtClean="0">
-                                      <a:latin typeface="Cambria Math"/>
+                                      <a:latin typeface="Cambria Math" panose="02040503050406030204" pitchFamily="18" charset="0"/>
                                     </a:rPr>
                                   </m:ctrlPr>
                                 </m:sSubPr>
@@ -8546,7 +8667,7 @@
                                 <m:sSubPr>
                                   <m:ctrlPr>
                                     <a:rPr lang="en-US" i="1" dirty="0">
-                                      <a:latin typeface="Cambria Math"/>
+                                      <a:latin typeface="Cambria Math" panose="02040503050406030204" pitchFamily="18" charset="0"/>
                                     </a:rPr>
                                   </m:ctrlPr>
                                 </m:sSubPr>
@@ -8609,7 +8730,7 @@
                                 <m:sSubPr>
                                   <m:ctrlPr>
                                     <a:rPr lang="en-US" i="1" dirty="0">
-                                      <a:latin typeface="Cambria Math"/>
+                                      <a:latin typeface="Cambria Math" panose="02040503050406030204" pitchFamily="18" charset="0"/>
                                     </a:rPr>
                                   </m:ctrlPr>
                                 </m:sSubPr>
@@ -8866,7 +8987,7 @@
           <p:cNvPr id="2" name="Title 1">
             <a:extLst>
               <a:ext uri="{FF2B5EF4-FFF2-40B4-BE49-F238E27FC236}">
-                <a16:creationId xmlns:a16="http://schemas.microsoft.com/office/drawing/2014/main" xmlns="" id="{29A47F12-4BC5-488A-A488-5B9C007231D4}"/>
+                <a16:creationId xmlns:a16="http://schemas.microsoft.com/office/drawing/2014/main" id="{29A47F12-4BC5-488A-A488-5B9C007231D4}"/>
               </a:ext>
             </a:extLst>
           </p:cNvPr>
@@ -8894,7 +9015,7 @@
           <p:cNvPr id="3" name="Content Placeholder 2">
             <a:extLst>
               <a:ext uri="{FF2B5EF4-FFF2-40B4-BE49-F238E27FC236}">
-                <a16:creationId xmlns:a16="http://schemas.microsoft.com/office/drawing/2014/main" xmlns="" id="{79E749A6-5B22-4315-B390-591804A21DC6}"/>
+                <a16:creationId xmlns:a16="http://schemas.microsoft.com/office/drawing/2014/main" id="{79E749A6-5B22-4315-B390-591804A21DC6}"/>
               </a:ext>
             </a:extLst>
           </p:cNvPr>
@@ -9056,7 +9177,7 @@
           <p:cNvPr id="2" name="Title 1">
             <a:extLst>
               <a:ext uri="{FF2B5EF4-FFF2-40B4-BE49-F238E27FC236}">
-                <a16:creationId xmlns:a16="http://schemas.microsoft.com/office/drawing/2014/main" xmlns="" id="{79BB1121-4FEE-4FA8-9D09-C0A7AE35683B}"/>
+                <a16:creationId xmlns:a16="http://schemas.microsoft.com/office/drawing/2014/main" id="{79BB1121-4FEE-4FA8-9D09-C0A7AE35683B}"/>
               </a:ext>
             </a:extLst>
           </p:cNvPr>
@@ -9084,7 +9205,7 @@
           <p:cNvPr id="3" name="Content Placeholder 2">
             <a:extLst>
               <a:ext uri="{FF2B5EF4-FFF2-40B4-BE49-F238E27FC236}">
-                <a16:creationId xmlns:a16="http://schemas.microsoft.com/office/drawing/2014/main" xmlns="" id="{95ECD4CF-CA60-447A-AE11-607415094E71}"/>
+                <a16:creationId xmlns:a16="http://schemas.microsoft.com/office/drawing/2014/main" id="{95ECD4CF-CA60-447A-AE11-607415094E71}"/>
               </a:ext>
             </a:extLst>
           </p:cNvPr>
@@ -9117,81 +9238,63 @@
           <a:p>
             <a:r>
               <a:rPr lang="en-US" dirty="0"/>
-              <a:t>Find more tools (e.g., partial-regression/added-variable plot, partial-residual/component-residual plot, etc</a:t>
-            </a:r>
-            <a:r>
-              <a:rPr lang="en-US" dirty="0" smtClean="0"/>
-              <a:t>.):</a:t>
-            </a:r>
-            <a:endParaRPr lang="en-US" dirty="0"/>
+              <a:t>Find more tools (e.g., partial-regression/added-variable plot, partial-residual/component-residual plot, etc.):</a:t>
+            </a:r>
           </a:p>
           <a:p>
             <a:pPr lvl="1"/>
             <a:r>
-              <a:rPr lang="en-US" dirty="0" smtClean="0"/>
-              <a:t>Use </a:t>
-            </a:r>
-            <a:r>
-              <a:rPr lang="en-US" dirty="0" smtClean="0"/>
-              <a:t>methods(class</a:t>
-            </a:r>
-            <a:r>
-              <a:rPr lang="en-US" dirty="0"/>
-              <a:t>=‘lm</a:t>
-            </a:r>
-            <a:r>
-              <a:rPr lang="en-US" dirty="0" smtClean="0"/>
-              <a:t>’)</a:t>
+              <a:rPr lang="en-US" dirty="0"/>
+              <a:t>Use the “car” package </a:t>
             </a:r>
           </a:p>
           <a:p>
             <a:pPr lvl="1"/>
             <a:r>
-              <a:rPr lang="en-US" dirty="0" smtClean="0"/>
-              <a:t>The methods() function returns all the generic functions that can be used for the class provided to its “class” argument.</a:t>
+              <a:rPr lang="en-US" dirty="0"/>
+              <a:t>Tip: Call methods(class=‘</a:t>
+            </a:r>
+            <a:r>
+              <a:rPr lang="en-US" dirty="0" err="1"/>
+              <a:t>lm</a:t>
+            </a:r>
+            <a:r>
+              <a:rPr lang="en-US" dirty="0"/>
+              <a:t>’). This returns all the generic functions (from all installed packages) that can be used for the class provided to its “class” argument .</a:t>
             </a:r>
           </a:p>
           <a:p>
             <a:pPr lvl="1"/>
             <a:r>
-              <a:rPr lang="en-US" dirty="0" smtClean="0"/>
+              <a:rPr lang="en-US" dirty="0"/>
               <a:t>Influential points:</a:t>
             </a:r>
           </a:p>
           <a:p>
             <a:pPr lvl="2"/>
             <a:r>
-              <a:rPr lang="en-US" sz="2800" dirty="0" err="1" smtClean="0"/>
+              <a:rPr lang="en-US" sz="2800" dirty="0" err="1"/>
               <a:t>influence.measures</a:t>
             </a:r>
             <a:r>
-              <a:rPr lang="en-US" sz="2800" dirty="0" smtClean="0"/>
+              <a:rPr lang="en-US" sz="2800" dirty="0"/>
               <a:t>(toy.lm3) computes many measures related to influential points.</a:t>
             </a:r>
           </a:p>
           <a:p>
             <a:pPr lvl="2"/>
             <a:r>
-              <a:rPr lang="en-US" sz="2800" dirty="0" smtClean="0"/>
-              <a:t>Use summary(</a:t>
-            </a:r>
-            <a:r>
-              <a:rPr lang="en-US" sz="2800" dirty="0" err="1" smtClean="0"/>
+              <a:rPr lang="en-US" sz="2800" dirty="0"/>
+              <a:t>Call summary(</a:t>
+            </a:r>
+            <a:r>
+              <a:rPr lang="en-US" sz="2800" dirty="0" err="1"/>
               <a:t>influence.measures</a:t>
             </a:r>
             <a:r>
-              <a:rPr lang="en-US" sz="2800" dirty="0" smtClean="0"/>
-              <a:t>(toy.lm3)) to quickly </a:t>
-            </a:r>
-            <a:r>
-              <a:rPr lang="en-US" sz="2800" smtClean="0"/>
-              <a:t>obtain potentially </a:t>
-            </a:r>
-            <a:r>
-              <a:rPr lang="en-US" sz="2800" dirty="0" smtClean="0"/>
-              <a:t>influential points.</a:t>
-            </a:r>
-            <a:endParaRPr lang="en-US" sz="2800" dirty="0"/>
+              <a:rPr lang="en-US" sz="2800" dirty="0"/>
+              <a:t>(toy.lm3)) to quickly obtain potentially influential points.</a:t>
+            </a:r>
           </a:p>
         </p:txBody>
       </p:sp>
@@ -9501,7 +9604,7 @@
           <p:cNvPr id="2" name="Title 1">
             <a:extLst>
               <a:ext uri="{FF2B5EF4-FFF2-40B4-BE49-F238E27FC236}">
-                <a16:creationId xmlns:a16="http://schemas.microsoft.com/office/drawing/2014/main" xmlns="" id="{E43D6896-9995-40AD-B7F9-FB4BA36AD6CF}"/>
+                <a16:creationId xmlns:a16="http://schemas.microsoft.com/office/drawing/2014/main" id="{E43D6896-9995-40AD-B7F9-FB4BA36AD6CF}"/>
               </a:ext>
             </a:extLst>
           </p:cNvPr>
@@ -9529,7 +9632,7 @@
           <p:cNvPr id="3" name="Content Placeholder 2">
             <a:extLst>
               <a:ext uri="{FF2B5EF4-FFF2-40B4-BE49-F238E27FC236}">
-                <a16:creationId xmlns:a16="http://schemas.microsoft.com/office/drawing/2014/main" xmlns="" id="{3027D111-EFF2-44EC-BA79-BD84B15016A3}"/>
+                <a16:creationId xmlns:a16="http://schemas.microsoft.com/office/drawing/2014/main" id="{3027D111-EFF2-44EC-BA79-BD84B15016A3}"/>
               </a:ext>
             </a:extLst>
           </p:cNvPr>
@@ -9713,7 +9816,7 @@
           <p:cNvPr id="2" name="Title 1">
             <a:extLst>
               <a:ext uri="{FF2B5EF4-FFF2-40B4-BE49-F238E27FC236}">
-                <a16:creationId xmlns:a16="http://schemas.microsoft.com/office/drawing/2014/main" xmlns="" id="{3BCD5DFA-9EF4-4057-B8E0-4FA41BF73FC5}"/>
+                <a16:creationId xmlns:a16="http://schemas.microsoft.com/office/drawing/2014/main" id="{3BCD5DFA-9EF4-4057-B8E0-4FA41BF73FC5}"/>
               </a:ext>
             </a:extLst>
           </p:cNvPr>
@@ -9741,7 +9844,7 @@
           <p:cNvPr id="3" name="Content Placeholder 2">
             <a:extLst>
               <a:ext uri="{FF2B5EF4-FFF2-40B4-BE49-F238E27FC236}">
-                <a16:creationId xmlns:a16="http://schemas.microsoft.com/office/drawing/2014/main" xmlns="" id="{99C88A18-A47E-46F6-AB73-330C3EC7721D}"/>
+                <a16:creationId xmlns:a16="http://schemas.microsoft.com/office/drawing/2014/main" id="{99C88A18-A47E-46F6-AB73-330C3EC7721D}"/>
               </a:ext>
             </a:extLst>
           </p:cNvPr>
@@ -9896,7 +9999,7 @@
           <p:cNvPr id="2" name="Title 1">
             <a:extLst>
               <a:ext uri="{FF2B5EF4-FFF2-40B4-BE49-F238E27FC236}">
-                <a16:creationId xmlns:a16="http://schemas.microsoft.com/office/drawing/2014/main" xmlns="" id="{CD8454EB-7C8E-4828-AEE5-0DD2C795D393}"/>
+                <a16:creationId xmlns:a16="http://schemas.microsoft.com/office/drawing/2014/main" id="{CD8454EB-7C8E-4828-AEE5-0DD2C795D393}"/>
               </a:ext>
             </a:extLst>
           </p:cNvPr>
@@ -9921,7 +10024,7 @@
           <p:cNvPr id="3" name="Content Placeholder 2">
             <a:extLst>
               <a:ext uri="{FF2B5EF4-FFF2-40B4-BE49-F238E27FC236}">
-                <a16:creationId xmlns:a16="http://schemas.microsoft.com/office/drawing/2014/main" xmlns="" id="{9031DB80-0AC4-4AA0-B27F-0ADDBDD15873}"/>
+                <a16:creationId xmlns:a16="http://schemas.microsoft.com/office/drawing/2014/main" id="{9031DB80-0AC4-4AA0-B27F-0ADDBDD15873}"/>
               </a:ext>
             </a:extLst>
           </p:cNvPr>
@@ -10099,7 +10202,7 @@
           <p:cNvPr id="2" name="Title 1">
             <a:extLst>
               <a:ext uri="{FF2B5EF4-FFF2-40B4-BE49-F238E27FC236}">
-                <a16:creationId xmlns:a16="http://schemas.microsoft.com/office/drawing/2014/main" xmlns="" id="{2A24231D-9B05-4444-AE52-A9D247DD23B8}"/>
+                <a16:creationId xmlns:a16="http://schemas.microsoft.com/office/drawing/2014/main" id="{2A24231D-9B05-4444-AE52-A9D247DD23B8}"/>
               </a:ext>
             </a:extLst>
           </p:cNvPr>
@@ -10127,7 +10230,7 @@
           <p:cNvPr id="3" name="Content Placeholder 2">
             <a:extLst>
               <a:ext uri="{FF2B5EF4-FFF2-40B4-BE49-F238E27FC236}">
-                <a16:creationId xmlns:a16="http://schemas.microsoft.com/office/drawing/2014/main" xmlns="" id="{AB540D7D-DBDB-4FBF-8101-89CA890DC8E2}"/>
+                <a16:creationId xmlns:a16="http://schemas.microsoft.com/office/drawing/2014/main" id="{AB540D7D-DBDB-4FBF-8101-89CA890DC8E2}"/>
               </a:ext>
             </a:extLst>
           </p:cNvPr>
@@ -10274,7 +10377,7 @@
           <p:cNvPr id="2" name="Title 1">
             <a:extLst>
               <a:ext uri="{FF2B5EF4-FFF2-40B4-BE49-F238E27FC236}">
-                <a16:creationId xmlns:a16="http://schemas.microsoft.com/office/drawing/2014/main" xmlns="" id="{D93D6C40-21B0-4D8E-9A4A-901A3938A517}"/>
+                <a16:creationId xmlns:a16="http://schemas.microsoft.com/office/drawing/2014/main" id="{D93D6C40-21B0-4D8E-9A4A-901A3938A517}"/>
               </a:ext>
             </a:extLst>
           </p:cNvPr>
@@ -10304,7 +10407,7 @@
           <p:cNvPr id="3" name="Content Placeholder 2">
             <a:extLst>
               <a:ext uri="{FF2B5EF4-FFF2-40B4-BE49-F238E27FC236}">
-                <a16:creationId xmlns:a16="http://schemas.microsoft.com/office/drawing/2014/main" xmlns="" id="{FBD4267B-9545-4BD1-84CD-D14FB3236134}"/>
+                <a16:creationId xmlns:a16="http://schemas.microsoft.com/office/drawing/2014/main" id="{FBD4267B-9545-4BD1-84CD-D14FB3236134}"/>
               </a:ext>
             </a:extLst>
           </p:cNvPr>
@@ -10424,7 +10527,7 @@
             <a:pPr lvl="1"/>
             <a:r>
               <a:rPr lang="en-US" sz="3100" dirty="0"/>
-              <a:t>Use ?family to see more supported distributions and link functions.</a:t>
+              <a:t>Call ?family to see more supported distributions and link functions.</a:t>
             </a:r>
           </a:p>
           <a:p>
@@ -10548,7 +10651,7 @@
           <p:cNvPr id="2" name="Title 1">
             <a:extLst>
               <a:ext uri="{FF2B5EF4-FFF2-40B4-BE49-F238E27FC236}">
-                <a16:creationId xmlns:a16="http://schemas.microsoft.com/office/drawing/2014/main" xmlns="" id="{368F7078-F0C2-4B54-A7ED-F7F56201DA7A}"/>
+                <a16:creationId xmlns:a16="http://schemas.microsoft.com/office/drawing/2014/main" id="{368F7078-F0C2-4B54-A7ED-F7F56201DA7A}"/>
               </a:ext>
             </a:extLst>
           </p:cNvPr>
@@ -10578,7 +10681,7 @@
           <p:cNvPr id="3" name="Content Placeholder 2">
             <a:extLst>
               <a:ext uri="{FF2B5EF4-FFF2-40B4-BE49-F238E27FC236}">
-                <a16:creationId xmlns:a16="http://schemas.microsoft.com/office/drawing/2014/main" xmlns="" id="{6C07C936-FEA5-417D-B138-18453C81D601}"/>
+                <a16:creationId xmlns:a16="http://schemas.microsoft.com/office/drawing/2014/main" id="{6C07C936-FEA5-417D-B138-18453C81D601}"/>
               </a:ext>
             </a:extLst>
           </p:cNvPr>
@@ -11047,7 +11150,7 @@
           <p:cNvPr id="2" name="Title 1">
             <a:extLst>
               <a:ext uri="{FF2B5EF4-FFF2-40B4-BE49-F238E27FC236}">
-                <a16:creationId xmlns:a16="http://schemas.microsoft.com/office/drawing/2014/main" xmlns="" id="{8C4702C5-0A6E-4DB7-A8BE-9D38FEB6B37B}"/>
+                <a16:creationId xmlns:a16="http://schemas.microsoft.com/office/drawing/2014/main" id="{8C4702C5-0A6E-4DB7-A8BE-9D38FEB6B37B}"/>
               </a:ext>
             </a:extLst>
           </p:cNvPr>
@@ -11075,7 +11178,7 @@
           <p:cNvPr id="3" name="Content Placeholder 2">
             <a:extLst>
               <a:ext uri="{FF2B5EF4-FFF2-40B4-BE49-F238E27FC236}">
-                <a16:creationId xmlns:a16="http://schemas.microsoft.com/office/drawing/2014/main" xmlns="" id="{A79B6661-AB88-44CF-9D6A-F7CD2C4F6EE0}"/>
+                <a16:creationId xmlns:a16="http://schemas.microsoft.com/office/drawing/2014/main" id="{A79B6661-AB88-44CF-9D6A-F7CD2C4F6EE0}"/>
               </a:ext>
             </a:extLst>
           </p:cNvPr>
@@ -11462,7 +11565,7 @@
           <p:cNvPr id="2" name="Title 1">
             <a:extLst>
               <a:ext uri="{FF2B5EF4-FFF2-40B4-BE49-F238E27FC236}">
-                <a16:creationId xmlns:a16="http://schemas.microsoft.com/office/drawing/2014/main" xmlns="" id="{A3551EAD-149F-464E-B210-EE43E7576E33}"/>
+                <a16:creationId xmlns:a16="http://schemas.microsoft.com/office/drawing/2014/main" id="{A3551EAD-149F-464E-B210-EE43E7576E33}"/>
               </a:ext>
             </a:extLst>
           </p:cNvPr>
@@ -11490,7 +11593,7 @@
           <p:cNvPr id="3" name="Content Placeholder 2">
             <a:extLst>
               <a:ext uri="{FF2B5EF4-FFF2-40B4-BE49-F238E27FC236}">
-                <a16:creationId xmlns:a16="http://schemas.microsoft.com/office/drawing/2014/main" xmlns="" id="{6F18ADA6-8284-4DF8-B5C0-F8AB0196E271}"/>
+                <a16:creationId xmlns:a16="http://schemas.microsoft.com/office/drawing/2014/main" id="{6F18ADA6-8284-4DF8-B5C0-F8AB0196E271}"/>
               </a:ext>
             </a:extLst>
           </p:cNvPr>
@@ -11637,7 +11740,7 @@
           <p:cNvPr id="2" name="Title 1">
             <a:extLst>
               <a:ext uri="{FF2B5EF4-FFF2-40B4-BE49-F238E27FC236}">
-                <a16:creationId xmlns:a16="http://schemas.microsoft.com/office/drawing/2014/main" xmlns="" id="{CD8454EB-7C8E-4828-AEE5-0DD2C795D393}"/>
+                <a16:creationId xmlns:a16="http://schemas.microsoft.com/office/drawing/2014/main" id="{CD8454EB-7C8E-4828-AEE5-0DD2C795D393}"/>
               </a:ext>
             </a:extLst>
           </p:cNvPr>
@@ -11662,7 +11765,7 @@
           <p:cNvPr id="3" name="Content Placeholder 2">
             <a:extLst>
               <a:ext uri="{FF2B5EF4-FFF2-40B4-BE49-F238E27FC236}">
-                <a16:creationId xmlns:a16="http://schemas.microsoft.com/office/drawing/2014/main" xmlns="" id="{9031DB80-0AC4-4AA0-B27F-0ADDBDD15873}"/>
+                <a16:creationId xmlns:a16="http://schemas.microsoft.com/office/drawing/2014/main" id="{9031DB80-0AC4-4AA0-B27F-0ADDBDD15873}"/>
               </a:ext>
             </a:extLst>
           </p:cNvPr>
@@ -12029,7 +12132,7 @@
           <p:cNvPr id="2" name="Title 1">
             <a:extLst>
               <a:ext uri="{FF2B5EF4-FFF2-40B4-BE49-F238E27FC236}">
-                <a16:creationId xmlns:a16="http://schemas.microsoft.com/office/drawing/2014/main" xmlns="" id="{A9256603-343C-4DA2-8949-164F38F63C05}"/>
+                <a16:creationId xmlns:a16="http://schemas.microsoft.com/office/drawing/2014/main" id="{A9256603-343C-4DA2-8949-164F38F63C05}"/>
               </a:ext>
             </a:extLst>
           </p:cNvPr>
@@ -12061,7 +12164,7 @@
           <p:cNvPr id="3" name="Content Placeholder 2">
             <a:extLst>
               <a:ext uri="{FF2B5EF4-FFF2-40B4-BE49-F238E27FC236}">
-                <a16:creationId xmlns:a16="http://schemas.microsoft.com/office/drawing/2014/main" xmlns="" id="{4BFFCD24-5DE1-467B-BAE8-96CC37962227}"/>
+                <a16:creationId xmlns:a16="http://schemas.microsoft.com/office/drawing/2014/main" id="{4BFFCD24-5DE1-467B-BAE8-96CC37962227}"/>
               </a:ext>
             </a:extLst>
           </p:cNvPr>
@@ -12218,7 +12321,7 @@
           <p:cNvPr id="5" name="TextBox 4">
             <a:extLst>
               <a:ext uri="{FF2B5EF4-FFF2-40B4-BE49-F238E27FC236}">
-                <a16:creationId xmlns:a16="http://schemas.microsoft.com/office/drawing/2014/main" xmlns="" id="{635AAAD7-AB95-4DA1-9628-09CD694B41F8}"/>
+                <a16:creationId xmlns:a16="http://schemas.microsoft.com/office/drawing/2014/main" id="{635AAAD7-AB95-4DA1-9628-09CD694B41F8}"/>
               </a:ext>
             </a:extLst>
           </p:cNvPr>
@@ -12352,7 +12455,7 @@
           <p:cNvPr id="2" name="Title 1">
             <a:extLst>
               <a:ext uri="{FF2B5EF4-FFF2-40B4-BE49-F238E27FC236}">
-                <a16:creationId xmlns:a16="http://schemas.microsoft.com/office/drawing/2014/main" xmlns="" id="{B568FB88-9104-4D48-9ABA-D1D55E1F8DD9}"/>
+                <a16:creationId xmlns:a16="http://schemas.microsoft.com/office/drawing/2014/main" id="{B568FB88-9104-4D48-9ABA-D1D55E1F8DD9}"/>
               </a:ext>
             </a:extLst>
           </p:cNvPr>
@@ -12384,7 +12487,7 @@
           <p:cNvPr id="4" name="Date Placeholder 3">
             <a:extLst>
               <a:ext uri="{FF2B5EF4-FFF2-40B4-BE49-F238E27FC236}">
-                <a16:creationId xmlns:a16="http://schemas.microsoft.com/office/drawing/2014/main" xmlns="" id="{E8BFCC3D-34C3-40EC-8C93-E69EE582354B}"/>
+                <a16:creationId xmlns:a16="http://schemas.microsoft.com/office/drawing/2014/main" id="{E8BFCC3D-34C3-40EC-8C93-E69EE582354B}"/>
               </a:ext>
             </a:extLst>
           </p:cNvPr>
@@ -12413,7 +12516,7 @@
           <p:cNvPr id="5" name="Footer Placeholder 4">
             <a:extLst>
               <a:ext uri="{FF2B5EF4-FFF2-40B4-BE49-F238E27FC236}">
-                <a16:creationId xmlns:a16="http://schemas.microsoft.com/office/drawing/2014/main" xmlns="" id="{B677AB7E-595B-45B0-8710-9894EE1F86DD}"/>
+                <a16:creationId xmlns:a16="http://schemas.microsoft.com/office/drawing/2014/main" id="{B677AB7E-595B-45B0-8710-9894EE1F86DD}"/>
               </a:ext>
             </a:extLst>
           </p:cNvPr>
@@ -12442,7 +12545,7 @@
           <p:cNvPr id="6" name="Slide Number Placeholder 5">
             <a:extLst>
               <a:ext uri="{FF2B5EF4-FFF2-40B4-BE49-F238E27FC236}">
-                <a16:creationId xmlns:a16="http://schemas.microsoft.com/office/drawing/2014/main" xmlns="" id="{BFEC5FD5-2A06-4F58-AA4A-5B593CBA4D6F}"/>
+                <a16:creationId xmlns:a16="http://schemas.microsoft.com/office/drawing/2014/main" id="{BFEC5FD5-2A06-4F58-AA4A-5B593CBA4D6F}"/>
               </a:ext>
             </a:extLst>
           </p:cNvPr>
@@ -12472,7 +12575,7 @@
           <p:cNvPr id="8" name="Picture 7">
             <a:extLst>
               <a:ext uri="{FF2B5EF4-FFF2-40B4-BE49-F238E27FC236}">
-                <a16:creationId xmlns:a16="http://schemas.microsoft.com/office/drawing/2014/main" xmlns="" id="{D56B7F42-6322-4CDC-8006-CDFBB7E93D64}"/>
+                <a16:creationId xmlns:a16="http://schemas.microsoft.com/office/drawing/2014/main" id="{D56B7F42-6322-4CDC-8006-CDFBB7E93D64}"/>
               </a:ext>
             </a:extLst>
           </p:cNvPr>
@@ -12532,7 +12635,7 @@
           <p:cNvPr id="2" name="Title 1">
             <a:extLst>
               <a:ext uri="{FF2B5EF4-FFF2-40B4-BE49-F238E27FC236}">
-                <a16:creationId xmlns:a16="http://schemas.microsoft.com/office/drawing/2014/main" xmlns="" id="{4BCB0421-286D-4FFC-BF6E-92D8ED40A192}"/>
+                <a16:creationId xmlns:a16="http://schemas.microsoft.com/office/drawing/2014/main" id="{4BCB0421-286D-4FFC-BF6E-92D8ED40A192}"/>
               </a:ext>
             </a:extLst>
           </p:cNvPr>
@@ -12562,7 +12665,7 @@
               <p:cNvPr id="3" name="Content Placeholder 2">
                 <a:extLst>
                   <a:ext uri="{FF2B5EF4-FFF2-40B4-BE49-F238E27FC236}">
-                    <a16:creationId xmlns:a16="http://schemas.microsoft.com/office/drawing/2014/main" xmlns="" id="{63D82C38-F2C3-4DDF-9104-006A73789216}"/>
+                    <a16:creationId xmlns:a16="http://schemas.microsoft.com/office/drawing/2014/main" id="{63D82C38-F2C3-4DDF-9104-006A73789216}"/>
                   </a:ext>
                 </a:extLst>
               </p:cNvPr>
@@ -12677,7 +12780,7 @@
                       <m:sSubPr>
                         <m:ctrlPr>
                           <a:rPr lang="en-US" b="0" i="1" smtClean="0">
-                            <a:latin typeface="Cambria Math"/>
+                            <a:latin typeface="Cambria Math" panose="02040503050406030204" pitchFamily="18" charset="0"/>
                           </a:rPr>
                         </m:ctrlPr>
                       </m:sSubPr>
@@ -12708,7 +12811,7 @@
                       <m:sSubPr>
                         <m:ctrlPr>
                           <a:rPr lang="en-US" b="0" i="1" smtClean="0">
-                            <a:latin typeface="Cambria Math"/>
+                            <a:latin typeface="Cambria Math" panose="02040503050406030204" pitchFamily="18" charset="0"/>
                           </a:rPr>
                         </m:ctrlPr>
                       </m:sSubPr>
@@ -12758,7 +12861,7 @@
                       <m:sSubPr>
                         <m:ctrlPr>
                           <a:rPr lang="en-US" b="0" i="1" smtClean="0">
-                            <a:latin typeface="Cambria Math"/>
+                            <a:latin typeface="Cambria Math" panose="02040503050406030204" pitchFamily="18" charset="0"/>
                             <a:ea typeface="Cambria Math" panose="02040503050406030204" pitchFamily="18" charset="0"/>
                           </a:rPr>
                         </m:ctrlPr>
@@ -12814,7 +12917,7 @@
                       <m:sSubPr>
                         <m:ctrlPr>
                           <a:rPr lang="en-US" b="0" i="1" smtClean="0">
-                            <a:latin typeface="Cambria Math"/>
+                            <a:latin typeface="Cambria Math" panose="02040503050406030204" pitchFamily="18" charset="0"/>
                             <a:ea typeface="Cambria Math" panose="02040503050406030204" pitchFamily="18" charset="0"/>
                           </a:rPr>
                         </m:ctrlPr>
@@ -12849,7 +12952,7 @@
                       <m:sSubPr>
                         <m:ctrlPr>
                           <a:rPr lang="en-US" b="0" i="1" smtClean="0">
-                            <a:latin typeface="Cambria Math"/>
+                            <a:latin typeface="Cambria Math" panose="02040503050406030204" pitchFamily="18" charset="0"/>
                             <a:ea typeface="Cambria Math" panose="02040503050406030204" pitchFamily="18" charset="0"/>
                           </a:rPr>
                         </m:ctrlPr>
@@ -13080,7 +13183,7 @@
           <p:cNvPr id="2" name="Title 1">
             <a:extLst>
               <a:ext uri="{FF2B5EF4-FFF2-40B4-BE49-F238E27FC236}">
-                <a16:creationId xmlns:a16="http://schemas.microsoft.com/office/drawing/2014/main" xmlns="" id="{4A979236-BB0C-461D-A863-00BCC1C24706}"/>
+                <a16:creationId xmlns:a16="http://schemas.microsoft.com/office/drawing/2014/main" id="{4A979236-BB0C-461D-A863-00BCC1C24706}"/>
               </a:ext>
             </a:extLst>
           </p:cNvPr>
@@ -13110,7 +13213,7 @@
           <p:cNvPr id="4" name="Picture 3">
             <a:extLst>
               <a:ext uri="{FF2B5EF4-FFF2-40B4-BE49-F238E27FC236}">
-                <a16:creationId xmlns:a16="http://schemas.microsoft.com/office/drawing/2014/main" xmlns="" id="{16437F4C-858E-44CA-9CDA-C96021BF4A40}"/>
+                <a16:creationId xmlns:a16="http://schemas.microsoft.com/office/drawing/2014/main" id="{16437F4C-858E-44CA-9CDA-C96021BF4A40}"/>
               </a:ext>
             </a:extLst>
           </p:cNvPr>
@@ -13140,7 +13243,7 @@
           <p:cNvPr id="5" name="TextBox 4">
             <a:extLst>
               <a:ext uri="{FF2B5EF4-FFF2-40B4-BE49-F238E27FC236}">
-                <a16:creationId xmlns:a16="http://schemas.microsoft.com/office/drawing/2014/main" xmlns="" id="{E79B8F29-FAFD-4FD4-806D-C4E2679E63BB}"/>
+                <a16:creationId xmlns:a16="http://schemas.microsoft.com/office/drawing/2014/main" id="{E79B8F29-FAFD-4FD4-806D-C4E2679E63BB}"/>
               </a:ext>
             </a:extLst>
           </p:cNvPr>
@@ -13274,7 +13377,7 @@
           <p:cNvPr id="2" name="Title 1">
             <a:extLst>
               <a:ext uri="{FF2B5EF4-FFF2-40B4-BE49-F238E27FC236}">
-                <a16:creationId xmlns:a16="http://schemas.microsoft.com/office/drawing/2014/main" xmlns="" id="{25E5BE18-02B5-4B9D-87F3-CC018C8D15F2}"/>
+                <a16:creationId xmlns:a16="http://schemas.microsoft.com/office/drawing/2014/main" id="{25E5BE18-02B5-4B9D-87F3-CC018C8D15F2}"/>
               </a:ext>
             </a:extLst>
           </p:cNvPr>
@@ -13302,7 +13405,7 @@
           <p:cNvPr id="3" name="Content Placeholder 2">
             <a:extLst>
               <a:ext uri="{FF2B5EF4-FFF2-40B4-BE49-F238E27FC236}">
-                <a16:creationId xmlns:a16="http://schemas.microsoft.com/office/drawing/2014/main" xmlns="" id="{196BE5F5-5638-40DC-BB4B-58F174252E43}"/>
+                <a16:creationId xmlns:a16="http://schemas.microsoft.com/office/drawing/2014/main" id="{196BE5F5-5638-40DC-BB4B-58F174252E43}"/>
               </a:ext>
             </a:extLst>
           </p:cNvPr>
@@ -13627,7 +13730,7 @@
           <p:cNvPr id="3" name="Rectangle 2">
             <a:extLst>
               <a:ext uri="{FF2B5EF4-FFF2-40B4-BE49-F238E27FC236}">
-                <a16:creationId xmlns:a16="http://schemas.microsoft.com/office/drawing/2014/main" xmlns="" id="{3D016D97-17F7-4B61-90FB-F533C369867A}"/>
+                <a16:creationId xmlns:a16="http://schemas.microsoft.com/office/drawing/2014/main" id="{3D016D97-17F7-4B61-90FB-F533C369867A}"/>
               </a:ext>
             </a:extLst>
           </p:cNvPr>
@@ -13668,7 +13771,7 @@
           <p:cNvPr id="8" name="Rectangle 7">
             <a:extLst>
               <a:ext uri="{FF2B5EF4-FFF2-40B4-BE49-F238E27FC236}">
-                <a16:creationId xmlns:a16="http://schemas.microsoft.com/office/drawing/2014/main" xmlns="" id="{A37493EC-E836-4522-84D2-F25C6BD93BE8}"/>
+                <a16:creationId xmlns:a16="http://schemas.microsoft.com/office/drawing/2014/main" id="{A37493EC-E836-4522-84D2-F25C6BD93BE8}"/>
               </a:ext>
             </a:extLst>
           </p:cNvPr>
@@ -13709,7 +13812,7 @@
           <p:cNvPr id="11" name="Straight Arrow Connector 10">
             <a:extLst>
               <a:ext uri="{FF2B5EF4-FFF2-40B4-BE49-F238E27FC236}">
-                <a16:creationId xmlns:a16="http://schemas.microsoft.com/office/drawing/2014/main" xmlns="" id="{AD13C829-A1CB-4F29-9F24-B3A4534C8874}"/>
+                <a16:creationId xmlns:a16="http://schemas.microsoft.com/office/drawing/2014/main" id="{AD13C829-A1CB-4F29-9F24-B3A4534C8874}"/>
               </a:ext>
             </a:extLst>
           </p:cNvPr>
@@ -13751,7 +13854,7 @@
           <p:cNvPr id="13" name="Straight Arrow Connector 12">
             <a:extLst>
               <a:ext uri="{FF2B5EF4-FFF2-40B4-BE49-F238E27FC236}">
-                <a16:creationId xmlns:a16="http://schemas.microsoft.com/office/drawing/2014/main" xmlns="" id="{D85208F1-9D01-45C7-B0A5-FE647218FE4A}"/>
+                <a16:creationId xmlns:a16="http://schemas.microsoft.com/office/drawing/2014/main" id="{D85208F1-9D01-45C7-B0A5-FE647218FE4A}"/>
               </a:ext>
             </a:extLst>
           </p:cNvPr>
@@ -13793,7 +13896,7 @@
           <p:cNvPr id="16" name="Rectangle 15">
             <a:extLst>
               <a:ext uri="{FF2B5EF4-FFF2-40B4-BE49-F238E27FC236}">
-                <a16:creationId xmlns:a16="http://schemas.microsoft.com/office/drawing/2014/main" xmlns="" id="{D1B8A12F-A568-4417-AF10-4FC961FDB4A1}"/>
+                <a16:creationId xmlns:a16="http://schemas.microsoft.com/office/drawing/2014/main" id="{D1B8A12F-A568-4417-AF10-4FC961FDB4A1}"/>
               </a:ext>
             </a:extLst>
           </p:cNvPr>
@@ -13834,7 +13937,7 @@
           <p:cNvPr id="20" name="Straight Arrow Connector 19">
             <a:extLst>
               <a:ext uri="{FF2B5EF4-FFF2-40B4-BE49-F238E27FC236}">
-                <a16:creationId xmlns:a16="http://schemas.microsoft.com/office/drawing/2014/main" xmlns="" id="{E789A615-20A6-4ADE-9A4B-8CCA05EFEB4C}"/>
+                <a16:creationId xmlns:a16="http://schemas.microsoft.com/office/drawing/2014/main" id="{E789A615-20A6-4ADE-9A4B-8CCA05EFEB4C}"/>
               </a:ext>
             </a:extLst>
           </p:cNvPr>
@@ -13905,7 +14008,7 @@
           <p:cNvPr id="2" name="Title 1">
             <a:extLst>
               <a:ext uri="{FF2B5EF4-FFF2-40B4-BE49-F238E27FC236}">
-                <a16:creationId xmlns:a16="http://schemas.microsoft.com/office/drawing/2014/main" xmlns="" id="{B3900F0E-5D54-47C3-AF81-36E12B0D950D}"/>
+                <a16:creationId xmlns:a16="http://schemas.microsoft.com/office/drawing/2014/main" id="{B3900F0E-5D54-47C3-AF81-36E12B0D950D}"/>
               </a:ext>
             </a:extLst>
           </p:cNvPr>
@@ -13933,7 +14036,7 @@
           <p:cNvPr id="3" name="Content Placeholder 2">
             <a:extLst>
               <a:ext uri="{FF2B5EF4-FFF2-40B4-BE49-F238E27FC236}">
-                <a16:creationId xmlns:a16="http://schemas.microsoft.com/office/drawing/2014/main" xmlns="" id="{204E38C8-0CD7-46D0-9BE9-0FF629EB5628}"/>
+                <a16:creationId xmlns:a16="http://schemas.microsoft.com/office/drawing/2014/main" id="{204E38C8-0CD7-46D0-9BE9-0FF629EB5628}"/>
               </a:ext>
             </a:extLst>
           </p:cNvPr>
@@ -14101,7 +14204,7 @@
           <p:cNvPr id="2" name="Title 1">
             <a:extLst>
               <a:ext uri="{FF2B5EF4-FFF2-40B4-BE49-F238E27FC236}">
-                <a16:creationId xmlns:a16="http://schemas.microsoft.com/office/drawing/2014/main" xmlns="" id="{C6B01B24-F88D-4EFE-AFAF-01091A23C7BE}"/>
+                <a16:creationId xmlns:a16="http://schemas.microsoft.com/office/drawing/2014/main" id="{C6B01B24-F88D-4EFE-AFAF-01091A23C7BE}"/>
               </a:ext>
             </a:extLst>
           </p:cNvPr>
@@ -14131,7 +14234,7 @@
               <p:cNvPr id="3" name="Content Placeholder 2">
                 <a:extLst>
                   <a:ext uri="{FF2B5EF4-FFF2-40B4-BE49-F238E27FC236}">
-                    <a16:creationId xmlns:a16="http://schemas.microsoft.com/office/drawing/2014/main" xmlns="" id="{909856E3-30EB-4418-A74F-8AB82EF79250}"/>
+                    <a16:creationId xmlns:a16="http://schemas.microsoft.com/office/drawing/2014/main" id="{909856E3-30EB-4418-A74F-8AB82EF79250}"/>
                   </a:ext>
                 </a:extLst>
               </p:cNvPr>
@@ -14184,7 +14287,7 @@
                       <m:sSubPr>
                         <m:ctrlPr>
                           <a:rPr lang="en-US" i="1">
-                            <a:latin typeface="Cambria Math"/>
+                            <a:latin typeface="Cambria Math" panose="02040503050406030204" pitchFamily="18" charset="0"/>
                           </a:rPr>
                         </m:ctrlPr>
                       </m:sSubPr>
@@ -14215,7 +14318,7 @@
                       <m:sSubPr>
                         <m:ctrlPr>
                           <a:rPr lang="en-US" i="1">
-                            <a:latin typeface="Cambria Math"/>
+                            <a:latin typeface="Cambria Math" panose="02040503050406030204" pitchFamily="18" charset="0"/>
                           </a:rPr>
                         </m:ctrlPr>
                       </m:sSubPr>
@@ -14279,7 +14382,7 @@
                       <m:sSubPr>
                         <m:ctrlPr>
                           <a:rPr lang="en-US" i="1">
-                            <a:latin typeface="Cambria Math"/>
+                            <a:latin typeface="Cambria Math" panose="02040503050406030204" pitchFamily="18" charset="0"/>
                             <a:ea typeface="Cambria Math" panose="02040503050406030204" pitchFamily="18" charset="0"/>
                           </a:rPr>
                         </m:ctrlPr>
@@ -14314,7 +14417,7 @@
                       <m:sSubPr>
                         <m:ctrlPr>
                           <a:rPr lang="en-US" i="1">
-                            <a:latin typeface="Cambria Math"/>
+                            <a:latin typeface="Cambria Math" panose="02040503050406030204" pitchFamily="18" charset="0"/>
                             <a:ea typeface="Cambria Math" panose="02040503050406030204" pitchFamily="18" charset="0"/>
                           </a:rPr>
                         </m:ctrlPr>
@@ -14410,7 +14513,7 @@
                       <m:sSubPr>
                         <m:ctrlPr>
                           <a:rPr lang="en-US" i="1">
-                            <a:latin typeface="Cambria Math"/>
+                            <a:latin typeface="Cambria Math" panose="02040503050406030204" pitchFamily="18" charset="0"/>
                           </a:rPr>
                         </m:ctrlPr>
                       </m:sSubPr>
@@ -14441,7 +14544,7 @@
                       <m:sSubPr>
                         <m:ctrlPr>
                           <a:rPr lang="en-US" i="1">
-                            <a:latin typeface="Cambria Math"/>
+                            <a:latin typeface="Cambria Math" panose="02040503050406030204" pitchFamily="18" charset="0"/>
                             <a:ea typeface="Cambria Math" panose="02040503050406030204" pitchFamily="18" charset="0"/>
                           </a:rPr>
                         </m:ctrlPr>
@@ -14497,7 +14600,7 @@
                       <m:sSubPr>
                         <m:ctrlPr>
                           <a:rPr lang="en-US" i="1">
-                            <a:latin typeface="Cambria Math"/>
+                            <a:latin typeface="Cambria Math" panose="02040503050406030204" pitchFamily="18" charset="0"/>
                             <a:ea typeface="Cambria Math" panose="02040503050406030204" pitchFamily="18" charset="0"/>
                           </a:rPr>
                         </m:ctrlPr>
@@ -14929,7 +15032,7 @@
           <p:cNvPr id="2" name="Title 1">
             <a:extLst>
               <a:ext uri="{FF2B5EF4-FFF2-40B4-BE49-F238E27FC236}">
-                <a16:creationId xmlns:a16="http://schemas.microsoft.com/office/drawing/2014/main" xmlns="" id="{CD8454EB-7C8E-4828-AEE5-0DD2C795D393}"/>
+                <a16:creationId xmlns:a16="http://schemas.microsoft.com/office/drawing/2014/main" id="{CD8454EB-7C8E-4828-AEE5-0DD2C795D393}"/>
               </a:ext>
             </a:extLst>
           </p:cNvPr>
@@ -14954,7 +15057,7 @@
           <p:cNvPr id="3" name="Content Placeholder 2">
             <a:extLst>
               <a:ext uri="{FF2B5EF4-FFF2-40B4-BE49-F238E27FC236}">
-                <a16:creationId xmlns:a16="http://schemas.microsoft.com/office/drawing/2014/main" xmlns="" id="{9031DB80-0AC4-4AA0-B27F-0ADDBDD15873}"/>
+                <a16:creationId xmlns:a16="http://schemas.microsoft.com/office/drawing/2014/main" id="{9031DB80-0AC4-4AA0-B27F-0ADDBDD15873}"/>
               </a:ext>
             </a:extLst>
           </p:cNvPr>
@@ -15363,7 +15466,7 @@
                       <m:sSubPr>
                         <m:ctrlPr>
                           <a:rPr lang="en-US" sz="2400" b="1" i="1">
-                            <a:latin typeface="Cambria Math"/>
+                            <a:latin typeface="Cambria Math" panose="02040503050406030204" pitchFamily="18" charset="0"/>
                           </a:rPr>
                         </m:ctrlPr>
                       </m:sSubPr>
@@ -15421,7 +15524,7 @@
                       <m:sSubPr>
                         <m:ctrlPr>
                           <a:rPr lang="en-US" sz="2400" b="1" i="1">
-                            <a:latin typeface="Cambria Math"/>
+                            <a:latin typeface="Cambria Math" panose="02040503050406030204" pitchFamily="18" charset="0"/>
                           </a:rPr>
                         </m:ctrlPr>
                       </m:sSubPr>
@@ -15453,7 +15556,7 @@
                       <m:sSupPr>
                         <m:ctrlPr>
                           <a:rPr lang="en-US" sz="2400" b="1" i="1">
-                            <a:latin typeface="Cambria Math"/>
+                            <a:latin typeface="Cambria Math" panose="02040503050406030204" pitchFamily="18" charset="0"/>
                             <a:ea typeface="Cambria Math"/>
                           </a:rPr>
                         </m:ctrlPr>
@@ -15536,7 +15639,7 @@
                       <m:sSupPr>
                         <m:ctrlPr>
                           <a:rPr lang="en-US" sz="2000" b="1" i="1">
-                            <a:latin typeface="Cambria Math"/>
+                            <a:latin typeface="Cambria Math" panose="02040503050406030204" pitchFamily="18" charset="0"/>
                             <a:ea typeface="Cambria Math"/>
                           </a:rPr>
                         </m:ctrlPr>
@@ -15580,7 +15683,7 @@
                       <m:sSubPr>
                         <m:ctrlPr>
                           <a:rPr lang="en-US" sz="2000" i="1">
-                            <a:latin typeface="Cambria Math"/>
+                            <a:latin typeface="Cambria Math" panose="02040503050406030204" pitchFamily="18" charset="0"/>
                           </a:rPr>
                         </m:ctrlPr>
                       </m:sSubPr>
@@ -15611,7 +15714,7 @@
                       <m:sSubPr>
                         <m:ctrlPr>
                           <a:rPr lang="en-US" sz="2000" i="1">
-                            <a:latin typeface="Cambria Math"/>
+                            <a:latin typeface="Cambria Math" panose="02040503050406030204" pitchFamily="18" charset="0"/>
                           </a:rPr>
                         </m:ctrlPr>
                       </m:sSubPr>
@@ -15642,7 +15745,7 @@
                       <m:sSubPr>
                         <m:ctrlPr>
                           <a:rPr lang="en-US" sz="2000" i="1">
-                            <a:latin typeface="Cambria Math"/>
+                            <a:latin typeface="Cambria Math" panose="02040503050406030204" pitchFamily="18" charset="0"/>
                           </a:rPr>
                         </m:ctrlPr>
                       </m:sSubPr>
@@ -15679,7 +15782,7 @@
                       <m:sSubPr>
                         <m:ctrlPr>
                           <a:rPr lang="en-US" sz="2000" b="0" i="1" dirty="0" smtClean="0">
-                            <a:latin typeface="Cambria Math"/>
+                            <a:latin typeface="Cambria Math" panose="02040503050406030204" pitchFamily="18" charset="0"/>
                           </a:rPr>
                         </m:ctrlPr>
                       </m:sSubPr>
@@ -15689,7 +15792,7 @@
                             <m:chr m:val="̂"/>
                             <m:ctrlPr>
                               <a:rPr lang="en-US" sz="2000" i="1">
-                                <a:latin typeface="Cambria Math"/>
+                                <a:latin typeface="Cambria Math" panose="02040503050406030204" pitchFamily="18" charset="0"/>
                               </a:rPr>
                             </m:ctrlPr>
                           </m:accPr>
@@ -15723,7 +15826,7 @@
                         <m:chr m:val="∑"/>
                         <m:ctrlPr>
                           <a:rPr lang="en-US" sz="2000" i="1">
-                            <a:latin typeface="Cambria Math"/>
+                            <a:latin typeface="Cambria Math" panose="02040503050406030204" pitchFamily="18" charset="0"/>
                           </a:rPr>
                         </m:ctrlPr>
                       </m:naryPr>
@@ -15757,7 +15860,7 @@
                           <m:sSubPr>
                             <m:ctrlPr>
                               <a:rPr lang="en-US" sz="2000" i="1">
-                                <a:latin typeface="Cambria Math"/>
+                                <a:latin typeface="Cambria Math" panose="02040503050406030204" pitchFamily="18" charset="0"/>
                               </a:rPr>
                             </m:ctrlPr>
                           </m:sSubPr>
@@ -15767,7 +15870,7 @@
                                 <m:chr m:val="̂"/>
                                 <m:ctrlPr>
                                   <a:rPr lang="en-US" sz="2000" i="1" smtClean="0">
-                                    <a:latin typeface="Cambria Math"/>
+                                    <a:latin typeface="Cambria Math" panose="02040503050406030204" pitchFamily="18" charset="0"/>
                                   </a:rPr>
                                 </m:ctrlPr>
                               </m:accPr>
@@ -15795,7 +15898,7 @@
                             <m:endChr m:val="|"/>
                             <m:ctrlPr>
                               <a:rPr lang="en-US" sz="2000" i="1">
-                                <a:latin typeface="Cambria Math"/>
+                                <a:latin typeface="Cambria Math" panose="02040503050406030204" pitchFamily="18" charset="0"/>
                               </a:rPr>
                             </m:ctrlPr>
                           </m:dPr>
@@ -15804,7 +15907,7 @@
                               <m:sSubPr>
                                 <m:ctrlPr>
                                   <a:rPr lang="en-US" sz="2000" i="1">
-                                    <a:latin typeface="Cambria Math"/>
+                                    <a:latin typeface="Cambria Math" panose="02040503050406030204" pitchFamily="18" charset="0"/>
                                   </a:rPr>
                                 </m:ctrlPr>
                               </m:sSubPr>
@@ -15831,7 +15934,7 @@
                           <m:sSubPr>
                             <m:ctrlPr>
                               <a:rPr lang="en-US" sz="2000" i="1" smtClean="0">
-                                <a:latin typeface="Cambria Math"/>
+                                <a:latin typeface="Cambria Math" panose="02040503050406030204" pitchFamily="18" charset="0"/>
                               </a:rPr>
                             </m:ctrlPr>
                           </m:sSubPr>
@@ -15863,7 +15966,7 @@
                           <m:sSubPr>
                             <m:ctrlPr>
                               <a:rPr lang="en-US" sz="2000" i="1">
-                                <a:latin typeface="Cambria Math"/>
+                                <a:latin typeface="Cambria Math" panose="02040503050406030204" pitchFamily="18" charset="0"/>
                                 <a:ea typeface="Cambria Math"/>
                               </a:rPr>
                             </m:ctrlPr>
@@ -15910,7 +16013,7 @@
                           <m:sSubPr>
                             <m:ctrlPr>
                               <a:rPr lang="en-US" sz="2000" b="1" i="1" smtClean="0">
-                                <a:latin typeface="Cambria Math"/>
+                                <a:latin typeface="Cambria Math" panose="02040503050406030204" pitchFamily="18" charset="0"/>
                               </a:rPr>
                             </m:ctrlPr>
                           </m:sSubPr>
@@ -15942,7 +16045,7 @@
                           <m:sSubPr>
                             <m:ctrlPr>
                               <a:rPr lang="en-US" sz="2000" i="1">
-                                <a:latin typeface="Cambria Math"/>
+                                <a:latin typeface="Cambria Math" panose="02040503050406030204" pitchFamily="18" charset="0"/>
                                 <a:ea typeface="Cambria Math"/>
                               </a:rPr>
                             </m:ctrlPr>
@@ -15991,7 +16094,7 @@
                       <m:sSubPr>
                         <m:ctrlPr>
                           <a:rPr lang="en-US" sz="2000" i="1">
-                            <a:latin typeface="Cambria Math"/>
+                            <a:latin typeface="Cambria Math" panose="02040503050406030204" pitchFamily="18" charset="0"/>
                           </a:rPr>
                         </m:ctrlPr>
                       </m:sSubPr>
@@ -16001,7 +16104,7 @@
                             <m:chr m:val="̂"/>
                             <m:ctrlPr>
                               <a:rPr lang="en-US" sz="2000" i="1" smtClean="0">
-                                <a:latin typeface="Cambria Math"/>
+                                <a:latin typeface="Cambria Math" panose="02040503050406030204" pitchFamily="18" charset="0"/>
                               </a:rPr>
                             </m:ctrlPr>
                           </m:accPr>
@@ -16035,7 +16138,7 @@
                       <m:sSubPr>
                         <m:ctrlPr>
                           <a:rPr lang="en-US" sz="2000" i="1">
-                            <a:latin typeface="Cambria Math"/>
+                            <a:latin typeface="Cambria Math" panose="02040503050406030204" pitchFamily="18" charset="0"/>
                             <a:ea typeface="Cambria Math"/>
                           </a:rPr>
                         </m:ctrlPr>
@@ -16046,7 +16149,7 @@
                             <m:chr m:val="̅"/>
                             <m:ctrlPr>
                               <a:rPr lang="en-US" sz="2000" i="1">
-                                <a:latin typeface="Cambria Math"/>
+                                <a:latin typeface="Cambria Math" panose="02040503050406030204" pitchFamily="18" charset="0"/>
                                 <a:ea typeface="Cambria Math"/>
                               </a:rPr>
                             </m:ctrlPr>
@@ -16092,7 +16195,7 @@
                         <m:endChr m:val="|"/>
                         <m:ctrlPr>
                           <a:rPr lang="en-US" sz="2000" b="0" i="1" smtClean="0">
-                            <a:latin typeface="Cambria Math"/>
+                            <a:latin typeface="Cambria Math" panose="02040503050406030204" pitchFamily="18" charset="0"/>
                           </a:rPr>
                         </m:ctrlPr>
                       </m:dPr>
@@ -16101,7 +16204,7 @@
                           <m:sSubPr>
                             <m:ctrlPr>
                               <a:rPr lang="en-US" sz="2000" b="0" i="1" smtClean="0">
-                                <a:latin typeface="Cambria Math"/>
+                                <a:latin typeface="Cambria Math" panose="02040503050406030204" pitchFamily="18" charset="0"/>
                               </a:rPr>
                             </m:ctrlPr>
                           </m:sSubPr>
@@ -16128,7 +16231,7 @@
                       <m:sSubPr>
                         <m:ctrlPr>
                           <a:rPr lang="en-US" sz="2000" b="0" i="1" smtClean="0">
-                            <a:latin typeface="Cambria Math"/>
+                            <a:latin typeface="Cambria Math" panose="02040503050406030204" pitchFamily="18" charset="0"/>
                           </a:rPr>
                         </m:ctrlPr>
                       </m:sSubPr>
@@ -16160,7 +16263,7 @@
                       <m:sSubPr>
                         <m:ctrlPr>
                           <a:rPr lang="en-US" sz="2000" b="0" i="1" smtClean="0">
-                            <a:latin typeface="Cambria Math"/>
+                            <a:latin typeface="Cambria Math" panose="02040503050406030204" pitchFamily="18" charset="0"/>
                             <a:ea typeface="Cambria Math"/>
                           </a:rPr>
                         </m:ctrlPr>
@@ -16585,7 +16688,7 @@
                       <m:sSubPr>
                         <m:ctrlPr>
                           <a:rPr lang="en-US" i="1">
-                            <a:latin typeface="Cambria Math"/>
+                            <a:latin typeface="Cambria Math" panose="02040503050406030204" pitchFamily="18" charset="0"/>
                           </a:rPr>
                         </m:ctrlPr>
                       </m:sSubPr>
@@ -16628,7 +16731,7 @@
                       <m:sSubPr>
                         <m:ctrlPr>
                           <a:rPr lang="en-US" i="1">
-                            <a:latin typeface="Cambria Math"/>
+                            <a:latin typeface="Cambria Math" panose="02040503050406030204" pitchFamily="18" charset="0"/>
                           </a:rPr>
                         </m:ctrlPr>
                       </m:sSubPr>
@@ -16671,7 +16774,7 @@
                       <m:sSubPr>
                         <m:ctrlPr>
                           <a:rPr lang="en-US" i="1">
-                            <a:latin typeface="Cambria Math"/>
+                            <a:latin typeface="Cambria Math" panose="02040503050406030204" pitchFamily="18" charset="0"/>
                           </a:rPr>
                         </m:ctrlPr>
                       </m:sSubPr>
@@ -18571,7 +18674,7 @@
           <p:cNvPr id="2" name="Title 1">
             <a:extLst>
               <a:ext uri="{FF2B5EF4-FFF2-40B4-BE49-F238E27FC236}">
-                <a16:creationId xmlns:a16="http://schemas.microsoft.com/office/drawing/2014/main" xmlns="" id="{DA36071B-FAB4-4FE8-BED5-D8893494249C}"/>
+                <a16:creationId xmlns:a16="http://schemas.microsoft.com/office/drawing/2014/main" id="{DA36071B-FAB4-4FE8-BED5-D8893494249C}"/>
               </a:ext>
             </a:extLst>
           </p:cNvPr>
@@ -18599,7 +18702,7 @@
           <p:cNvPr id="4" name="Date Placeholder 3">
             <a:extLst>
               <a:ext uri="{FF2B5EF4-FFF2-40B4-BE49-F238E27FC236}">
-                <a16:creationId xmlns:a16="http://schemas.microsoft.com/office/drawing/2014/main" xmlns="" id="{7187C8FE-1939-4CC5-B8C3-19D0564E1E9B}"/>
+                <a16:creationId xmlns:a16="http://schemas.microsoft.com/office/drawing/2014/main" id="{7187C8FE-1939-4CC5-B8C3-19D0564E1E9B}"/>
               </a:ext>
             </a:extLst>
           </p:cNvPr>
@@ -18628,7 +18731,7 @@
           <p:cNvPr id="5" name="Footer Placeholder 4">
             <a:extLst>
               <a:ext uri="{FF2B5EF4-FFF2-40B4-BE49-F238E27FC236}">
-                <a16:creationId xmlns:a16="http://schemas.microsoft.com/office/drawing/2014/main" xmlns="" id="{28A076BB-7009-433A-B87C-F016278C1782}"/>
+                <a16:creationId xmlns:a16="http://schemas.microsoft.com/office/drawing/2014/main" id="{28A076BB-7009-433A-B87C-F016278C1782}"/>
               </a:ext>
             </a:extLst>
           </p:cNvPr>
@@ -18657,7 +18760,7 @@
           <p:cNvPr id="6" name="Slide Number Placeholder 5">
             <a:extLst>
               <a:ext uri="{FF2B5EF4-FFF2-40B4-BE49-F238E27FC236}">
-                <a16:creationId xmlns:a16="http://schemas.microsoft.com/office/drawing/2014/main" xmlns="" id="{385ADECE-CA9E-441D-B29F-806BF1412D6B}"/>
+                <a16:creationId xmlns:a16="http://schemas.microsoft.com/office/drawing/2014/main" id="{385ADECE-CA9E-441D-B29F-806BF1412D6B}"/>
               </a:ext>
             </a:extLst>
           </p:cNvPr>
@@ -18687,7 +18790,7 @@
           <p:cNvPr id="7" name="Group 6">
             <a:extLst>
               <a:ext uri="{FF2B5EF4-FFF2-40B4-BE49-F238E27FC236}">
-                <a16:creationId xmlns:a16="http://schemas.microsoft.com/office/drawing/2014/main" xmlns="" id="{D327FAC7-A1C4-4EB0-8F19-3525F8A9B013}"/>
+                <a16:creationId xmlns:a16="http://schemas.microsoft.com/office/drawing/2014/main" id="{D327FAC7-A1C4-4EB0-8F19-3525F8A9B013}"/>
               </a:ext>
             </a:extLst>
           </p:cNvPr>
@@ -18707,7 +18810,7 @@
             <p:cNvPr id="8" name="Picture 7">
               <a:extLst>
                 <a:ext uri="{FF2B5EF4-FFF2-40B4-BE49-F238E27FC236}">
-                  <a16:creationId xmlns:a16="http://schemas.microsoft.com/office/drawing/2014/main" xmlns="" id="{26EBF1EF-11AC-47BA-9F71-9EDE6D06625B}"/>
+                  <a16:creationId xmlns:a16="http://schemas.microsoft.com/office/drawing/2014/main" id="{26EBF1EF-11AC-47BA-9F71-9EDE6D06625B}"/>
                 </a:ext>
               </a:extLst>
             </p:cNvPr>
@@ -18737,7 +18840,7 @@
             <p:cNvPr id="9" name="Group 8">
               <a:extLst>
                 <a:ext uri="{FF2B5EF4-FFF2-40B4-BE49-F238E27FC236}">
-                  <a16:creationId xmlns:a16="http://schemas.microsoft.com/office/drawing/2014/main" xmlns="" id="{1AD32347-E07B-482F-B3B6-C7F0F0AAFE9C}"/>
+                  <a16:creationId xmlns:a16="http://schemas.microsoft.com/office/drawing/2014/main" id="{1AD32347-E07B-482F-B3B6-C7F0F0AAFE9C}"/>
                 </a:ext>
               </a:extLst>
             </p:cNvPr>
@@ -18757,7 +18860,7 @@
               <p:cNvPr id="10" name="Group 9">
                 <a:extLst>
                   <a:ext uri="{FF2B5EF4-FFF2-40B4-BE49-F238E27FC236}">
-                    <a16:creationId xmlns:a16="http://schemas.microsoft.com/office/drawing/2014/main" xmlns="" id="{76BC2902-A27D-489E-9C6B-A96B825A2608}"/>
+                    <a16:creationId xmlns:a16="http://schemas.microsoft.com/office/drawing/2014/main" id="{76BC2902-A27D-489E-9C6B-A96B825A2608}"/>
                   </a:ext>
                 </a:extLst>
               </p:cNvPr>
@@ -18777,7 +18880,7 @@
                 <p:cNvPr id="15" name="TextBox 14">
                   <a:extLst>
                     <a:ext uri="{FF2B5EF4-FFF2-40B4-BE49-F238E27FC236}">
-                      <a16:creationId xmlns:a16="http://schemas.microsoft.com/office/drawing/2014/main" xmlns="" id="{7D81700F-A736-4DEA-A5B1-1DC22B79010E}"/>
+                      <a16:creationId xmlns:a16="http://schemas.microsoft.com/office/drawing/2014/main" id="{7D81700F-A736-4DEA-A5B1-1DC22B79010E}"/>
                     </a:ext>
                   </a:extLst>
                 </p:cNvPr>
@@ -18812,7 +18915,7 @@
                 <p:cNvPr id="16" name="TextBox 15">
                   <a:extLst>
                     <a:ext uri="{FF2B5EF4-FFF2-40B4-BE49-F238E27FC236}">
-                      <a16:creationId xmlns:a16="http://schemas.microsoft.com/office/drawing/2014/main" xmlns="" id="{8F6622D2-DCCF-4AB7-884C-7771A1E22E4E}"/>
+                      <a16:creationId xmlns:a16="http://schemas.microsoft.com/office/drawing/2014/main" id="{8F6622D2-DCCF-4AB7-884C-7771A1E22E4E}"/>
                     </a:ext>
                   </a:extLst>
                 </p:cNvPr>
@@ -18852,7 +18955,7 @@
               <p:cNvPr id="11" name="Curved Connector 7">
                 <a:extLst>
                   <a:ext uri="{FF2B5EF4-FFF2-40B4-BE49-F238E27FC236}">
-                    <a16:creationId xmlns:a16="http://schemas.microsoft.com/office/drawing/2014/main" xmlns="" id="{A6381175-37B9-4102-8DB8-BA83FF0342D1}"/>
+                    <a16:creationId xmlns:a16="http://schemas.microsoft.com/office/drawing/2014/main" id="{A6381175-37B9-4102-8DB8-BA83FF0342D1}"/>
                   </a:ext>
                 </a:extLst>
               </p:cNvPr>
@@ -18896,7 +18999,7 @@
               <p:cNvPr id="12" name="Straight Arrow Connector 11">
                 <a:extLst>
                   <a:ext uri="{FF2B5EF4-FFF2-40B4-BE49-F238E27FC236}">
-                    <a16:creationId xmlns:a16="http://schemas.microsoft.com/office/drawing/2014/main" xmlns="" id="{D45E325A-BC8E-496E-84CE-D43886BBB580}"/>
+                    <a16:creationId xmlns:a16="http://schemas.microsoft.com/office/drawing/2014/main" id="{D45E325A-BC8E-496E-84CE-D43886BBB580}"/>
                   </a:ext>
                 </a:extLst>
               </p:cNvPr>
@@ -18938,7 +19041,7 @@
               <p:cNvPr id="13" name="TextBox 12">
                 <a:extLst>
                   <a:ext uri="{FF2B5EF4-FFF2-40B4-BE49-F238E27FC236}">
-                    <a16:creationId xmlns:a16="http://schemas.microsoft.com/office/drawing/2014/main" xmlns="" id="{338B0347-BEAE-416C-B821-CABF17093311}"/>
+                    <a16:creationId xmlns:a16="http://schemas.microsoft.com/office/drawing/2014/main" id="{338B0347-BEAE-416C-B821-CABF17093311}"/>
                   </a:ext>
                 </a:extLst>
               </p:cNvPr>
@@ -18973,7 +19076,7 @@
               <p:cNvPr id="14" name="Straight Arrow Connector 13">
                 <a:extLst>
                   <a:ext uri="{FF2B5EF4-FFF2-40B4-BE49-F238E27FC236}">
-                    <a16:creationId xmlns:a16="http://schemas.microsoft.com/office/drawing/2014/main" xmlns="" id="{65907AF4-5F9B-4030-950A-62E43513C730}"/>
+                    <a16:creationId xmlns:a16="http://schemas.microsoft.com/office/drawing/2014/main" id="{65907AF4-5F9B-4030-950A-62E43513C730}"/>
                   </a:ext>
                 </a:extLst>
               </p:cNvPr>
@@ -19047,7 +19150,7 @@
           <p:cNvPr id="2" name="Title 1">
             <a:extLst>
               <a:ext uri="{FF2B5EF4-FFF2-40B4-BE49-F238E27FC236}">
-                <a16:creationId xmlns:a16="http://schemas.microsoft.com/office/drawing/2014/main" xmlns="" id="{CD8454EB-7C8E-4828-AEE5-0DD2C795D393}"/>
+                <a16:creationId xmlns:a16="http://schemas.microsoft.com/office/drawing/2014/main" id="{CD8454EB-7C8E-4828-AEE5-0DD2C795D393}"/>
               </a:ext>
             </a:extLst>
           </p:cNvPr>
@@ -19072,7 +19175,7 @@
           <p:cNvPr id="3" name="Content Placeholder 2">
             <a:extLst>
               <a:ext uri="{FF2B5EF4-FFF2-40B4-BE49-F238E27FC236}">
-                <a16:creationId xmlns:a16="http://schemas.microsoft.com/office/drawing/2014/main" xmlns="" id="{9031DB80-0AC4-4AA0-B27F-0ADDBDD15873}"/>
+                <a16:creationId xmlns:a16="http://schemas.microsoft.com/office/drawing/2014/main" id="{9031DB80-0AC4-4AA0-B27F-0ADDBDD15873}"/>
               </a:ext>
             </a:extLst>
           </p:cNvPr>
@@ -19250,7 +19353,7 @@
           <p:cNvPr id="2" name="Title 1">
             <a:extLst>
               <a:ext uri="{FF2B5EF4-FFF2-40B4-BE49-F238E27FC236}">
-                <a16:creationId xmlns:a16="http://schemas.microsoft.com/office/drawing/2014/main" xmlns="" id="{26967139-11AC-4C72-AD13-DD2A7FEB330B}"/>
+                <a16:creationId xmlns:a16="http://schemas.microsoft.com/office/drawing/2014/main" id="{26967139-11AC-4C72-AD13-DD2A7FEB330B}"/>
               </a:ext>
             </a:extLst>
           </p:cNvPr>
@@ -19278,7 +19381,7 @@
           <p:cNvPr id="4" name="Date Placeholder 3">
             <a:extLst>
               <a:ext uri="{FF2B5EF4-FFF2-40B4-BE49-F238E27FC236}">
-                <a16:creationId xmlns:a16="http://schemas.microsoft.com/office/drawing/2014/main" xmlns="" id="{5DA6287A-AA96-4E60-9B15-33A585C3D374}"/>
+                <a16:creationId xmlns:a16="http://schemas.microsoft.com/office/drawing/2014/main" id="{5DA6287A-AA96-4E60-9B15-33A585C3D374}"/>
               </a:ext>
             </a:extLst>
           </p:cNvPr>
@@ -19307,7 +19410,7 @@
           <p:cNvPr id="5" name="Footer Placeholder 4">
             <a:extLst>
               <a:ext uri="{FF2B5EF4-FFF2-40B4-BE49-F238E27FC236}">
-                <a16:creationId xmlns:a16="http://schemas.microsoft.com/office/drawing/2014/main" xmlns="" id="{B1B64AC3-9BA8-4149-A396-E920EC0C68FA}"/>
+                <a16:creationId xmlns:a16="http://schemas.microsoft.com/office/drawing/2014/main" id="{B1B64AC3-9BA8-4149-A396-E920EC0C68FA}"/>
               </a:ext>
             </a:extLst>
           </p:cNvPr>
@@ -19336,7 +19439,7 @@
           <p:cNvPr id="6" name="Slide Number Placeholder 5">
             <a:extLst>
               <a:ext uri="{FF2B5EF4-FFF2-40B4-BE49-F238E27FC236}">
-                <a16:creationId xmlns:a16="http://schemas.microsoft.com/office/drawing/2014/main" xmlns="" id="{D389F97C-3358-4074-9B5B-98A0C0B08B0F}"/>
+                <a16:creationId xmlns:a16="http://schemas.microsoft.com/office/drawing/2014/main" id="{D389F97C-3358-4074-9B5B-98A0C0B08B0F}"/>
               </a:ext>
             </a:extLst>
           </p:cNvPr>
@@ -19366,7 +19469,7 @@
           <p:cNvPr id="7" name="Picture 6">
             <a:extLst>
               <a:ext uri="{FF2B5EF4-FFF2-40B4-BE49-F238E27FC236}">
-                <a16:creationId xmlns:a16="http://schemas.microsoft.com/office/drawing/2014/main" xmlns="" id="{50084950-65EB-44C2-8BDC-FF51DD69B68A}"/>
+                <a16:creationId xmlns:a16="http://schemas.microsoft.com/office/drawing/2014/main" id="{50084950-65EB-44C2-8BDC-FF51DD69B68A}"/>
               </a:ext>
             </a:extLst>
           </p:cNvPr>
@@ -19396,7 +19499,7 @@
           <p:cNvPr id="8" name="Group 7">
             <a:extLst>
               <a:ext uri="{FF2B5EF4-FFF2-40B4-BE49-F238E27FC236}">
-                <a16:creationId xmlns:a16="http://schemas.microsoft.com/office/drawing/2014/main" xmlns="" id="{6DC4107B-9862-48D3-A1CC-99928D4F9179}"/>
+                <a16:creationId xmlns:a16="http://schemas.microsoft.com/office/drawing/2014/main" id="{6DC4107B-9862-48D3-A1CC-99928D4F9179}"/>
               </a:ext>
             </a:extLst>
           </p:cNvPr>
@@ -19416,7 +19519,7 @@
             <p:cNvPr id="9" name="TextBox 8">
               <a:extLst>
                 <a:ext uri="{FF2B5EF4-FFF2-40B4-BE49-F238E27FC236}">
-                  <a16:creationId xmlns:a16="http://schemas.microsoft.com/office/drawing/2014/main" xmlns="" id="{E2477E3D-CDB3-4279-BBAA-488A311D0026}"/>
+                  <a16:creationId xmlns:a16="http://schemas.microsoft.com/office/drawing/2014/main" id="{E2477E3D-CDB3-4279-BBAA-488A311D0026}"/>
                 </a:ext>
               </a:extLst>
             </p:cNvPr>
@@ -19451,7 +19554,7 @@
             <p:cNvPr id="10" name="Straight Arrow Connector 9">
               <a:extLst>
                 <a:ext uri="{FF2B5EF4-FFF2-40B4-BE49-F238E27FC236}">
-                  <a16:creationId xmlns:a16="http://schemas.microsoft.com/office/drawing/2014/main" xmlns="" id="{94D9833B-9407-467A-B05A-58EF4BBFD550}"/>
+                  <a16:creationId xmlns:a16="http://schemas.microsoft.com/office/drawing/2014/main" id="{94D9833B-9407-467A-B05A-58EF4BBFD550}"/>
                 </a:ext>
               </a:extLst>
             </p:cNvPr>
@@ -19494,7 +19597,7 @@
           <p:cNvPr id="14" name="Group 13">
             <a:extLst>
               <a:ext uri="{FF2B5EF4-FFF2-40B4-BE49-F238E27FC236}">
-                <a16:creationId xmlns:a16="http://schemas.microsoft.com/office/drawing/2014/main" xmlns="" id="{9692E8F7-8D09-468D-9C93-5BCAA20E02E7}"/>
+                <a16:creationId xmlns:a16="http://schemas.microsoft.com/office/drawing/2014/main" id="{9692E8F7-8D09-468D-9C93-5BCAA20E02E7}"/>
               </a:ext>
             </a:extLst>
           </p:cNvPr>
@@ -19514,7 +19617,7 @@
             <p:cNvPr id="15" name="TextBox 14">
               <a:extLst>
                 <a:ext uri="{FF2B5EF4-FFF2-40B4-BE49-F238E27FC236}">
-                  <a16:creationId xmlns:a16="http://schemas.microsoft.com/office/drawing/2014/main" xmlns="" id="{86EBD26C-E102-4BC3-B415-5772D8EB5CE2}"/>
+                  <a16:creationId xmlns:a16="http://schemas.microsoft.com/office/drawing/2014/main" id="{86EBD26C-E102-4BC3-B415-5772D8EB5CE2}"/>
                 </a:ext>
               </a:extLst>
             </p:cNvPr>
@@ -19550,7 +19653,7 @@
             <p:cNvPr id="16" name="Straight Arrow Connector 15">
               <a:extLst>
                 <a:ext uri="{FF2B5EF4-FFF2-40B4-BE49-F238E27FC236}">
-                  <a16:creationId xmlns:a16="http://schemas.microsoft.com/office/drawing/2014/main" xmlns="" id="{90152FAA-A302-482B-88D9-4FE1F33EFF61}"/>
+                  <a16:creationId xmlns:a16="http://schemas.microsoft.com/office/drawing/2014/main" id="{90152FAA-A302-482B-88D9-4FE1F33EFF61}"/>
                 </a:ext>
               </a:extLst>
             </p:cNvPr>
@@ -19593,7 +19696,7 @@
           <p:cNvPr id="20" name="Group 19">
             <a:extLst>
               <a:ext uri="{FF2B5EF4-FFF2-40B4-BE49-F238E27FC236}">
-                <a16:creationId xmlns:a16="http://schemas.microsoft.com/office/drawing/2014/main" xmlns="" id="{B0BF9D7A-040E-42F4-AAC5-C7F92DE8C4AD}"/>
+                <a16:creationId xmlns:a16="http://schemas.microsoft.com/office/drawing/2014/main" id="{B0BF9D7A-040E-42F4-AAC5-C7F92DE8C4AD}"/>
               </a:ext>
             </a:extLst>
           </p:cNvPr>
@@ -19613,7 +19716,7 @@
             <p:cNvPr id="21" name="TextBox 20">
               <a:extLst>
                 <a:ext uri="{FF2B5EF4-FFF2-40B4-BE49-F238E27FC236}">
-                  <a16:creationId xmlns:a16="http://schemas.microsoft.com/office/drawing/2014/main" xmlns="" id="{6EBB5330-E044-4266-9CC6-D0764641B0C7}"/>
+                  <a16:creationId xmlns:a16="http://schemas.microsoft.com/office/drawing/2014/main" id="{6EBB5330-E044-4266-9CC6-D0764641B0C7}"/>
                 </a:ext>
               </a:extLst>
             </p:cNvPr>
@@ -19657,7 +19760,7 @@
             <p:cNvPr id="22" name="Straight Arrow Connector 21">
               <a:extLst>
                 <a:ext uri="{FF2B5EF4-FFF2-40B4-BE49-F238E27FC236}">
-                  <a16:creationId xmlns:a16="http://schemas.microsoft.com/office/drawing/2014/main" xmlns="" id="{2DE2CCC6-FAD9-469B-8E13-2EB0EE22828D}"/>
+                  <a16:creationId xmlns:a16="http://schemas.microsoft.com/office/drawing/2014/main" id="{2DE2CCC6-FAD9-469B-8E13-2EB0EE22828D}"/>
                 </a:ext>
               </a:extLst>
             </p:cNvPr>
@@ -19700,7 +19803,7 @@
           <p:cNvPr id="28" name="Group 27">
             <a:extLst>
               <a:ext uri="{FF2B5EF4-FFF2-40B4-BE49-F238E27FC236}">
-                <a16:creationId xmlns:a16="http://schemas.microsoft.com/office/drawing/2014/main" xmlns="" id="{4380AB8A-AD8D-4743-AFDA-D75DF3A60EE4}"/>
+                <a16:creationId xmlns:a16="http://schemas.microsoft.com/office/drawing/2014/main" id="{4380AB8A-AD8D-4743-AFDA-D75DF3A60EE4}"/>
               </a:ext>
             </a:extLst>
           </p:cNvPr>
@@ -19720,7 +19823,7 @@
             <p:cNvPr id="29" name="TextBox 28">
               <a:extLst>
                 <a:ext uri="{FF2B5EF4-FFF2-40B4-BE49-F238E27FC236}">
-                  <a16:creationId xmlns:a16="http://schemas.microsoft.com/office/drawing/2014/main" xmlns="" id="{D2D5E760-30C5-49B2-9C1F-BE770EF61616}"/>
+                  <a16:creationId xmlns:a16="http://schemas.microsoft.com/office/drawing/2014/main" id="{D2D5E760-30C5-49B2-9C1F-BE770EF61616}"/>
                 </a:ext>
               </a:extLst>
             </p:cNvPr>
@@ -19756,7 +19859,7 @@
             <p:cNvPr id="30" name="Straight Arrow Connector 29">
               <a:extLst>
                 <a:ext uri="{FF2B5EF4-FFF2-40B4-BE49-F238E27FC236}">
-                  <a16:creationId xmlns:a16="http://schemas.microsoft.com/office/drawing/2014/main" xmlns="" id="{CCDB03F6-4F07-4D2E-B5B1-DFB1BC5AF329}"/>
+                  <a16:creationId xmlns:a16="http://schemas.microsoft.com/office/drawing/2014/main" id="{CCDB03F6-4F07-4D2E-B5B1-DFB1BC5AF329}"/>
                 </a:ext>
               </a:extLst>
             </p:cNvPr>
@@ -19799,7 +19902,7 @@
           <p:cNvPr id="33" name="Group 32">
             <a:extLst>
               <a:ext uri="{FF2B5EF4-FFF2-40B4-BE49-F238E27FC236}">
-                <a16:creationId xmlns:a16="http://schemas.microsoft.com/office/drawing/2014/main" xmlns="" id="{0D08D15B-9111-4D1F-9A61-90B7E3B18939}"/>
+                <a16:creationId xmlns:a16="http://schemas.microsoft.com/office/drawing/2014/main" id="{0D08D15B-9111-4D1F-9A61-90B7E3B18939}"/>
               </a:ext>
             </a:extLst>
           </p:cNvPr>
@@ -19819,7 +19922,7 @@
             <p:cNvPr id="34" name="TextBox 33">
               <a:extLst>
                 <a:ext uri="{FF2B5EF4-FFF2-40B4-BE49-F238E27FC236}">
-                  <a16:creationId xmlns:a16="http://schemas.microsoft.com/office/drawing/2014/main" xmlns="" id="{92D571FB-20CF-466A-8776-B317EE5FAD1F}"/>
+                  <a16:creationId xmlns:a16="http://schemas.microsoft.com/office/drawing/2014/main" id="{92D571FB-20CF-466A-8776-B317EE5FAD1F}"/>
                 </a:ext>
               </a:extLst>
             </p:cNvPr>
@@ -19854,7 +19957,7 @@
             <p:cNvPr id="35" name="Straight Arrow Connector 34">
               <a:extLst>
                 <a:ext uri="{FF2B5EF4-FFF2-40B4-BE49-F238E27FC236}">
-                  <a16:creationId xmlns:a16="http://schemas.microsoft.com/office/drawing/2014/main" xmlns="" id="{29252F1F-BAAB-49F7-8898-724CBCBCB5D6}"/>
+                  <a16:creationId xmlns:a16="http://schemas.microsoft.com/office/drawing/2014/main" id="{29252F1F-BAAB-49F7-8898-724CBCBCB5D6}"/>
                 </a:ext>
               </a:extLst>
             </p:cNvPr>
@@ -19897,7 +20000,7 @@
           <p:cNvPr id="39" name="TextBox 38">
             <a:extLst>
               <a:ext uri="{FF2B5EF4-FFF2-40B4-BE49-F238E27FC236}">
-                <a16:creationId xmlns:a16="http://schemas.microsoft.com/office/drawing/2014/main" xmlns="" id="{AEE43B9F-06BE-4654-86E0-E40032F4A9E0}"/>
+                <a16:creationId xmlns:a16="http://schemas.microsoft.com/office/drawing/2014/main" id="{AEE43B9F-06BE-4654-86E0-E40032F4A9E0}"/>
               </a:ext>
             </a:extLst>
           </p:cNvPr>
@@ -19962,7 +20065,7 @@
           <p:cNvPr id="2" name="Title 1">
             <a:extLst>
               <a:ext uri="{FF2B5EF4-FFF2-40B4-BE49-F238E27FC236}">
-                <a16:creationId xmlns:a16="http://schemas.microsoft.com/office/drawing/2014/main" xmlns="" id="{D2DEF00A-AFC6-417D-8FA7-A69F81AC7962}"/>
+                <a16:creationId xmlns:a16="http://schemas.microsoft.com/office/drawing/2014/main" id="{D2DEF00A-AFC6-417D-8FA7-A69F81AC7962}"/>
               </a:ext>
             </a:extLst>
           </p:cNvPr>
@@ -19990,7 +20093,7 @@
           <p:cNvPr id="4" name="Date Placeholder 3">
             <a:extLst>
               <a:ext uri="{FF2B5EF4-FFF2-40B4-BE49-F238E27FC236}">
-                <a16:creationId xmlns:a16="http://schemas.microsoft.com/office/drawing/2014/main" xmlns="" id="{05F76F37-2EC6-4CAA-A8DD-C0081E89D378}"/>
+                <a16:creationId xmlns:a16="http://schemas.microsoft.com/office/drawing/2014/main" id="{05F76F37-2EC6-4CAA-A8DD-C0081E89D378}"/>
               </a:ext>
             </a:extLst>
           </p:cNvPr>
@@ -20019,7 +20122,7 @@
           <p:cNvPr id="5" name="Footer Placeholder 4">
             <a:extLst>
               <a:ext uri="{FF2B5EF4-FFF2-40B4-BE49-F238E27FC236}">
-                <a16:creationId xmlns:a16="http://schemas.microsoft.com/office/drawing/2014/main" xmlns="" id="{511FA4E9-2F0F-4256-9E1D-13E6CA498694}"/>
+                <a16:creationId xmlns:a16="http://schemas.microsoft.com/office/drawing/2014/main" id="{511FA4E9-2F0F-4256-9E1D-13E6CA498694}"/>
               </a:ext>
             </a:extLst>
           </p:cNvPr>
@@ -20048,7 +20151,7 @@
           <p:cNvPr id="6" name="Slide Number Placeholder 5">
             <a:extLst>
               <a:ext uri="{FF2B5EF4-FFF2-40B4-BE49-F238E27FC236}">
-                <a16:creationId xmlns:a16="http://schemas.microsoft.com/office/drawing/2014/main" xmlns="" id="{8E94C2FB-79EA-4B45-A1FC-F33A2CE79D60}"/>
+                <a16:creationId xmlns:a16="http://schemas.microsoft.com/office/drawing/2014/main" id="{8E94C2FB-79EA-4B45-A1FC-F33A2CE79D60}"/>
               </a:ext>
             </a:extLst>
           </p:cNvPr>
@@ -20078,7 +20181,7 @@
           <p:cNvPr id="29" name="Group 28">
             <a:extLst>
               <a:ext uri="{FF2B5EF4-FFF2-40B4-BE49-F238E27FC236}">
-                <a16:creationId xmlns:a16="http://schemas.microsoft.com/office/drawing/2014/main" xmlns="" id="{F51C5524-02D3-454C-95BF-8790333E1A06}"/>
+                <a16:creationId xmlns:a16="http://schemas.microsoft.com/office/drawing/2014/main" id="{F51C5524-02D3-454C-95BF-8790333E1A06}"/>
               </a:ext>
             </a:extLst>
           </p:cNvPr>
@@ -20098,7 +20201,7 @@
             <p:cNvPr id="7" name="Picture 6">
               <a:extLst>
                 <a:ext uri="{FF2B5EF4-FFF2-40B4-BE49-F238E27FC236}">
-                  <a16:creationId xmlns:a16="http://schemas.microsoft.com/office/drawing/2014/main" xmlns="" id="{BCC65657-1163-4032-B8FD-EBA68E853CE3}"/>
+                  <a16:creationId xmlns:a16="http://schemas.microsoft.com/office/drawing/2014/main" id="{BCC65657-1163-4032-B8FD-EBA68E853CE3}"/>
                 </a:ext>
               </a:extLst>
             </p:cNvPr>
@@ -20127,7 +20230,7 @@
             <p:cNvPr id="8" name="TextBox 7">
               <a:extLst>
                 <a:ext uri="{FF2B5EF4-FFF2-40B4-BE49-F238E27FC236}">
-                  <a16:creationId xmlns:a16="http://schemas.microsoft.com/office/drawing/2014/main" xmlns="" id="{30032398-366A-4235-8E0B-8407585B483B}"/>
+                  <a16:creationId xmlns:a16="http://schemas.microsoft.com/office/drawing/2014/main" id="{30032398-366A-4235-8E0B-8407585B483B}"/>
                 </a:ext>
               </a:extLst>
             </p:cNvPr>
@@ -20162,7 +20265,7 @@
             <p:cNvPr id="9" name="TextBox 8">
               <a:extLst>
                 <a:ext uri="{FF2B5EF4-FFF2-40B4-BE49-F238E27FC236}">
-                  <a16:creationId xmlns:a16="http://schemas.microsoft.com/office/drawing/2014/main" xmlns="" id="{A016831A-D9D4-4725-A368-724917C4A434}"/>
+                  <a16:creationId xmlns:a16="http://schemas.microsoft.com/office/drawing/2014/main" id="{A016831A-D9D4-4725-A368-724917C4A434}"/>
                 </a:ext>
               </a:extLst>
             </p:cNvPr>
@@ -20197,7 +20300,7 @@
             <p:cNvPr id="15" name="Group 14">
               <a:extLst>
                 <a:ext uri="{FF2B5EF4-FFF2-40B4-BE49-F238E27FC236}">
-                  <a16:creationId xmlns:a16="http://schemas.microsoft.com/office/drawing/2014/main" xmlns="" id="{CAB9F549-17E5-48AA-BF5D-ED5AD21B09EB}"/>
+                  <a16:creationId xmlns:a16="http://schemas.microsoft.com/office/drawing/2014/main" id="{CAB9F549-17E5-48AA-BF5D-ED5AD21B09EB}"/>
                 </a:ext>
               </a:extLst>
             </p:cNvPr>
@@ -20217,7 +20320,7 @@
               <p:cNvPr id="10" name="TextBox 9">
                 <a:extLst>
                   <a:ext uri="{FF2B5EF4-FFF2-40B4-BE49-F238E27FC236}">
-                    <a16:creationId xmlns:a16="http://schemas.microsoft.com/office/drawing/2014/main" xmlns="" id="{B65682B1-8623-4E9E-B08E-A837F37EA694}"/>
+                    <a16:creationId xmlns:a16="http://schemas.microsoft.com/office/drawing/2014/main" id="{B65682B1-8623-4E9E-B08E-A837F37EA694}"/>
                   </a:ext>
                 </a:extLst>
               </p:cNvPr>
@@ -20253,7 +20356,7 @@
               <p:cNvPr id="12" name="Straight Arrow Connector 11">
                 <a:extLst>
                   <a:ext uri="{FF2B5EF4-FFF2-40B4-BE49-F238E27FC236}">
-                    <a16:creationId xmlns:a16="http://schemas.microsoft.com/office/drawing/2014/main" xmlns="" id="{AE0F30C4-C1CC-446F-A425-FD4154D7A138}"/>
+                    <a16:creationId xmlns:a16="http://schemas.microsoft.com/office/drawing/2014/main" id="{AE0F30C4-C1CC-446F-A425-FD4154D7A138}"/>
                   </a:ext>
                 </a:extLst>
               </p:cNvPr>
@@ -20296,7 +20399,7 @@
             <p:cNvPr id="17" name="Straight Arrow Connector 16">
               <a:extLst>
                 <a:ext uri="{FF2B5EF4-FFF2-40B4-BE49-F238E27FC236}">
-                  <a16:creationId xmlns:a16="http://schemas.microsoft.com/office/drawing/2014/main" xmlns="" id="{157B843F-899F-42C8-882D-D4209617C667}"/>
+                  <a16:creationId xmlns:a16="http://schemas.microsoft.com/office/drawing/2014/main" id="{157B843F-899F-42C8-882D-D4209617C667}"/>
                 </a:ext>
               </a:extLst>
             </p:cNvPr>
@@ -20337,7 +20440,7 @@
             <p:cNvPr id="19" name="Straight Arrow Connector 18">
               <a:extLst>
                 <a:ext uri="{FF2B5EF4-FFF2-40B4-BE49-F238E27FC236}">
-                  <a16:creationId xmlns:a16="http://schemas.microsoft.com/office/drawing/2014/main" xmlns="" id="{F2710959-6DA5-4432-8B90-46CE72FFA91C}"/>
+                  <a16:creationId xmlns:a16="http://schemas.microsoft.com/office/drawing/2014/main" id="{F2710959-6DA5-4432-8B90-46CE72FFA91C}"/>
                 </a:ext>
               </a:extLst>
             </p:cNvPr>
@@ -20378,7 +20481,7 @@
             <p:cNvPr id="21" name="Straight Arrow Connector 20">
               <a:extLst>
                 <a:ext uri="{FF2B5EF4-FFF2-40B4-BE49-F238E27FC236}">
-                  <a16:creationId xmlns:a16="http://schemas.microsoft.com/office/drawing/2014/main" xmlns="" id="{6A723BA1-2EA7-4716-9A06-94FD1D27D042}"/>
+                  <a16:creationId xmlns:a16="http://schemas.microsoft.com/office/drawing/2014/main" id="{6A723BA1-2EA7-4716-9A06-94FD1D27D042}"/>
                 </a:ext>
               </a:extLst>
             </p:cNvPr>
@@ -20420,7 +20523,7 @@
             <p:cNvPr id="23" name="Straight Arrow Connector 22">
               <a:extLst>
                 <a:ext uri="{FF2B5EF4-FFF2-40B4-BE49-F238E27FC236}">
-                  <a16:creationId xmlns:a16="http://schemas.microsoft.com/office/drawing/2014/main" xmlns="" id="{BF1C0316-152E-41E9-9374-F3542B95DAD8}"/>
+                  <a16:creationId xmlns:a16="http://schemas.microsoft.com/office/drawing/2014/main" id="{BF1C0316-152E-41E9-9374-F3542B95DAD8}"/>
                 </a:ext>
               </a:extLst>
             </p:cNvPr>
@@ -20462,7 +20565,7 @@
             <p:cNvPr id="25" name="Straight Arrow Connector 24">
               <a:extLst>
                 <a:ext uri="{FF2B5EF4-FFF2-40B4-BE49-F238E27FC236}">
-                  <a16:creationId xmlns:a16="http://schemas.microsoft.com/office/drawing/2014/main" xmlns="" id="{F681F9D7-F66F-4026-9C32-F195E6DD9C00}"/>
+                  <a16:creationId xmlns:a16="http://schemas.microsoft.com/office/drawing/2014/main" id="{F681F9D7-F66F-4026-9C32-F195E6DD9C00}"/>
                 </a:ext>
               </a:extLst>
             </p:cNvPr>
@@ -20505,7 +20608,7 @@
           <p:cNvPr id="22" name="TextBox 21">
             <a:extLst>
               <a:ext uri="{FF2B5EF4-FFF2-40B4-BE49-F238E27FC236}">
-                <a16:creationId xmlns:a16="http://schemas.microsoft.com/office/drawing/2014/main" xmlns="" id="{EACF1C76-8125-4FFF-A067-913689F8B159}"/>
+                <a16:creationId xmlns:a16="http://schemas.microsoft.com/office/drawing/2014/main" id="{EACF1C76-8125-4FFF-A067-913689F8B159}"/>
               </a:ext>
             </a:extLst>
           </p:cNvPr>
@@ -20640,7 +20743,7 @@
             <a:pPr lvl="1"/>
             <a:r>
               <a:rPr lang="en-US" dirty="0"/>
-              <a:t>Hint: use summary()</a:t>
+              <a:t>Hint: Call summary()</a:t>
             </a:r>
           </a:p>
           <a:p>
@@ -20801,7 +20904,7 @@
         <p:spPr/>
         <p:txBody>
           <a:bodyPr>
-            <a:normAutofit lnSpcReduction="10000"/>
+            <a:normAutofit/>
           </a:bodyPr>
           <a:lstStyle/>
           <a:p>
@@ -20813,7 +20916,7 @@
           <a:p>
             <a:r>
               <a:rPr lang="en-US" dirty="0"/>
-              <a:t>Although surrogates splits are not plotted, they are still in the model (use summary() to see them)</a:t>
+              <a:t>Although surrogates splits are not plotted, they are still in the model (they are shown in the detailed output)</a:t>
             </a:r>
           </a:p>
           <a:p>
@@ -20828,12 +20931,6 @@
             <a:r>
               <a:rPr lang="en-US" dirty="0"/>
               <a:t> takes into account both primary and surrogate splits.</a:t>
-            </a:r>
-          </a:p>
-          <a:p>
-            <a:r>
-              <a:rPr lang="en-US" dirty="0"/>
-              <a:t>This is necessary when multicollinearity is present.</a:t>
             </a:r>
           </a:p>
         </p:txBody>
@@ -21423,35 +21520,35 @@
                 <a:gridCol w="1219200">
                   <a:extLst>
                     <a:ext uri="{9D8B030D-6E8A-4147-A177-3AD203B41FA5}">
-                      <a16:colId xmlns:a16="http://schemas.microsoft.com/office/drawing/2014/main" xmlns="" val="20000"/>
+                      <a16:colId xmlns:a16="http://schemas.microsoft.com/office/drawing/2014/main" val="20000"/>
                     </a:ext>
                   </a:extLst>
                 </a:gridCol>
                 <a:gridCol w="1219200">
                   <a:extLst>
                     <a:ext uri="{9D8B030D-6E8A-4147-A177-3AD203B41FA5}">
-                      <a16:colId xmlns:a16="http://schemas.microsoft.com/office/drawing/2014/main" xmlns="" val="20001"/>
+                      <a16:colId xmlns:a16="http://schemas.microsoft.com/office/drawing/2014/main" val="20001"/>
                     </a:ext>
                   </a:extLst>
                 </a:gridCol>
                 <a:gridCol w="1219200">
                   <a:extLst>
                     <a:ext uri="{9D8B030D-6E8A-4147-A177-3AD203B41FA5}">
-                      <a16:colId xmlns:a16="http://schemas.microsoft.com/office/drawing/2014/main" xmlns="" val="20002"/>
+                      <a16:colId xmlns:a16="http://schemas.microsoft.com/office/drawing/2014/main" val="20002"/>
                     </a:ext>
                   </a:extLst>
                 </a:gridCol>
                 <a:gridCol w="1219200">
                   <a:extLst>
                     <a:ext uri="{9D8B030D-6E8A-4147-A177-3AD203B41FA5}">
-                      <a16:colId xmlns:a16="http://schemas.microsoft.com/office/drawing/2014/main" xmlns="" val="20003"/>
+                      <a16:colId xmlns:a16="http://schemas.microsoft.com/office/drawing/2014/main" val="20003"/>
                     </a:ext>
                   </a:extLst>
                 </a:gridCol>
                 <a:gridCol w="1219200">
                   <a:extLst>
                     <a:ext uri="{9D8B030D-6E8A-4147-A177-3AD203B41FA5}">
-                      <a16:colId xmlns:a16="http://schemas.microsoft.com/office/drawing/2014/main" xmlns="" val="20004"/>
+                      <a16:colId xmlns:a16="http://schemas.microsoft.com/office/drawing/2014/main" val="20004"/>
                     </a:ext>
                   </a:extLst>
                 </a:gridCol>
@@ -21528,7 +21625,7 @@
                 </a:tc>
                 <a:extLst>
                   <a:ext uri="{0D108BD9-81ED-4DB2-BD59-A6C34878D82A}">
-                    <a16:rowId xmlns:a16="http://schemas.microsoft.com/office/drawing/2014/main" xmlns="" val="10000"/>
+                    <a16:rowId xmlns:a16="http://schemas.microsoft.com/office/drawing/2014/main" val="10000"/>
                   </a:ext>
                 </a:extLst>
               </a:tr>
@@ -21564,35 +21661,35 @@
                 <a:gridCol w="1219200">
                   <a:extLst>
                     <a:ext uri="{9D8B030D-6E8A-4147-A177-3AD203B41FA5}">
-                      <a16:colId xmlns:a16="http://schemas.microsoft.com/office/drawing/2014/main" xmlns="" val="20000"/>
+                      <a16:colId xmlns:a16="http://schemas.microsoft.com/office/drawing/2014/main" val="20000"/>
                     </a:ext>
                   </a:extLst>
                 </a:gridCol>
                 <a:gridCol w="1219200">
                   <a:extLst>
                     <a:ext uri="{9D8B030D-6E8A-4147-A177-3AD203B41FA5}">
-                      <a16:colId xmlns:a16="http://schemas.microsoft.com/office/drawing/2014/main" xmlns="" val="20001"/>
+                      <a16:colId xmlns:a16="http://schemas.microsoft.com/office/drawing/2014/main" val="20001"/>
                     </a:ext>
                   </a:extLst>
                 </a:gridCol>
                 <a:gridCol w="1219200">
                   <a:extLst>
                     <a:ext uri="{9D8B030D-6E8A-4147-A177-3AD203B41FA5}">
-                      <a16:colId xmlns:a16="http://schemas.microsoft.com/office/drawing/2014/main" xmlns="" val="20002"/>
+                      <a16:colId xmlns:a16="http://schemas.microsoft.com/office/drawing/2014/main" val="20002"/>
                     </a:ext>
                   </a:extLst>
                 </a:gridCol>
                 <a:gridCol w="1219200">
                   <a:extLst>
                     <a:ext uri="{9D8B030D-6E8A-4147-A177-3AD203B41FA5}">
-                      <a16:colId xmlns:a16="http://schemas.microsoft.com/office/drawing/2014/main" xmlns="" val="20003"/>
+                      <a16:colId xmlns:a16="http://schemas.microsoft.com/office/drawing/2014/main" val="20003"/>
                     </a:ext>
                   </a:extLst>
                 </a:gridCol>
                 <a:gridCol w="1219200">
                   <a:extLst>
                     <a:ext uri="{9D8B030D-6E8A-4147-A177-3AD203B41FA5}">
-                      <a16:colId xmlns:a16="http://schemas.microsoft.com/office/drawing/2014/main" xmlns="" val="20004"/>
+                      <a16:colId xmlns:a16="http://schemas.microsoft.com/office/drawing/2014/main" val="20004"/>
                     </a:ext>
                   </a:extLst>
                 </a:gridCol>
@@ -21681,7 +21778,7 @@
                 </a:tc>
                 <a:extLst>
                   <a:ext uri="{0D108BD9-81ED-4DB2-BD59-A6C34878D82A}">
-                    <a16:rowId xmlns:a16="http://schemas.microsoft.com/office/drawing/2014/main" xmlns="" val="10000"/>
+                    <a16:rowId xmlns:a16="http://schemas.microsoft.com/office/drawing/2014/main" val="10000"/>
                   </a:ext>
                 </a:extLst>
               </a:tr>
@@ -21717,35 +21814,35 @@
                 <a:gridCol w="1219200">
                   <a:extLst>
                     <a:ext uri="{9D8B030D-6E8A-4147-A177-3AD203B41FA5}">
-                      <a16:colId xmlns:a16="http://schemas.microsoft.com/office/drawing/2014/main" xmlns="" val="20000"/>
+                      <a16:colId xmlns:a16="http://schemas.microsoft.com/office/drawing/2014/main" val="20000"/>
                     </a:ext>
                   </a:extLst>
                 </a:gridCol>
                 <a:gridCol w="1219200">
                   <a:extLst>
                     <a:ext uri="{9D8B030D-6E8A-4147-A177-3AD203B41FA5}">
-                      <a16:colId xmlns:a16="http://schemas.microsoft.com/office/drawing/2014/main" xmlns="" val="20001"/>
+                      <a16:colId xmlns:a16="http://schemas.microsoft.com/office/drawing/2014/main" val="20001"/>
                     </a:ext>
                   </a:extLst>
                 </a:gridCol>
                 <a:gridCol w="1219200">
                   <a:extLst>
                     <a:ext uri="{9D8B030D-6E8A-4147-A177-3AD203B41FA5}">
-                      <a16:colId xmlns:a16="http://schemas.microsoft.com/office/drawing/2014/main" xmlns="" val="20002"/>
+                      <a16:colId xmlns:a16="http://schemas.microsoft.com/office/drawing/2014/main" val="20002"/>
                     </a:ext>
                   </a:extLst>
                 </a:gridCol>
                 <a:gridCol w="1219200">
                   <a:extLst>
                     <a:ext uri="{9D8B030D-6E8A-4147-A177-3AD203B41FA5}">
-                      <a16:colId xmlns:a16="http://schemas.microsoft.com/office/drawing/2014/main" xmlns="" val="20003"/>
+                      <a16:colId xmlns:a16="http://schemas.microsoft.com/office/drawing/2014/main" val="20003"/>
                     </a:ext>
                   </a:extLst>
                 </a:gridCol>
                 <a:gridCol w="1219200">
                   <a:extLst>
                     <a:ext uri="{9D8B030D-6E8A-4147-A177-3AD203B41FA5}">
-                      <a16:colId xmlns:a16="http://schemas.microsoft.com/office/drawing/2014/main" xmlns="" val="20004"/>
+                      <a16:colId xmlns:a16="http://schemas.microsoft.com/office/drawing/2014/main" val="20004"/>
                     </a:ext>
                   </a:extLst>
                 </a:gridCol>
@@ -21838,7 +21935,7 @@
                 </a:tc>
                 <a:extLst>
                   <a:ext uri="{0D108BD9-81ED-4DB2-BD59-A6C34878D82A}">
-                    <a16:rowId xmlns:a16="http://schemas.microsoft.com/office/drawing/2014/main" xmlns="" val="10000"/>
+                    <a16:rowId xmlns:a16="http://schemas.microsoft.com/office/drawing/2014/main" val="10000"/>
                   </a:ext>
                 </a:extLst>
               </a:tr>
@@ -21874,35 +21971,35 @@
                 <a:gridCol w="1219200">
                   <a:extLst>
                     <a:ext uri="{9D8B030D-6E8A-4147-A177-3AD203B41FA5}">
-                      <a16:colId xmlns:a16="http://schemas.microsoft.com/office/drawing/2014/main" xmlns="" val="20000"/>
+                      <a16:colId xmlns:a16="http://schemas.microsoft.com/office/drawing/2014/main" val="20000"/>
                     </a:ext>
                   </a:extLst>
                 </a:gridCol>
                 <a:gridCol w="1219200">
                   <a:extLst>
                     <a:ext uri="{9D8B030D-6E8A-4147-A177-3AD203B41FA5}">
-                      <a16:colId xmlns:a16="http://schemas.microsoft.com/office/drawing/2014/main" xmlns="" val="20001"/>
+                      <a16:colId xmlns:a16="http://schemas.microsoft.com/office/drawing/2014/main" val="20001"/>
                     </a:ext>
                   </a:extLst>
                 </a:gridCol>
                 <a:gridCol w="1219200">
                   <a:extLst>
                     <a:ext uri="{9D8B030D-6E8A-4147-A177-3AD203B41FA5}">
-                      <a16:colId xmlns:a16="http://schemas.microsoft.com/office/drawing/2014/main" xmlns="" val="20002"/>
+                      <a16:colId xmlns:a16="http://schemas.microsoft.com/office/drawing/2014/main" val="20002"/>
                     </a:ext>
                   </a:extLst>
                 </a:gridCol>
                 <a:gridCol w="1219200">
                   <a:extLst>
                     <a:ext uri="{9D8B030D-6E8A-4147-A177-3AD203B41FA5}">
-                      <a16:colId xmlns:a16="http://schemas.microsoft.com/office/drawing/2014/main" xmlns="" val="20003"/>
+                      <a16:colId xmlns:a16="http://schemas.microsoft.com/office/drawing/2014/main" val="20003"/>
                     </a:ext>
                   </a:extLst>
                 </a:gridCol>
                 <a:gridCol w="1219200">
                   <a:extLst>
                     <a:ext uri="{9D8B030D-6E8A-4147-A177-3AD203B41FA5}">
-                      <a16:colId xmlns:a16="http://schemas.microsoft.com/office/drawing/2014/main" xmlns="" val="20004"/>
+                      <a16:colId xmlns:a16="http://schemas.microsoft.com/office/drawing/2014/main" val="20004"/>
                     </a:ext>
                   </a:extLst>
                 </a:gridCol>
@@ -21999,7 +22096,7 @@
                 </a:tc>
                 <a:extLst>
                   <a:ext uri="{0D108BD9-81ED-4DB2-BD59-A6C34878D82A}">
-                    <a16:rowId xmlns:a16="http://schemas.microsoft.com/office/drawing/2014/main" xmlns="" val="10000"/>
+                    <a16:rowId xmlns:a16="http://schemas.microsoft.com/office/drawing/2014/main" val="10000"/>
                   </a:ext>
                 </a:extLst>
               </a:tr>
@@ -22035,35 +22132,35 @@
                 <a:gridCol w="1219200">
                   <a:extLst>
                     <a:ext uri="{9D8B030D-6E8A-4147-A177-3AD203B41FA5}">
-                      <a16:colId xmlns:a16="http://schemas.microsoft.com/office/drawing/2014/main" xmlns="" val="20000"/>
+                      <a16:colId xmlns:a16="http://schemas.microsoft.com/office/drawing/2014/main" val="20000"/>
                     </a:ext>
                   </a:extLst>
                 </a:gridCol>
                 <a:gridCol w="1219200">
                   <a:extLst>
                     <a:ext uri="{9D8B030D-6E8A-4147-A177-3AD203B41FA5}">
-                      <a16:colId xmlns:a16="http://schemas.microsoft.com/office/drawing/2014/main" xmlns="" val="20001"/>
+                      <a16:colId xmlns:a16="http://schemas.microsoft.com/office/drawing/2014/main" val="20001"/>
                     </a:ext>
                   </a:extLst>
                 </a:gridCol>
                 <a:gridCol w="1219200">
                   <a:extLst>
                     <a:ext uri="{9D8B030D-6E8A-4147-A177-3AD203B41FA5}">
-                      <a16:colId xmlns:a16="http://schemas.microsoft.com/office/drawing/2014/main" xmlns="" val="20002"/>
+                      <a16:colId xmlns:a16="http://schemas.microsoft.com/office/drawing/2014/main" val="20002"/>
                     </a:ext>
                   </a:extLst>
                 </a:gridCol>
                 <a:gridCol w="1219200">
                   <a:extLst>
                     <a:ext uri="{9D8B030D-6E8A-4147-A177-3AD203B41FA5}">
-                      <a16:colId xmlns:a16="http://schemas.microsoft.com/office/drawing/2014/main" xmlns="" val="20003"/>
+                      <a16:colId xmlns:a16="http://schemas.microsoft.com/office/drawing/2014/main" val="20003"/>
                     </a:ext>
                   </a:extLst>
                 </a:gridCol>
                 <a:gridCol w="1219200">
                   <a:extLst>
                     <a:ext uri="{9D8B030D-6E8A-4147-A177-3AD203B41FA5}">
-                      <a16:colId xmlns:a16="http://schemas.microsoft.com/office/drawing/2014/main" xmlns="" val="20004"/>
+                      <a16:colId xmlns:a16="http://schemas.microsoft.com/office/drawing/2014/main" val="20004"/>
                     </a:ext>
                   </a:extLst>
                 </a:gridCol>
@@ -22160,7 +22257,7 @@
                 </a:tc>
                 <a:extLst>
                   <a:ext uri="{0D108BD9-81ED-4DB2-BD59-A6C34878D82A}">
-                    <a16:rowId xmlns:a16="http://schemas.microsoft.com/office/drawing/2014/main" xmlns="" val="10000"/>
+                    <a16:rowId xmlns:a16="http://schemas.microsoft.com/office/drawing/2014/main" val="10000"/>
                   </a:ext>
                 </a:extLst>
               </a:tr>
@@ -22880,7 +22977,7 @@
           <p:cNvPr id="2" name="Title 1">
             <a:extLst>
               <a:ext uri="{FF2B5EF4-FFF2-40B4-BE49-F238E27FC236}">
-                <a16:creationId xmlns:a16="http://schemas.microsoft.com/office/drawing/2014/main" xmlns="" id="{C9E81E4C-A0B9-4727-8465-CC2727513FAC}"/>
+                <a16:creationId xmlns:a16="http://schemas.microsoft.com/office/drawing/2014/main" id="{C9E81E4C-A0B9-4727-8465-CC2727513FAC}"/>
               </a:ext>
             </a:extLst>
           </p:cNvPr>
@@ -22916,7 +23013,7 @@
           <p:cNvPr id="4" name="Date Placeholder 3">
             <a:extLst>
               <a:ext uri="{FF2B5EF4-FFF2-40B4-BE49-F238E27FC236}">
-                <a16:creationId xmlns:a16="http://schemas.microsoft.com/office/drawing/2014/main" xmlns="" id="{EEDA3DF6-0CE1-4692-8DEF-D632C59B2017}"/>
+                <a16:creationId xmlns:a16="http://schemas.microsoft.com/office/drawing/2014/main" id="{EEDA3DF6-0CE1-4692-8DEF-D632C59B2017}"/>
               </a:ext>
             </a:extLst>
           </p:cNvPr>
@@ -22945,7 +23042,7 @@
           <p:cNvPr id="5" name="Footer Placeholder 4">
             <a:extLst>
               <a:ext uri="{FF2B5EF4-FFF2-40B4-BE49-F238E27FC236}">
-                <a16:creationId xmlns:a16="http://schemas.microsoft.com/office/drawing/2014/main" xmlns="" id="{840F41E9-E0A8-4017-A8A0-09731D486EB2}"/>
+                <a16:creationId xmlns:a16="http://schemas.microsoft.com/office/drawing/2014/main" id="{840F41E9-E0A8-4017-A8A0-09731D486EB2}"/>
               </a:ext>
             </a:extLst>
           </p:cNvPr>
@@ -22974,7 +23071,7 @@
           <p:cNvPr id="6" name="Slide Number Placeholder 5">
             <a:extLst>
               <a:ext uri="{FF2B5EF4-FFF2-40B4-BE49-F238E27FC236}">
-                <a16:creationId xmlns:a16="http://schemas.microsoft.com/office/drawing/2014/main" xmlns="" id="{3CF71064-8F62-4A37-B7B2-57C930214798}"/>
+                <a16:creationId xmlns:a16="http://schemas.microsoft.com/office/drawing/2014/main" id="{3CF71064-8F62-4A37-B7B2-57C930214798}"/>
               </a:ext>
             </a:extLst>
           </p:cNvPr>
@@ -23004,7 +23101,7 @@
           <p:cNvPr id="7" name="Picture 6">
             <a:extLst>
               <a:ext uri="{FF2B5EF4-FFF2-40B4-BE49-F238E27FC236}">
-                <a16:creationId xmlns:a16="http://schemas.microsoft.com/office/drawing/2014/main" xmlns="" id="{1EC402BD-5166-45F7-851E-ECC906F128E6}"/>
+                <a16:creationId xmlns:a16="http://schemas.microsoft.com/office/drawing/2014/main" id="{1EC402BD-5166-45F7-851E-ECC906F128E6}"/>
               </a:ext>
             </a:extLst>
           </p:cNvPr>
@@ -23034,7 +23131,7 @@
           <p:cNvPr id="9" name="Rectangle 8">
             <a:extLst>
               <a:ext uri="{FF2B5EF4-FFF2-40B4-BE49-F238E27FC236}">
-                <a16:creationId xmlns:a16="http://schemas.microsoft.com/office/drawing/2014/main" xmlns="" id="{57B3431C-D5A0-4BDA-831E-C22F0F0A9E8A}"/>
+                <a16:creationId xmlns:a16="http://schemas.microsoft.com/office/drawing/2014/main" id="{57B3431C-D5A0-4BDA-831E-C22F0F0A9E8A}"/>
               </a:ext>
             </a:extLst>
           </p:cNvPr>
@@ -23077,7 +23174,7 @@
           <p:cNvPr id="10" name="Rectangle 9">
             <a:extLst>
               <a:ext uri="{FF2B5EF4-FFF2-40B4-BE49-F238E27FC236}">
-                <a16:creationId xmlns:a16="http://schemas.microsoft.com/office/drawing/2014/main" xmlns="" id="{FFC755C4-388A-48EB-8402-C5DFAF70360A}"/>
+                <a16:creationId xmlns:a16="http://schemas.microsoft.com/office/drawing/2014/main" id="{FFC755C4-388A-48EB-8402-C5DFAF70360A}"/>
               </a:ext>
             </a:extLst>
           </p:cNvPr>
@@ -23600,7 +23697,7 @@
           <p:cNvPr id="2" name="Title 1">
             <a:extLst>
               <a:ext uri="{FF2B5EF4-FFF2-40B4-BE49-F238E27FC236}">
-                <a16:creationId xmlns:a16="http://schemas.microsoft.com/office/drawing/2014/main" xmlns="" id="{2A24231D-9B05-4444-AE52-A9D247DD23B8}"/>
+                <a16:creationId xmlns:a16="http://schemas.microsoft.com/office/drawing/2014/main" id="{2A24231D-9B05-4444-AE52-A9D247DD23B8}"/>
               </a:ext>
             </a:extLst>
           </p:cNvPr>
@@ -23628,7 +23725,7 @@
           <p:cNvPr id="3" name="Content Placeholder 2">
             <a:extLst>
               <a:ext uri="{FF2B5EF4-FFF2-40B4-BE49-F238E27FC236}">
-                <a16:creationId xmlns:a16="http://schemas.microsoft.com/office/drawing/2014/main" xmlns="" id="{AB540D7D-DBDB-4FBF-8101-89CA890DC8E2}"/>
+                <a16:creationId xmlns:a16="http://schemas.microsoft.com/office/drawing/2014/main" id="{AB540D7D-DBDB-4FBF-8101-89CA890DC8E2}"/>
               </a:ext>
             </a:extLst>
           </p:cNvPr>
@@ -23948,7 +24045,7 @@
           <p:cNvPr id="2" name="Title 1">
             <a:extLst>
               <a:ext uri="{FF2B5EF4-FFF2-40B4-BE49-F238E27FC236}">
-                <a16:creationId xmlns:a16="http://schemas.microsoft.com/office/drawing/2014/main" xmlns="" id="{FDB15D5C-3E69-42D6-959B-55BE2E61F423}"/>
+                <a16:creationId xmlns:a16="http://schemas.microsoft.com/office/drawing/2014/main" id="{FDB15D5C-3E69-42D6-959B-55BE2E61F423}"/>
               </a:ext>
             </a:extLst>
           </p:cNvPr>
@@ -23976,7 +24073,7 @@
           <p:cNvPr id="3" name="Content Placeholder 2">
             <a:extLst>
               <a:ext uri="{FF2B5EF4-FFF2-40B4-BE49-F238E27FC236}">
-                <a16:creationId xmlns:a16="http://schemas.microsoft.com/office/drawing/2014/main" xmlns="" id="{568BD1AF-4C0E-4C33-B16E-E6664816CAF5}"/>
+                <a16:creationId xmlns:a16="http://schemas.microsoft.com/office/drawing/2014/main" id="{568BD1AF-4C0E-4C33-B16E-E6664816CAF5}"/>
               </a:ext>
             </a:extLst>
           </p:cNvPr>
@@ -24027,6 +24124,33 @@
             <a:pPr lvl="1"/>
             <a:r>
               <a:rPr lang="en-US" dirty="0"/>
+              <a:t>control &lt;- </a:t>
+            </a:r>
+            <a:r>
+              <a:rPr lang="en-US" dirty="0" err="1"/>
+              <a:t>rpart.control</a:t>
+            </a:r>
+            <a:r>
+              <a:rPr lang="en-US" dirty="0"/>
+              <a:t>(</a:t>
+            </a:r>
+            <a:r>
+              <a:rPr lang="en-US" dirty="0" err="1"/>
+              <a:t>minscplit</a:t>
+            </a:r>
+            <a:r>
+              <a:rPr lang="en-US" dirty="0"/>
+              <a:t>=20, cp=</a:t>
+            </a:r>
+            <a:r>
+              <a:rPr lang="en-US"/>
+              <a:t>0.01)</a:t>
+            </a:r>
+          </a:p>
+          <a:p>
+            <a:pPr lvl="1"/>
+            <a:r>
+              <a:rPr lang="en-US"/>
               <a:t>car.tree5 &lt;- </a:t>
             </a:r>
             <a:r>
@@ -24237,7 +24361,7 @@
           <p:cNvPr id="2" name="Title 1">
             <a:extLst>
               <a:ext uri="{FF2B5EF4-FFF2-40B4-BE49-F238E27FC236}">
-                <a16:creationId xmlns:a16="http://schemas.microsoft.com/office/drawing/2014/main" xmlns="" id="{CD8454EB-7C8E-4828-AEE5-0DD2C795D393}"/>
+                <a16:creationId xmlns:a16="http://schemas.microsoft.com/office/drawing/2014/main" id="{CD8454EB-7C8E-4828-AEE5-0DD2C795D393}"/>
               </a:ext>
             </a:extLst>
           </p:cNvPr>
@@ -24262,7 +24386,7 @@
           <p:cNvPr id="3" name="Content Placeholder 2">
             <a:extLst>
               <a:ext uri="{FF2B5EF4-FFF2-40B4-BE49-F238E27FC236}">
-                <a16:creationId xmlns:a16="http://schemas.microsoft.com/office/drawing/2014/main" xmlns="" id="{9031DB80-0AC4-4AA0-B27F-0ADDBDD15873}"/>
+                <a16:creationId xmlns:a16="http://schemas.microsoft.com/office/drawing/2014/main" id="{9031DB80-0AC4-4AA0-B27F-0ADDBDD15873}"/>
               </a:ext>
             </a:extLst>
           </p:cNvPr>
@@ -24431,7 +24555,7 @@
           <p:cNvPr id="2" name="Title 1">
             <a:extLst>
               <a:ext uri="{FF2B5EF4-FFF2-40B4-BE49-F238E27FC236}">
-                <a16:creationId xmlns:a16="http://schemas.microsoft.com/office/drawing/2014/main" xmlns="" id="{4B30F680-9CD5-42C3-A322-2BB3F03BB22E}"/>
+                <a16:creationId xmlns:a16="http://schemas.microsoft.com/office/drawing/2014/main" id="{4B30F680-9CD5-42C3-A322-2BB3F03BB22E}"/>
               </a:ext>
             </a:extLst>
           </p:cNvPr>
@@ -24459,7 +24583,7 @@
           <p:cNvPr id="3" name="Content Placeholder 2">
             <a:extLst>
               <a:ext uri="{FF2B5EF4-FFF2-40B4-BE49-F238E27FC236}">
-                <a16:creationId xmlns:a16="http://schemas.microsoft.com/office/drawing/2014/main" xmlns="" id="{8006EC53-FDEE-4666-9F9B-3029548280F8}"/>
+                <a16:creationId xmlns:a16="http://schemas.microsoft.com/office/drawing/2014/main" id="{8006EC53-FDEE-4666-9F9B-3029548280F8}"/>
               </a:ext>
             </a:extLst>
           </p:cNvPr>
@@ -24674,7 +24798,7 @@
                         <m:endChr m:val="}"/>
                         <m:ctrlPr>
                           <a:rPr lang="en-US" sz="2200" i="1">
-                            <a:latin typeface="Cambria Math"/>
+                            <a:latin typeface="Cambria Math" panose="02040503050406030204" pitchFamily="18" charset="0"/>
                           </a:rPr>
                         </m:ctrlPr>
                       </m:dPr>
@@ -24683,7 +24807,7 @@
                           <m:sSubPr>
                             <m:ctrlPr>
                               <a:rPr lang="en-US" sz="2200" b="1" i="1">
-                                <a:latin typeface="Cambria Math"/>
+                                <a:latin typeface="Cambria Math" panose="02040503050406030204" pitchFamily="18" charset="0"/>
                               </a:rPr>
                             </m:ctrlPr>
                           </m:sSubPr>
@@ -24714,7 +24838,7 @@
                           <m:sSubPr>
                             <m:ctrlPr>
                               <a:rPr lang="en-US" sz="2200" i="1">
-                                <a:latin typeface="Cambria Math"/>
+                                <a:latin typeface="Cambria Math" panose="02040503050406030204" pitchFamily="18" charset="0"/>
                               </a:rPr>
                             </m:ctrlPr>
                           </m:sSubPr>
@@ -24783,7 +24907,7 @@
                       <m:sSubPr>
                         <m:ctrlPr>
                           <a:rPr lang="en-US" sz="2200" b="1" i="1">
-                            <a:latin typeface="Cambria Math"/>
+                            <a:latin typeface="Cambria Math" panose="02040503050406030204" pitchFamily="18" charset="0"/>
                           </a:rPr>
                         </m:ctrlPr>
                       </m:sSubPr>
@@ -24815,7 +24939,7 @@
                       <m:sSupPr>
                         <m:ctrlPr>
                           <a:rPr lang="en-US" sz="2200" b="1" i="1">
-                            <a:latin typeface="Cambria Math"/>
+                            <a:latin typeface="Cambria Math" panose="02040503050406030204" pitchFamily="18" charset="0"/>
                             <a:ea typeface="Cambria Math"/>
                           </a:rPr>
                         </m:ctrlPr>
@@ -24945,7 +25069,7 @@
                       <m:sSubPr>
                         <m:ctrlPr>
                           <a:rPr lang="en-US" sz="2200" b="0" i="1" smtClean="0">
-                            <a:latin typeface="Cambria Math"/>
+                            <a:latin typeface="Cambria Math" panose="02040503050406030204" pitchFamily="18" charset="0"/>
                             <a:ea typeface="Cambria Math"/>
                           </a:rPr>
                         </m:ctrlPr>
@@ -24981,7 +25105,7 @@
                         <m:chr m:val="∑"/>
                         <m:ctrlPr>
                           <a:rPr lang="en-US" sz="2200" i="1" smtClean="0">
-                            <a:latin typeface="Cambria Math"/>
+                            <a:latin typeface="Cambria Math" panose="02040503050406030204" pitchFamily="18" charset="0"/>
                             <a:ea typeface="Cambria Math"/>
                           </a:rPr>
                         </m:ctrlPr>
@@ -25033,7 +25157,7 @@
                           <m:sSubPr>
                             <m:ctrlPr>
                               <a:rPr lang="en-US" sz="2200" b="0" i="1" smtClean="0">
-                                <a:latin typeface="Cambria Math"/>
+                                <a:latin typeface="Cambria Math" panose="02040503050406030204" pitchFamily="18" charset="0"/>
                                 <a:ea typeface="Cambria Math"/>
                               </a:rPr>
                             </m:ctrlPr>
@@ -25970,7 +26094,7 @@
           <p:cNvPr id="2" name="Title 1">
             <a:extLst>
               <a:ext uri="{FF2B5EF4-FFF2-40B4-BE49-F238E27FC236}">
-                <a16:creationId xmlns:a16="http://schemas.microsoft.com/office/drawing/2014/main" xmlns="" id="{3B4A6D6F-EF73-445F-8B26-7A8318DC6C7A}"/>
+                <a16:creationId xmlns:a16="http://schemas.microsoft.com/office/drawing/2014/main" id="{3B4A6D6F-EF73-445F-8B26-7A8318DC6C7A}"/>
               </a:ext>
             </a:extLst>
           </p:cNvPr>
@@ -25998,7 +26122,7 @@
           <p:cNvPr id="3" name="Content Placeholder 2">
             <a:extLst>
               <a:ext uri="{FF2B5EF4-FFF2-40B4-BE49-F238E27FC236}">
-                <a16:creationId xmlns:a16="http://schemas.microsoft.com/office/drawing/2014/main" xmlns="" id="{A3E9E57D-7F49-4F46-8CE1-A202F2B7A4ED}"/>
+                <a16:creationId xmlns:a16="http://schemas.microsoft.com/office/drawing/2014/main" id="{A3E9E57D-7F49-4F46-8CE1-A202F2B7A4ED}"/>
               </a:ext>
             </a:extLst>
           </p:cNvPr>
@@ -26178,7 +26302,7 @@
           <p:cNvPr id="2" name="Title 1">
             <a:extLst>
               <a:ext uri="{FF2B5EF4-FFF2-40B4-BE49-F238E27FC236}">
-                <a16:creationId xmlns:a16="http://schemas.microsoft.com/office/drawing/2014/main" xmlns="" id="{CD8454EB-7C8E-4828-AEE5-0DD2C795D393}"/>
+                <a16:creationId xmlns:a16="http://schemas.microsoft.com/office/drawing/2014/main" id="{CD8454EB-7C8E-4828-AEE5-0DD2C795D393}"/>
               </a:ext>
             </a:extLst>
           </p:cNvPr>
@@ -26203,7 +26327,7 @@
           <p:cNvPr id="3" name="Content Placeholder 2">
             <a:extLst>
               <a:ext uri="{FF2B5EF4-FFF2-40B4-BE49-F238E27FC236}">
-                <a16:creationId xmlns:a16="http://schemas.microsoft.com/office/drawing/2014/main" xmlns="" id="{9031DB80-0AC4-4AA0-B27F-0ADDBDD15873}"/>
+                <a16:creationId xmlns:a16="http://schemas.microsoft.com/office/drawing/2014/main" id="{9031DB80-0AC4-4AA0-B27F-0ADDBDD15873}"/>
               </a:ext>
             </a:extLst>
           </p:cNvPr>
@@ -26469,7 +26593,7 @@
                       <m:sSubPr>
                         <m:ctrlPr>
                           <a:rPr lang="en-US" b="0" i="1" dirty="0" smtClean="0">
-                            <a:latin typeface="Cambria Math"/>
+                            <a:latin typeface="Cambria Math" panose="02040503050406030204" pitchFamily="18" charset="0"/>
                           </a:rPr>
                         </m:ctrlPr>
                       </m:sSubPr>
@@ -26574,7 +26698,7 @@
                       <m:sSubPr>
                         <m:ctrlPr>
                           <a:rPr lang="en-US" b="0" i="1" dirty="0" smtClean="0">
-                            <a:latin typeface="Cambria Math"/>
+                            <a:latin typeface="Cambria Math" panose="02040503050406030204" pitchFamily="18" charset="0"/>
                           </a:rPr>
                         </m:ctrlPr>
                       </m:sSubPr>
@@ -26826,7 +26950,7 @@
           <p:cNvPr id="2" name="Title 1">
             <a:extLst>
               <a:ext uri="{FF2B5EF4-FFF2-40B4-BE49-F238E27FC236}">
-                <a16:creationId xmlns:a16="http://schemas.microsoft.com/office/drawing/2014/main" xmlns="" id="{2A6CE57B-1663-4FF3-B81F-CEFCCF0E45CE}"/>
+                <a16:creationId xmlns:a16="http://schemas.microsoft.com/office/drawing/2014/main" id="{2A6CE57B-1663-4FF3-B81F-CEFCCF0E45CE}"/>
               </a:ext>
             </a:extLst>
           </p:cNvPr>
@@ -26854,7 +26978,7 @@
           <p:cNvPr id="3" name="Content Placeholder 2">
             <a:extLst>
               <a:ext uri="{FF2B5EF4-FFF2-40B4-BE49-F238E27FC236}">
-                <a16:creationId xmlns:a16="http://schemas.microsoft.com/office/drawing/2014/main" xmlns="" id="{3D930F9B-23AE-41CC-B53F-1EB5DC3D0494}"/>
+                <a16:creationId xmlns:a16="http://schemas.microsoft.com/office/drawing/2014/main" id="{3D930F9B-23AE-41CC-B53F-1EB5DC3D0494}"/>
               </a:ext>
             </a:extLst>
           </p:cNvPr>
@@ -26999,7 +27123,7 @@
           <p:cNvPr id="2" name="Title 1">
             <a:extLst>
               <a:ext uri="{FF2B5EF4-FFF2-40B4-BE49-F238E27FC236}">
-                <a16:creationId xmlns:a16="http://schemas.microsoft.com/office/drawing/2014/main" xmlns="" id="{91B40A52-90B4-4BC0-A163-12E82DFD234A}"/>
+                <a16:creationId xmlns:a16="http://schemas.microsoft.com/office/drawing/2014/main" id="{91B40A52-90B4-4BC0-A163-12E82DFD234A}"/>
               </a:ext>
             </a:extLst>
           </p:cNvPr>
@@ -27027,7 +27151,7 @@
           <p:cNvPr id="3" name="Content Placeholder 2">
             <a:extLst>
               <a:ext uri="{FF2B5EF4-FFF2-40B4-BE49-F238E27FC236}">
-                <a16:creationId xmlns:a16="http://schemas.microsoft.com/office/drawing/2014/main" xmlns="" id="{6887F732-8E80-4050-8D57-196C1CD0BE93}"/>
+                <a16:creationId xmlns:a16="http://schemas.microsoft.com/office/drawing/2014/main" id="{6887F732-8E80-4050-8D57-196C1CD0BE93}"/>
               </a:ext>
             </a:extLst>
           </p:cNvPr>
@@ -27206,7 +27330,7 @@
           <p:cNvPr id="2" name="Title 1">
             <a:extLst>
               <a:ext uri="{FF2B5EF4-FFF2-40B4-BE49-F238E27FC236}">
-                <a16:creationId xmlns:a16="http://schemas.microsoft.com/office/drawing/2014/main" xmlns="" id="{2C263A1E-98C1-46DE-B3F5-F11120DB7A90}"/>
+                <a16:creationId xmlns:a16="http://schemas.microsoft.com/office/drawing/2014/main" id="{2C263A1E-98C1-46DE-B3F5-F11120DB7A90}"/>
               </a:ext>
             </a:extLst>
           </p:cNvPr>
@@ -27234,7 +27358,7 @@
           <p:cNvPr id="3" name="Content Placeholder 2">
             <a:extLst>
               <a:ext uri="{FF2B5EF4-FFF2-40B4-BE49-F238E27FC236}">
-                <a16:creationId xmlns:a16="http://schemas.microsoft.com/office/drawing/2014/main" xmlns="" id="{FEA7B1D4-972B-4510-BF93-64E41D4AD518}"/>
+                <a16:creationId xmlns:a16="http://schemas.microsoft.com/office/drawing/2014/main" id="{FEA7B1D4-972B-4510-BF93-64E41D4AD518}"/>
               </a:ext>
             </a:extLst>
           </p:cNvPr>
@@ -27439,7 +27563,7 @@
           <p:cNvPr id="2" name="Title 1">
             <a:extLst>
               <a:ext uri="{FF2B5EF4-FFF2-40B4-BE49-F238E27FC236}">
-                <a16:creationId xmlns:a16="http://schemas.microsoft.com/office/drawing/2014/main" xmlns="" id="{1C87DDA2-0402-4427-BD2B-38E81CC25C82}"/>
+                <a16:creationId xmlns:a16="http://schemas.microsoft.com/office/drawing/2014/main" id="{1C87DDA2-0402-4427-BD2B-38E81CC25C82}"/>
               </a:ext>
             </a:extLst>
           </p:cNvPr>
@@ -27467,7 +27591,7 @@
           <p:cNvPr id="3" name="Content Placeholder 2">
             <a:extLst>
               <a:ext uri="{FF2B5EF4-FFF2-40B4-BE49-F238E27FC236}">
-                <a16:creationId xmlns:a16="http://schemas.microsoft.com/office/drawing/2014/main" xmlns="" id="{F3F973AD-AABE-43C6-9547-B825E7958280}"/>
+                <a16:creationId xmlns:a16="http://schemas.microsoft.com/office/drawing/2014/main" id="{F3F973AD-AABE-43C6-9547-B825E7958280}"/>
               </a:ext>
             </a:extLst>
           </p:cNvPr>
@@ -27503,7 +27627,7 @@
           <p:cNvPr id="4" name="Date Placeholder 3">
             <a:extLst>
               <a:ext uri="{FF2B5EF4-FFF2-40B4-BE49-F238E27FC236}">
-                <a16:creationId xmlns:a16="http://schemas.microsoft.com/office/drawing/2014/main" xmlns="" id="{6B0B029F-0E7C-44E0-B099-D79DEC80E389}"/>
+                <a16:creationId xmlns:a16="http://schemas.microsoft.com/office/drawing/2014/main" id="{6B0B029F-0E7C-44E0-B099-D79DEC80E389}"/>
               </a:ext>
             </a:extLst>
           </p:cNvPr>
@@ -27532,7 +27656,7 @@
           <p:cNvPr id="5" name="Footer Placeholder 4">
             <a:extLst>
               <a:ext uri="{FF2B5EF4-FFF2-40B4-BE49-F238E27FC236}">
-                <a16:creationId xmlns:a16="http://schemas.microsoft.com/office/drawing/2014/main" xmlns="" id="{2010230E-4981-40B2-9B3E-87280C530AD1}"/>
+                <a16:creationId xmlns:a16="http://schemas.microsoft.com/office/drawing/2014/main" id="{2010230E-4981-40B2-9B3E-87280C530AD1}"/>
               </a:ext>
             </a:extLst>
           </p:cNvPr>
@@ -27561,7 +27685,7 @@
           <p:cNvPr id="6" name="Slide Number Placeholder 5">
             <a:extLst>
               <a:ext uri="{FF2B5EF4-FFF2-40B4-BE49-F238E27FC236}">
-                <a16:creationId xmlns:a16="http://schemas.microsoft.com/office/drawing/2014/main" xmlns="" id="{875E9B2D-096C-4B51-AFEB-F4D13914F3E2}"/>
+                <a16:creationId xmlns:a16="http://schemas.microsoft.com/office/drawing/2014/main" id="{875E9B2D-096C-4B51-AFEB-F4D13914F3E2}"/>
               </a:ext>
             </a:extLst>
           </p:cNvPr>
@@ -27591,7 +27715,7 @@
           <p:cNvPr id="7" name="Picture 6">
             <a:extLst>
               <a:ext uri="{FF2B5EF4-FFF2-40B4-BE49-F238E27FC236}">
-                <a16:creationId xmlns:a16="http://schemas.microsoft.com/office/drawing/2014/main" xmlns="" id="{CAF70065-52F1-4999-B9B6-7B50C6AF50FE}"/>
+                <a16:creationId xmlns:a16="http://schemas.microsoft.com/office/drawing/2014/main" id="{CAF70065-52F1-4999-B9B6-7B50C6AF50FE}"/>
               </a:ext>
             </a:extLst>
           </p:cNvPr>
@@ -27651,7 +27775,7 @@
           <p:cNvPr id="2" name="Title 1">
             <a:extLst>
               <a:ext uri="{FF2B5EF4-FFF2-40B4-BE49-F238E27FC236}">
-                <a16:creationId xmlns:a16="http://schemas.microsoft.com/office/drawing/2014/main" xmlns="" id="{3954DD4C-9AFB-4774-B68A-9495FE691FA1}"/>
+                <a16:creationId xmlns:a16="http://schemas.microsoft.com/office/drawing/2014/main" id="{3954DD4C-9AFB-4774-B68A-9495FE691FA1}"/>
               </a:ext>
             </a:extLst>
           </p:cNvPr>
@@ -27679,7 +27803,7 @@
           <p:cNvPr id="3" name="Content Placeholder 2">
             <a:extLst>
               <a:ext uri="{FF2B5EF4-FFF2-40B4-BE49-F238E27FC236}">
-                <a16:creationId xmlns:a16="http://schemas.microsoft.com/office/drawing/2014/main" xmlns="" id="{E33CC9C7-B7D9-465F-8F45-DA9C6638A229}"/>
+                <a16:creationId xmlns:a16="http://schemas.microsoft.com/office/drawing/2014/main" id="{E33CC9C7-B7D9-465F-8F45-DA9C6638A229}"/>
               </a:ext>
             </a:extLst>
           </p:cNvPr>
@@ -27895,7 +28019,7 @@
           <p:cNvPr id="2" name="Title 1">
             <a:extLst>
               <a:ext uri="{FF2B5EF4-FFF2-40B4-BE49-F238E27FC236}">
-                <a16:creationId xmlns:a16="http://schemas.microsoft.com/office/drawing/2014/main" xmlns="" id="{539D8A96-0247-432E-A28A-E335F9ECFEEF}"/>
+                <a16:creationId xmlns:a16="http://schemas.microsoft.com/office/drawing/2014/main" id="{539D8A96-0247-432E-A28A-E335F9ECFEEF}"/>
               </a:ext>
             </a:extLst>
           </p:cNvPr>
@@ -27923,7 +28047,7 @@
           <p:cNvPr id="3" name="Content Placeholder 2">
             <a:extLst>
               <a:ext uri="{FF2B5EF4-FFF2-40B4-BE49-F238E27FC236}">
-                <a16:creationId xmlns:a16="http://schemas.microsoft.com/office/drawing/2014/main" xmlns="" id="{8CEF64E9-023A-4EA1-86D5-3823476844EA}"/>
+                <a16:creationId xmlns:a16="http://schemas.microsoft.com/office/drawing/2014/main" id="{8CEF64E9-023A-4EA1-86D5-3823476844EA}"/>
               </a:ext>
             </a:extLst>
           </p:cNvPr>
@@ -28086,7 +28210,7 @@
           <p:cNvPr id="2" name="Title 1">
             <a:extLst>
               <a:ext uri="{FF2B5EF4-FFF2-40B4-BE49-F238E27FC236}">
-                <a16:creationId xmlns:a16="http://schemas.microsoft.com/office/drawing/2014/main" xmlns="" id="{87C46574-53E4-4FF8-87BB-9A0AB4698D40}"/>
+                <a16:creationId xmlns:a16="http://schemas.microsoft.com/office/drawing/2014/main" id="{87C46574-53E4-4FF8-87BB-9A0AB4698D40}"/>
               </a:ext>
             </a:extLst>
           </p:cNvPr>
@@ -28114,7 +28238,7 @@
           <p:cNvPr id="3" name="Content Placeholder 2">
             <a:extLst>
               <a:ext uri="{FF2B5EF4-FFF2-40B4-BE49-F238E27FC236}">
-                <a16:creationId xmlns:a16="http://schemas.microsoft.com/office/drawing/2014/main" xmlns="" id="{A550F9D6-C40E-4F8D-AFB6-A07A0F0A32C3}"/>
+                <a16:creationId xmlns:a16="http://schemas.microsoft.com/office/drawing/2014/main" id="{A550F9D6-C40E-4F8D-AFB6-A07A0F0A32C3}"/>
               </a:ext>
             </a:extLst>
           </p:cNvPr>
@@ -28400,7 +28524,7 @@
             </a:r>
             <a:r>
               <a:rPr lang="en-US" sz="2400" dirty="0"/>
-              <a:t> package automatically detect the problem via (probably) the type of the response variable. To check variable type, use: class(Cars93$Price). To set variable type, use: </a:t>
+              <a:t> package automatically detect the problem via (probably) the type of the response variable. To check variable type, call: class(Cars93$Price). To set variable type, call: </a:t>
             </a:r>
             <a:r>
               <a:rPr lang="en-US" sz="2400" dirty="0" err="1"/>
@@ -29232,7 +29356,7 @@
           <p:cNvPr id="2" name="Title 1">
             <a:extLst>
               <a:ext uri="{FF2B5EF4-FFF2-40B4-BE49-F238E27FC236}">
-                <a16:creationId xmlns:a16="http://schemas.microsoft.com/office/drawing/2014/main" xmlns="" id="{E1873E9F-38D1-4259-9768-E19D23A85E9B}"/>
+                <a16:creationId xmlns:a16="http://schemas.microsoft.com/office/drawing/2014/main" id="{E1873E9F-38D1-4259-9768-E19D23A85E9B}"/>
               </a:ext>
             </a:extLst>
           </p:cNvPr>
@@ -29260,7 +29384,7 @@
           <p:cNvPr id="3" name="Content Placeholder 2">
             <a:extLst>
               <a:ext uri="{FF2B5EF4-FFF2-40B4-BE49-F238E27FC236}">
-                <a16:creationId xmlns:a16="http://schemas.microsoft.com/office/drawing/2014/main" xmlns="" id="{B2A8FF69-3D61-4184-A5E5-8F2325B3D6E6}"/>
+                <a16:creationId xmlns:a16="http://schemas.microsoft.com/office/drawing/2014/main" id="{B2A8FF69-3D61-4184-A5E5-8F2325B3D6E6}"/>
               </a:ext>
             </a:extLst>
           </p:cNvPr>
@@ -29555,7 +29679,7 @@
           <p:cNvPr id="8" name="Content Placeholder 2">
             <a:extLst>
               <a:ext uri="{FF2B5EF4-FFF2-40B4-BE49-F238E27FC236}">
-                <a16:creationId xmlns:a16="http://schemas.microsoft.com/office/drawing/2014/main" xmlns="" id="{6FCD12D9-BCB8-4B32-BDFE-15B03276BA98}"/>
+                <a16:creationId xmlns:a16="http://schemas.microsoft.com/office/drawing/2014/main" id="{6FCD12D9-BCB8-4B32-BDFE-15B03276BA98}"/>
               </a:ext>
             </a:extLst>
           </p:cNvPr>
@@ -30176,7 +30300,7 @@
   <a:extraClrSchemeLst/>
   <a:extLst>
     <a:ext uri="{05A4C25C-085E-4340-85A3-A5531E510DB2}">
-      <thm15:themeFamily xmlns:thm15="http://schemas.microsoft.com/office/thememl/2012/main" xmlns="" name="Office Theme" id="{62F939B6-93AF-4DB8-9C6B-D6C7DFDC589F}" vid="{4A3C46E8-61CC-4603-A589-7422A47A8E4A}"/>
+      <thm15:themeFamily xmlns:thm15="http://schemas.microsoft.com/office/thememl/2012/main" name="Office Theme" id="{62F939B6-93AF-4DB8-9C6B-D6C7DFDC589F}" vid="{4A3C46E8-61CC-4603-A589-7422A47A8E4A}"/>
     </a:ext>
   </a:extLst>
 </a:theme>
